--- a/modules/MortalityComponents/PPT.pptx
+++ b/modules/MortalityComponents/PPT.pptx
@@ -5,27 +5,31 @@
     <p:sldMasterId id="2147483648" r:id="rId1"/>
   </p:sldMasterIdLst>
   <p:notesMasterIdLst>
-    <p:notesMasterId r:id="rId17"/>
+    <p:notesMasterId r:id="rId21"/>
   </p:notesMasterIdLst>
   <p:handoutMasterIdLst>
-    <p:handoutMasterId r:id="rId18"/>
+    <p:handoutMasterId r:id="rId22"/>
   </p:handoutMasterIdLst>
   <p:sldIdLst>
     <p:sldId id="324" r:id="rId2"/>
-    <p:sldId id="333" r:id="rId3"/>
-    <p:sldId id="334" r:id="rId4"/>
-    <p:sldId id="335" r:id="rId5"/>
-    <p:sldId id="336" r:id="rId6"/>
-    <p:sldId id="330" r:id="rId7"/>
-    <p:sldId id="325" r:id="rId8"/>
-    <p:sldId id="326" r:id="rId9"/>
-    <p:sldId id="329" r:id="rId10"/>
-    <p:sldId id="332" r:id="rId11"/>
-    <p:sldId id="331" r:id="rId12"/>
-    <p:sldId id="314" r:id="rId13"/>
-    <p:sldId id="317" r:id="rId14"/>
-    <p:sldId id="318" r:id="rId15"/>
-    <p:sldId id="319" r:id="rId16"/>
+    <p:sldId id="337" r:id="rId3"/>
+    <p:sldId id="339" r:id="rId4"/>
+    <p:sldId id="340" r:id="rId5"/>
+    <p:sldId id="338" r:id="rId6"/>
+    <p:sldId id="342" r:id="rId7"/>
+    <p:sldId id="330" r:id="rId8"/>
+    <p:sldId id="325" r:id="rId9"/>
+    <p:sldId id="326" r:id="rId10"/>
+    <p:sldId id="329" r:id="rId11"/>
+    <p:sldId id="332" r:id="rId12"/>
+    <p:sldId id="334" r:id="rId13"/>
+    <p:sldId id="335" r:id="rId14"/>
+    <p:sldId id="336" r:id="rId15"/>
+    <p:sldId id="331" r:id="rId16"/>
+    <p:sldId id="314" r:id="rId17"/>
+    <p:sldId id="317" r:id="rId18"/>
+    <p:sldId id="318" r:id="rId19"/>
+    <p:sldId id="319" r:id="rId20"/>
   </p:sldIdLst>
   <p:sldSz cx="9144000" cy="6858000" type="screen4x3"/>
   <p:notesSz cx="6858000" cy="9190038"/>
@@ -866,11 +870,7 @@
           <a:bodyPr/>
           <a:lstStyle/>
           <a:p>
-            <a:r>
-              <a:rPr lang="en-US" dirty="0" smtClean="0"/>
-              <a:t>Assume that slope is 0.0055</a:t>
-            </a:r>
-            <a:endParaRPr lang="en-US" dirty="0"/>
+            <a:endParaRPr lang="en-US"/>
           </a:p>
         </p:txBody>
       </p:sp>
@@ -892,7 +892,7 @@
             <a:fld id="{90DA5176-CD48-4645-8A68-A0B4376181E0}" type="slidenum">
               <a:rPr lang="en-US" smtClean="0"/>
               <a:pPr/>
-              <a:t>4</a:t>
+              <a:t>3</a:t>
             </a:fld>
             <a:endParaRPr lang="en-US"/>
           </a:p>
@@ -901,7 +901,7 @@
     </p:spTree>
     <p:extLst>
       <p:ext uri="{BB962C8B-B14F-4D97-AF65-F5344CB8AC3E}">
-        <p14:creationId xmlns:p14="http://schemas.microsoft.com/office/powerpoint/2010/main" val="2343014542"/>
+        <p14:creationId xmlns:p14="http://schemas.microsoft.com/office/powerpoint/2010/main" val="3503967040"/>
       </p:ext>
     </p:extLst>
   </p:cSld>
@@ -955,15 +955,7 @@
           <a:bodyPr/>
           <a:lstStyle/>
           <a:p>
-            <a:r>
-              <a:rPr lang="en-US" dirty="0" smtClean="0"/>
-              <a:t>Realistic?</a:t>
-            </a:r>
-            <a:r>
-              <a:rPr lang="en-US" baseline="0" dirty="0" smtClean="0"/>
-              <a:t>  Varies by age, bathtub model</a:t>
-            </a:r>
-            <a:endParaRPr lang="en-US" dirty="0"/>
+            <a:endParaRPr lang="en-US"/>
           </a:p>
         </p:txBody>
       </p:sp>
@@ -985,7 +977,7 @@
             <a:fld id="{90DA5176-CD48-4645-8A68-A0B4376181E0}" type="slidenum">
               <a:rPr lang="en-US" smtClean="0"/>
               <a:pPr/>
-              <a:t>7</a:t>
+              <a:t>4</a:t>
             </a:fld>
             <a:endParaRPr lang="en-US"/>
           </a:p>
@@ -994,7 +986,7 @@
     </p:spTree>
     <p:extLst>
       <p:ext uri="{BB962C8B-B14F-4D97-AF65-F5344CB8AC3E}">
-        <p14:creationId xmlns:p14="http://schemas.microsoft.com/office/powerpoint/2010/main" val="741374440"/>
+        <p14:creationId xmlns:p14="http://schemas.microsoft.com/office/powerpoint/2010/main" val="895345988"/>
       </p:ext>
     </p:extLst>
   </p:cSld>
@@ -1048,6 +1040,14 @@
           <a:bodyPr/>
           <a:lstStyle/>
           <a:p>
+            <a:r>
+              <a:rPr lang="en-US" dirty="0" smtClean="0"/>
+              <a:t>Realistic?</a:t>
+            </a:r>
+            <a:r>
+              <a:rPr lang="en-US" baseline="0" dirty="0" smtClean="0"/>
+              <a:t>  Varies by age, bathtub model</a:t>
+            </a:r>
             <a:endParaRPr lang="en-US" dirty="0"/>
           </a:p>
         </p:txBody>
@@ -1133,10 +1133,6 @@
           <a:bodyPr/>
           <a:lstStyle/>
           <a:p>
-            <a:r>
-              <a:rPr lang="en-US" dirty="0" smtClean="0"/>
-              <a:t>Draw the graphic</a:t>
-            </a:r>
             <a:endParaRPr lang="en-US" dirty="0"/>
           </a:p>
         </p:txBody>
@@ -1160,6 +1156,95 @@
               <a:rPr lang="en-US" smtClean="0"/>
               <a:pPr/>
               <a:t>9</a:t>
+            </a:fld>
+            <a:endParaRPr lang="en-US"/>
+          </a:p>
+        </p:txBody>
+      </p:sp>
+    </p:spTree>
+    <p:extLst>
+      <p:ext uri="{BB962C8B-B14F-4D97-AF65-F5344CB8AC3E}">
+        <p14:creationId xmlns:p14="http://schemas.microsoft.com/office/powerpoint/2010/main" val="741374440"/>
+      </p:ext>
+    </p:extLst>
+  </p:cSld>
+  <p:clrMapOvr>
+    <a:masterClrMapping/>
+  </p:clrMapOvr>
+</p:notes>
+</file>
+
+<file path=ppt/notesSlides/notesSlide5.xml><?xml version="1.0" encoding="utf-8"?>
+<p:notes xmlns:a="http://schemas.openxmlformats.org/drawingml/2006/main" xmlns:r="http://schemas.openxmlformats.org/officeDocument/2006/relationships" xmlns:p="http://schemas.openxmlformats.org/presentationml/2006/main">
+  <p:cSld>
+    <p:spTree>
+      <p:nvGrpSpPr>
+        <p:cNvPr id="1" name=""/>
+        <p:cNvGrpSpPr/>
+        <p:nvPr/>
+      </p:nvGrpSpPr>
+      <p:grpSpPr>
+        <a:xfrm>
+          <a:off x="0" y="0"/>
+          <a:ext cx="0" cy="0"/>
+          <a:chOff x="0" y="0"/>
+          <a:chExt cx="0" cy="0"/>
+        </a:xfrm>
+      </p:grpSpPr>
+      <p:sp>
+        <p:nvSpPr>
+          <p:cNvPr id="2" name="Slide Image Placeholder 1"/>
+          <p:cNvSpPr>
+            <a:spLocks noGrp="1" noRot="1" noChangeAspect="1"/>
+          </p:cNvSpPr>
+          <p:nvPr>
+            <p:ph type="sldImg"/>
+          </p:nvPr>
+        </p:nvSpPr>
+        <p:spPr/>
+      </p:sp>
+      <p:sp>
+        <p:nvSpPr>
+          <p:cNvPr id="3" name="Notes Placeholder 2"/>
+          <p:cNvSpPr>
+            <a:spLocks noGrp="1"/>
+          </p:cNvSpPr>
+          <p:nvPr>
+            <p:ph type="body" idx="1"/>
+          </p:nvPr>
+        </p:nvSpPr>
+        <p:spPr/>
+        <p:txBody>
+          <a:bodyPr/>
+          <a:lstStyle/>
+          <a:p>
+            <a:r>
+              <a:rPr lang="en-US" dirty="0" smtClean="0"/>
+              <a:t>Draw the graphic</a:t>
+            </a:r>
+            <a:endParaRPr lang="en-US" dirty="0"/>
+          </a:p>
+        </p:txBody>
+      </p:sp>
+      <p:sp>
+        <p:nvSpPr>
+          <p:cNvPr id="4" name="Slide Number Placeholder 3"/>
+          <p:cNvSpPr>
+            <a:spLocks noGrp="1"/>
+          </p:cNvSpPr>
+          <p:nvPr>
+            <p:ph type="sldNum" sz="quarter" idx="10"/>
+          </p:nvPr>
+        </p:nvSpPr>
+        <p:spPr/>
+        <p:txBody>
+          <a:bodyPr/>
+          <a:lstStyle/>
+          <a:p>
+            <a:fld id="{90DA5176-CD48-4645-8A68-A0B4376181E0}" type="slidenum">
+              <a:rPr lang="en-US" smtClean="0"/>
+              <a:pPr/>
+              <a:t>10</a:t>
             </a:fld>
             <a:endParaRPr lang="en-US"/>
           </a:p>
@@ -1308,9 +1393,10 @@
           </a:lstStyle>
           <a:p>
             <a:r>
-              <a:rPr lang="en-US"/>
-              <a:t>Catch Curves</a:t>
-            </a:r>
+              <a:rPr lang="en-US" smtClean="0"/>
+              <a:t>Mortality Components</a:t>
+            </a:r>
+            <a:endParaRPr lang="en-US"/>
           </a:p>
         </p:txBody>
       </p:sp>
@@ -1462,9 +1548,10 @@
           </a:lstStyle>
           <a:p>
             <a:r>
-              <a:rPr lang="en-US"/>
-              <a:t>Catch Curves</a:t>
-            </a:r>
+              <a:rPr lang="en-US" smtClean="0"/>
+              <a:t>Mortality Components</a:t>
+            </a:r>
+            <a:endParaRPr lang="en-US"/>
           </a:p>
         </p:txBody>
       </p:sp>
@@ -1626,9 +1713,10 @@
           </a:lstStyle>
           <a:p>
             <a:r>
-              <a:rPr lang="en-US"/>
-              <a:t>Catch Curves</a:t>
-            </a:r>
+              <a:rPr lang="en-US" smtClean="0"/>
+              <a:t>Mortality Components</a:t>
+            </a:r>
+            <a:endParaRPr lang="en-US"/>
           </a:p>
         </p:txBody>
       </p:sp>
@@ -1780,9 +1868,10 @@
           </a:lstStyle>
           <a:p>
             <a:r>
-              <a:rPr lang="en-US"/>
-              <a:t>Catch Curves</a:t>
-            </a:r>
+              <a:rPr lang="en-US" smtClean="0"/>
+              <a:t>Mortality Components</a:t>
+            </a:r>
+            <a:endParaRPr lang="en-US"/>
           </a:p>
         </p:txBody>
       </p:sp>
@@ -1956,9 +2045,10 @@
           </a:lstStyle>
           <a:p>
             <a:r>
-              <a:rPr lang="en-US"/>
-              <a:t>Catch Curves</a:t>
-            </a:r>
+              <a:rPr lang="en-US" smtClean="0"/>
+              <a:t>Mortality Components</a:t>
+            </a:r>
+            <a:endParaRPr lang="en-US"/>
           </a:p>
         </p:txBody>
       </p:sp>
@@ -2228,9 +2318,10 @@
           </a:lstStyle>
           <a:p>
             <a:r>
-              <a:rPr lang="en-US"/>
-              <a:t>Catch Curves</a:t>
-            </a:r>
+              <a:rPr lang="en-US" smtClean="0"/>
+              <a:t>Mortality Components</a:t>
+            </a:r>
+            <a:endParaRPr lang="en-US"/>
           </a:p>
         </p:txBody>
       </p:sp>
@@ -2639,9 +2730,10 @@
           </a:lstStyle>
           <a:p>
             <a:r>
-              <a:rPr lang="en-US"/>
-              <a:t>Catch Curves</a:t>
-            </a:r>
+              <a:rPr lang="en-US" smtClean="0"/>
+              <a:t>Mortality Components</a:t>
+            </a:r>
+            <a:endParaRPr lang="en-US"/>
           </a:p>
         </p:txBody>
       </p:sp>
@@ -2741,9 +2833,10 @@
           </a:lstStyle>
           <a:p>
             <a:r>
-              <a:rPr lang="en-US"/>
-              <a:t>Catch Curves</a:t>
-            </a:r>
+              <a:rPr lang="en-US" smtClean="0"/>
+              <a:t>Mortality Components</a:t>
+            </a:r>
+            <a:endParaRPr lang="en-US"/>
           </a:p>
         </p:txBody>
       </p:sp>
@@ -2820,9 +2913,10 @@
           </a:lstStyle>
           <a:p>
             <a:r>
-              <a:rPr lang="en-US"/>
-              <a:t>Catch Curves</a:t>
-            </a:r>
+              <a:rPr lang="en-US" smtClean="0"/>
+              <a:t>Mortality Components</a:t>
+            </a:r>
+            <a:endParaRPr lang="en-US"/>
           </a:p>
         </p:txBody>
       </p:sp>
@@ -3081,9 +3175,10 @@
           </a:lstStyle>
           <a:p>
             <a:r>
-              <a:rPr lang="en-US"/>
-              <a:t>Catch Curves</a:t>
-            </a:r>
+              <a:rPr lang="en-US" smtClean="0"/>
+              <a:t>Mortality Components</a:t>
+            </a:r>
+            <a:endParaRPr lang="en-US"/>
           </a:p>
         </p:txBody>
       </p:sp>
@@ -3318,9 +3413,10 @@
           </a:lstStyle>
           <a:p>
             <a:r>
-              <a:rPr lang="en-US"/>
-              <a:t>Catch Curves</a:t>
-            </a:r>
+              <a:rPr lang="en-US" smtClean="0"/>
+              <a:t>Mortality Components</a:t>
+            </a:r>
+            <a:endParaRPr lang="en-US"/>
           </a:p>
         </p:txBody>
       </p:sp>
@@ -3572,9 +3668,10 @@
           </a:lstStyle>
           <a:p>
             <a:r>
-              <a:rPr lang="en-US"/>
-              <a:t>Catch Curves</a:t>
-            </a:r>
+              <a:rPr lang="en-US" smtClean="0"/>
+              <a:t>Mortality Components</a:t>
+            </a:r>
+            <a:endParaRPr lang="en-US"/>
           </a:p>
         </p:txBody>
       </p:sp>
@@ -5132,18 +5229,41 @@
       </p:grpSpPr>
       <p:sp>
         <p:nvSpPr>
-          <p:cNvPr id="2052" name="Rectangle 4"/>
-          <p:cNvSpPr>
-            <a:spLocks noGrp="1" noChangeArrowheads="1"/>
-          </p:cNvSpPr>
-          <p:nvPr>
-            <p:ph type="ctrTitle"/>
+          <p:cNvPr id="2" name="Title 1"/>
+          <p:cNvSpPr>
+            <a:spLocks noGrp="1"/>
+          </p:cNvSpPr>
+          <p:nvPr>
+            <p:ph type="title"/>
+          </p:nvPr>
+        </p:nvSpPr>
+        <p:spPr/>
+        <p:txBody>
+          <a:bodyPr/>
+          <a:lstStyle/>
+          <a:p>
+            <a:r>
+              <a:rPr lang="en-US" dirty="0" smtClean="0"/>
+              <a:t>Estimating M</a:t>
+            </a:r>
+            <a:endParaRPr lang="en-US" dirty="0"/>
+          </a:p>
+        </p:txBody>
+      </p:sp>
+      <p:sp>
+        <p:nvSpPr>
+          <p:cNvPr id="3" name="Content Placeholder 2"/>
+          <p:cNvSpPr>
+            <a:spLocks noGrp="1"/>
+          </p:cNvSpPr>
+          <p:nvPr>
+            <p:ph idx="1"/>
           </p:nvPr>
         </p:nvSpPr>
         <p:spPr>
           <a:xfrm>
-            <a:off x="685800" y="0"/>
-            <a:ext cx="7772400" cy="914400"/>
+            <a:off x="457200" y="914400"/>
+            <a:ext cx="8229600" cy="5562600"/>
           </a:xfrm>
         </p:spPr>
         <p:txBody>
@@ -5151,283 +5271,170 @@
           <a:lstStyle/>
           <a:p>
             <a:r>
+              <a:rPr lang="en-US" dirty="0" smtClean="0">
+                <a:solidFill>
+                  <a:schemeClr val="bg1">
+                    <a:lumMod val="75000"/>
+                  </a:schemeClr>
+                </a:solidFill>
+              </a:rPr>
+              <a:t>Assume a constant value for M</a:t>
+            </a:r>
+          </a:p>
+          <a:p>
+            <a:r>
+              <a:rPr lang="en-US" dirty="0" smtClean="0">
+                <a:solidFill>
+                  <a:schemeClr val="bg1">
+                    <a:lumMod val="75000"/>
+                  </a:schemeClr>
+                </a:solidFill>
+              </a:rPr>
+              <a:t>Relationship of M to life history traits</a:t>
+            </a:r>
+          </a:p>
+          <a:p>
+            <a:r>
               <a:rPr lang="en-US" dirty="0" smtClean="0"/>
-              <a:t>Controlling F</a:t>
-            </a:r>
-            <a:endParaRPr lang="en-US" sz="3600" dirty="0"/>
-          </a:p>
-        </p:txBody>
-      </p:sp>
-      <p:sp>
-        <p:nvSpPr>
-          <p:cNvPr id="20" name="Rectangle 3"/>
-          <p:cNvSpPr txBox="1">
-            <a:spLocks noChangeArrowheads="1"/>
-          </p:cNvSpPr>
-          <p:nvPr/>
-        </p:nvSpPr>
-        <p:spPr bwMode="auto">
-          <a:xfrm>
-            <a:off x="457200" y="838200"/>
-            <a:ext cx="8382000" cy="5867400"/>
-          </a:xfrm>
-          <a:prstGeom prst="rect">
-            <a:avLst/>
-          </a:prstGeom>
-          <a:noFill/>
-          <a:ln w="9525">
-            <a:noFill/>
-            <a:miter lim="800000"/>
-            <a:headEnd/>
-            <a:tailEnd/>
-          </a:ln>
-          <a:effectLst/>
-        </p:spPr>
-        <p:txBody>
-          <a:bodyPr vert="horz" wrap="square" lIns="91440" tIns="45720" rIns="91440" bIns="45720" numCol="1" anchor="t" anchorCtr="0" compatLnSpc="1">
-            <a:prstTxWarp prst="textNoShape">
-              <a:avLst/>
-            </a:prstTxWarp>
-          </a:bodyPr>
-          <a:lstStyle>
-            <a:lvl1pPr marL="0" indent="0" algn="ctr" rtl="0" fontAlgn="base">
-              <a:spcBef>
-                <a:spcPct val="20000"/>
-              </a:spcBef>
-              <a:spcAft>
-                <a:spcPct val="0"/>
-              </a:spcAft>
-              <a:buNone/>
-              <a:defRPr sz="3200">
-                <a:solidFill>
-                  <a:schemeClr val="tx1"/>
-                </a:solidFill>
-                <a:latin typeface="+mn-lt"/>
-                <a:ea typeface="+mn-ea"/>
-                <a:cs typeface="+mn-cs"/>
-              </a:defRPr>
-            </a:lvl1pPr>
-            <a:lvl2pPr marL="457200" indent="0" algn="ctr" rtl="0" fontAlgn="base">
-              <a:spcBef>
-                <a:spcPct val="20000"/>
-              </a:spcBef>
-              <a:spcAft>
-                <a:spcPct val="0"/>
-              </a:spcAft>
-              <a:buNone/>
-              <a:defRPr sz="2800">
-                <a:solidFill>
-                  <a:schemeClr val="tx1"/>
-                </a:solidFill>
-                <a:latin typeface="+mn-lt"/>
-              </a:defRPr>
-            </a:lvl2pPr>
-            <a:lvl3pPr marL="914400" indent="0" algn="ctr" rtl="0" fontAlgn="base">
-              <a:spcBef>
-                <a:spcPct val="20000"/>
-              </a:spcBef>
-              <a:spcAft>
-                <a:spcPct val="0"/>
-              </a:spcAft>
-              <a:buNone/>
-              <a:defRPr sz="2400">
-                <a:solidFill>
-                  <a:schemeClr val="tx1"/>
-                </a:solidFill>
-                <a:latin typeface="+mn-lt"/>
-              </a:defRPr>
-            </a:lvl3pPr>
-            <a:lvl4pPr marL="1371600" indent="0" algn="ctr" rtl="0" fontAlgn="base">
-              <a:spcBef>
-                <a:spcPct val="20000"/>
-              </a:spcBef>
-              <a:spcAft>
-                <a:spcPct val="0"/>
-              </a:spcAft>
-              <a:buNone/>
-              <a:defRPr sz="2000">
-                <a:solidFill>
-                  <a:schemeClr val="tx1"/>
-                </a:solidFill>
-                <a:latin typeface="+mn-lt"/>
-              </a:defRPr>
-            </a:lvl4pPr>
-            <a:lvl5pPr marL="1828800" indent="0" algn="ctr" rtl="0" fontAlgn="base">
-              <a:spcBef>
-                <a:spcPct val="20000"/>
-              </a:spcBef>
-              <a:spcAft>
-                <a:spcPct val="0"/>
-              </a:spcAft>
-              <a:buNone/>
-              <a:defRPr sz="2000">
-                <a:solidFill>
-                  <a:schemeClr val="tx1"/>
-                </a:solidFill>
-                <a:latin typeface="+mn-lt"/>
-              </a:defRPr>
-            </a:lvl5pPr>
-            <a:lvl6pPr marL="2286000" indent="0" algn="ctr" rtl="0" fontAlgn="base">
-              <a:spcBef>
-                <a:spcPct val="20000"/>
-              </a:spcBef>
-              <a:spcAft>
-                <a:spcPct val="0"/>
-              </a:spcAft>
-              <a:buNone/>
-              <a:defRPr sz="2000">
-                <a:solidFill>
-                  <a:schemeClr val="tx1"/>
-                </a:solidFill>
-                <a:latin typeface="+mn-lt"/>
-              </a:defRPr>
-            </a:lvl6pPr>
-            <a:lvl7pPr marL="2743200" indent="0" algn="ctr" rtl="0" fontAlgn="base">
-              <a:spcBef>
-                <a:spcPct val="20000"/>
-              </a:spcBef>
-              <a:spcAft>
-                <a:spcPct val="0"/>
-              </a:spcAft>
-              <a:buNone/>
-              <a:defRPr sz="2000">
-                <a:solidFill>
-                  <a:schemeClr val="tx1"/>
-                </a:solidFill>
-                <a:latin typeface="+mn-lt"/>
-              </a:defRPr>
-            </a:lvl7pPr>
-            <a:lvl8pPr marL="3200400" indent="0" algn="ctr" rtl="0" fontAlgn="base">
-              <a:spcBef>
-                <a:spcPct val="20000"/>
-              </a:spcBef>
-              <a:spcAft>
-                <a:spcPct val="0"/>
-              </a:spcAft>
-              <a:buNone/>
-              <a:defRPr sz="2000">
-                <a:solidFill>
-                  <a:schemeClr val="tx1"/>
-                </a:solidFill>
-                <a:latin typeface="+mn-lt"/>
-              </a:defRPr>
-            </a:lvl8pPr>
-            <a:lvl9pPr marL="3657600" indent="0" algn="ctr" rtl="0" fontAlgn="base">
-              <a:spcBef>
-                <a:spcPct val="20000"/>
-              </a:spcBef>
-              <a:spcAft>
-                <a:spcPct val="0"/>
-              </a:spcAft>
-              <a:buNone/>
-              <a:defRPr sz="2000">
-                <a:solidFill>
-                  <a:schemeClr val="tx1"/>
-                </a:solidFill>
-                <a:latin typeface="+mn-lt"/>
-              </a:defRPr>
-            </a:lvl9pPr>
-          </a:lstStyle>
-          <a:p>
-            <a:pPr marL="457200" indent="-457200" algn="l">
-              <a:lnSpc>
-                <a:spcPct val="90000"/>
-              </a:lnSpc>
-              <a:buFont typeface="Arial" pitchFamily="34" charset="0"/>
-              <a:buChar char="•"/>
-            </a:pPr>
-            <a:r>
-              <a:rPr lang="en-US" b="0" dirty="0" smtClean="0"/>
-              <a:t>Controlling F is a major goal of many fisheries management strategies.</a:t>
-            </a:r>
-            <a:endParaRPr lang="en-US" b="0" dirty="0"/>
-          </a:p>
-          <a:p>
-            <a:pPr marL="457200" indent="-457200" algn="l">
-              <a:lnSpc>
-                <a:spcPct val="90000"/>
-              </a:lnSpc>
-              <a:buFont typeface="Arial" pitchFamily="34" charset="0"/>
-              <a:buChar char="•"/>
-            </a:pPr>
-            <a:endParaRPr lang="en-US" b="0" dirty="0"/>
-          </a:p>
-          <a:p>
-            <a:pPr marL="457200" indent="-457200" algn="l">
-              <a:lnSpc>
-                <a:spcPct val="90000"/>
-              </a:lnSpc>
-              <a:buFont typeface="Arial" pitchFamily="34" charset="0"/>
-              <a:buChar char="•"/>
-            </a:pPr>
-            <a:r>
-              <a:rPr lang="en-US" b="0" dirty="0" smtClean="0"/>
-              <a:t>What happens to Z if F is decreased (i.e., more restrictive harvest regulation)?</a:t>
-            </a:r>
-          </a:p>
-          <a:p>
-            <a:pPr marL="914400" lvl="1" indent="-457200" algn="l">
-              <a:lnSpc>
-                <a:spcPct val="90000"/>
-              </a:lnSpc>
-              <a:buFont typeface="Arial" pitchFamily="34" charset="0"/>
-              <a:buChar char="•"/>
-            </a:pPr>
-            <a:r>
-              <a:rPr lang="en-US" b="0" dirty="0" smtClean="0"/>
-              <a:t>This trade-off of mortalities is called </a:t>
-            </a:r>
-            <a:r>
-              <a:rPr lang="en-US" i="1" dirty="0" smtClean="0"/>
-              <a:t>compensatory mortality</a:t>
-            </a:r>
-            <a:r>
-              <a:rPr lang="en-US" b="0" dirty="0" smtClean="0"/>
-              <a:t>.</a:t>
-            </a:r>
-          </a:p>
-          <a:p>
-            <a:pPr marL="457200" indent="-457200" algn="l">
-              <a:lnSpc>
-                <a:spcPct val="90000"/>
-              </a:lnSpc>
-              <a:buFont typeface="Arial" pitchFamily="34" charset="0"/>
-              <a:buChar char="•"/>
-            </a:pPr>
-            <a:endParaRPr lang="en-US" b="0" dirty="0" smtClean="0"/>
-          </a:p>
-          <a:p>
-            <a:pPr marL="457200" indent="-457200" algn="l">
-              <a:lnSpc>
-                <a:spcPct val="90000"/>
-              </a:lnSpc>
-              <a:buFont typeface="Arial" pitchFamily="34" charset="0"/>
-              <a:buChar char="•"/>
-            </a:pPr>
-            <a:r>
-              <a:rPr lang="en-US" b="0" dirty="0" smtClean="0"/>
-              <a:t>What happens to Z if F is increased (i.e., less restrictive harvest regulation)?</a:t>
-            </a:r>
-          </a:p>
-          <a:p>
-            <a:pPr marL="914400" lvl="1" indent="-457200" algn="l">
-              <a:lnSpc>
-                <a:spcPct val="90000"/>
-              </a:lnSpc>
-              <a:buFont typeface="Arial" pitchFamily="34" charset="0"/>
-              <a:buChar char="•"/>
-            </a:pPr>
-            <a:r>
-              <a:rPr lang="en-US" b="0" dirty="0" smtClean="0"/>
-              <a:t>What also happens to growth, fecundity, etc.?</a:t>
-            </a:r>
+              <a:t>From f and Z</a:t>
+            </a:r>
+            <a:endParaRPr lang="en-US" dirty="0"/>
+          </a:p>
+          <a:p>
+            <a:pPr lvl="1"/>
+            <a:r>
+              <a:rPr lang="en-US" dirty="0"/>
+              <a:t>Recall that Z = </a:t>
+            </a:r>
+            <a:r>
+              <a:rPr lang="en-US" dirty="0" smtClean="0"/>
+              <a:t>F+M and F=</a:t>
+            </a:r>
+            <a:r>
+              <a:rPr lang="en-US" dirty="0" err="1" smtClean="0"/>
+              <a:t>qf</a:t>
+            </a:r>
+            <a:endParaRPr lang="en-US" dirty="0"/>
+          </a:p>
+          <a:p>
+            <a:pPr lvl="1"/>
+            <a:r>
+              <a:rPr lang="en-US" dirty="0" smtClean="0"/>
+              <a:t>Thus, Z </a:t>
+            </a:r>
+            <a:r>
+              <a:rPr lang="en-US" dirty="0"/>
+              <a:t>= </a:t>
+            </a:r>
+            <a:r>
+              <a:rPr lang="en-US" dirty="0" err="1"/>
+              <a:t>qf+M</a:t>
+            </a:r>
+            <a:endParaRPr lang="en-US" dirty="0"/>
+          </a:p>
+          <a:p>
+            <a:pPr lvl="1"/>
+            <a:r>
+              <a:rPr lang="en-US" dirty="0" smtClean="0"/>
+              <a:t>If </a:t>
+            </a:r>
+            <a:r>
+              <a:rPr lang="en-US" dirty="0"/>
+              <a:t>Z </a:t>
+            </a:r>
+            <a:r>
+              <a:rPr lang="en-US" dirty="0" smtClean="0"/>
+              <a:t>is estimated at different f, </a:t>
+            </a:r>
+            <a:r>
+              <a:rPr lang="en-US" dirty="0"/>
+              <a:t>then …</a:t>
+            </a:r>
+          </a:p>
+          <a:p>
+            <a:pPr lvl="2"/>
+            <a:r>
+              <a:rPr lang="en-US" dirty="0"/>
+              <a:t>M </a:t>
+            </a:r>
+            <a:r>
+              <a:rPr lang="en-US" dirty="0" smtClean="0"/>
+              <a:t>is the </a:t>
+            </a:r>
+            <a:r>
+              <a:rPr lang="en-US" dirty="0"/>
+              <a:t>intercept from the Z on f </a:t>
+            </a:r>
+            <a:r>
+              <a:rPr lang="en-US" dirty="0" smtClean="0"/>
+              <a:t>regression.</a:t>
+            </a:r>
+            <a:endParaRPr lang="en-US" dirty="0"/>
+          </a:p>
+          <a:p>
+            <a:pPr lvl="2"/>
+            <a:r>
+              <a:rPr lang="en-US" dirty="0"/>
+              <a:t>Same as asking what is Z when f = </a:t>
+            </a:r>
+            <a:r>
+              <a:rPr lang="en-US" dirty="0" smtClean="0"/>
+              <a:t>0.</a:t>
+            </a:r>
+          </a:p>
+        </p:txBody>
+      </p:sp>
+      <p:sp>
+        <p:nvSpPr>
+          <p:cNvPr id="4" name="Footer Placeholder 3"/>
+          <p:cNvSpPr>
+            <a:spLocks noGrp="1"/>
+          </p:cNvSpPr>
+          <p:nvPr>
+            <p:ph type="ftr" sz="quarter" idx="10"/>
+          </p:nvPr>
+        </p:nvSpPr>
+        <p:spPr/>
+        <p:txBody>
+          <a:bodyPr/>
+          <a:lstStyle/>
+          <a:p>
+            <a:r>
+              <a:rPr lang="en-US" smtClean="0"/>
+              <a:t>Mortality Components</a:t>
+            </a:r>
+            <a:endParaRPr lang="en-US"/>
+          </a:p>
+        </p:txBody>
+      </p:sp>
+      <p:sp>
+        <p:nvSpPr>
+          <p:cNvPr id="5" name="Slide Number Placeholder 4"/>
+          <p:cNvSpPr>
+            <a:spLocks noGrp="1"/>
+          </p:cNvSpPr>
+          <p:nvPr>
+            <p:ph type="sldNum" sz="quarter" idx="11"/>
+          </p:nvPr>
+        </p:nvSpPr>
+        <p:spPr/>
+        <p:txBody>
+          <a:bodyPr/>
+          <a:lstStyle/>
+          <a:p>
+            <a:fld id="{CD41EA97-E434-4B42-9B1A-D37266F43B39}" type="slidenum">
+              <a:rPr lang="en-US" smtClean="0"/>
+              <a:pPr/>
+              <a:t>10</a:t>
+            </a:fld>
+            <a:endParaRPr lang="en-US"/>
           </a:p>
         </p:txBody>
       </p:sp>
     </p:spTree>
     <p:extLst>
       <p:ext uri="{BB962C8B-B14F-4D97-AF65-F5344CB8AC3E}">
-        <p14:creationId xmlns:p14="http://schemas.microsoft.com/office/powerpoint/2010/main" val="2701864442"/>
+        <p14:creationId xmlns:p14="http://schemas.microsoft.com/office/powerpoint/2010/main" val="3298754029"/>
       </p:ext>
     </p:extLst>
   </p:cSld>
@@ -5455,7 +5462,7 @@
                             </p:stCondLst>
                             <p:childTnLst>
                               <p:par>
-                                <p:cTn id="5" presetID="1" presetClass="entr" presetSubtype="0" fill="hold" grpId="0" nodeType="clickEffect">
+                                <p:cTn id="5" presetID="1" presetClass="entr" presetSubtype="0" fill="hold" nodeType="clickEffect">
                                   <p:stCondLst>
                                     <p:cond delay="0"/>
                                   </p:stCondLst>
@@ -5468,9 +5475,9 @@
                                           </p:stCondLst>
                                         </p:cTn>
                                         <p:tgtEl>
-                                          <p:spTgt spid="20">
+                                          <p:spTgt spid="3">
                                             <p:txEl>
-                                              <p:pRg st="2" end="2"/>
+                                              <p:pRg st="3" end="3"/>
                                             </p:txEl>
                                           </p:spTgt>
                                         </p:tgtEl>
@@ -5504,7 +5511,7 @@
                             </p:stCondLst>
                             <p:childTnLst>
                               <p:par>
-                                <p:cTn id="9" presetID="1" presetClass="entr" presetSubtype="0" fill="hold" grpId="0" nodeType="clickEffect">
+                                <p:cTn id="9" presetID="1" presetClass="entr" presetSubtype="0" fill="hold" nodeType="clickEffect">
                                   <p:stCondLst>
                                     <p:cond delay="0"/>
                                   </p:stCondLst>
@@ -5517,9 +5524,9 @@
                                           </p:stCondLst>
                                         </p:cTn>
                                         <p:tgtEl>
-                                          <p:spTgt spid="20">
+                                          <p:spTgt spid="3">
                                             <p:txEl>
-                                              <p:pRg st="3" end="3"/>
+                                              <p:pRg st="4" end="4"/>
                                             </p:txEl>
                                           </p:spTgt>
                                         </p:tgtEl>
@@ -5553,7 +5560,7 @@
                             </p:stCondLst>
                             <p:childTnLst>
                               <p:par>
-                                <p:cTn id="13" presetID="1" presetClass="entr" presetSubtype="0" fill="hold" grpId="0" nodeType="clickEffect">
+                                <p:cTn id="13" presetID="1" presetClass="entr" presetSubtype="0" fill="hold" nodeType="clickEffect">
                                   <p:stCondLst>
                                     <p:cond delay="0"/>
                                   </p:stCondLst>
@@ -5566,7 +5573,7 @@
                                           </p:stCondLst>
                                         </p:cTn>
                                         <p:tgtEl>
-                                          <p:spTgt spid="20">
+                                          <p:spTgt spid="3">
                                             <p:txEl>
                                               <p:pRg st="5" end="5"/>
                                             </p:txEl>
@@ -5602,7 +5609,7 @@
                             </p:stCondLst>
                             <p:childTnLst>
                               <p:par>
-                                <p:cTn id="17" presetID="1" presetClass="entr" presetSubtype="0" fill="hold" grpId="0" nodeType="clickEffect">
+                                <p:cTn id="17" presetID="1" presetClass="entr" presetSubtype="0" fill="hold" nodeType="clickEffect">
                                   <p:stCondLst>
                                     <p:cond delay="0"/>
                                   </p:stCondLst>
@@ -5615,9 +5622,58 @@
                                           </p:stCondLst>
                                         </p:cTn>
                                         <p:tgtEl>
-                                          <p:spTgt spid="20">
+                                          <p:spTgt spid="3">
                                             <p:txEl>
                                               <p:pRg st="6" end="6"/>
+                                            </p:txEl>
+                                          </p:spTgt>
+                                        </p:tgtEl>
+                                        <p:attrNameLst>
+                                          <p:attrName>style.visibility</p:attrName>
+                                        </p:attrNameLst>
+                                      </p:cBhvr>
+                                      <p:to>
+                                        <p:strVal val="visible"/>
+                                      </p:to>
+                                    </p:set>
+                                  </p:childTnLst>
+                                </p:cTn>
+                              </p:par>
+                            </p:childTnLst>
+                          </p:cTn>
+                        </p:par>
+                      </p:childTnLst>
+                    </p:cTn>
+                  </p:par>
+                  <p:par>
+                    <p:cTn id="19" fill="hold">
+                      <p:stCondLst>
+                        <p:cond delay="indefinite"/>
+                      </p:stCondLst>
+                      <p:childTnLst>
+                        <p:par>
+                          <p:cTn id="20" fill="hold">
+                            <p:stCondLst>
+                              <p:cond delay="0"/>
+                            </p:stCondLst>
+                            <p:childTnLst>
+                              <p:par>
+                                <p:cTn id="21" presetID="1" presetClass="entr" presetSubtype="0" fill="hold" nodeType="clickEffect">
+                                  <p:stCondLst>
+                                    <p:cond delay="0"/>
+                                  </p:stCondLst>
+                                  <p:childTnLst>
+                                    <p:set>
+                                      <p:cBhvr>
+                                        <p:cTn id="22" dur="1" fill="hold">
+                                          <p:stCondLst>
+                                            <p:cond delay="0"/>
+                                          </p:stCondLst>
+                                        </p:cTn>
+                                        <p:tgtEl>
+                                          <p:spTgt spid="3">
+                                            <p:txEl>
+                                              <p:pRg st="7" end="7"/>
                                             </p:txEl>
                                           </p:spTgt>
                                         </p:tgtEl>
@@ -5659,9 +5715,6 @@
         </p:cTn>
       </p:par>
     </p:tnLst>
-    <p:bldLst>
-      <p:bldP spid="20" grpId="0" uiExpand="1" build="p"/>
-    </p:bldLst>
   </p:timing>
 </p:sld>
 </file>
@@ -5698,18 +5751,295 @@
           <a:bodyPr/>
           <a:lstStyle/>
           <a:p>
-            <a:endParaRPr lang="en-US"/>
-          </a:p>
-        </p:txBody>
-      </p:sp>
-      <p:sp>
-        <p:nvSpPr>
-          <p:cNvPr id="3" name="Content Placeholder 2"/>
+            <a:r>
+              <a:rPr lang="en-US" dirty="0" smtClean="0"/>
+              <a:t>Estimating F from </a:t>
+            </a:r>
+            <a:r>
+              <a:rPr lang="en-US" dirty="0" err="1" smtClean="0"/>
+              <a:t>Expoitation</a:t>
+            </a:r>
+            <a:r>
+              <a:rPr lang="en-US" dirty="0" smtClean="0"/>
+              <a:t> Rate</a:t>
+            </a:r>
+            <a:endParaRPr lang="en-US" dirty="0"/>
+          </a:p>
+        </p:txBody>
+      </p:sp>
+      <mc:AlternateContent xmlns:mc="http://schemas.openxmlformats.org/markup-compatibility/2006">
+        <mc:Choice xmlns:a14="http://schemas.microsoft.com/office/drawing/2010/main" Requires="a14">
+          <p:sp>
+            <p:nvSpPr>
+              <p:cNvPr id="3" name="Content Placeholder 2"/>
+              <p:cNvSpPr>
+                <a:spLocks noGrp="1"/>
+              </p:cNvSpPr>
+              <p:nvPr>
+                <p:ph idx="1"/>
+              </p:nvPr>
+            </p:nvSpPr>
+            <p:spPr>
+              <a:xfrm>
+                <a:off x="0" y="1143000"/>
+                <a:ext cx="9067800" cy="5334000"/>
+              </a:xfrm>
+            </p:spPr>
+            <p:txBody>
+              <a:bodyPr/>
+              <a:lstStyle/>
+              <a:p>
+                <a:r>
+                  <a:rPr lang="en-US" dirty="0" smtClean="0"/>
+                  <a:t>If the ratio of fishing to natural mortality is constant throughout the year then …</a:t>
+                </a:r>
+              </a:p>
+              <a:p>
+                <a:pPr lvl="1"/>
+                <a:r>
+                  <a:rPr lang="en-US" sz="4000" dirty="0" smtClean="0"/>
+                  <a:t> … </a:t>
+                </a:r>
+                <a14:m>
+                  <m:oMath xmlns:m="http://schemas.openxmlformats.org/officeDocument/2006/math">
+                    <m:f>
+                      <m:fPr>
+                        <m:ctrlPr>
+                          <a:rPr lang="en-US" sz="4000" smtClean="0">
+                            <a:latin typeface="Cambria Math" panose="02040503050406030204" pitchFamily="18" charset="0"/>
+                          </a:rPr>
+                        </m:ctrlPr>
+                      </m:fPr>
+                      <m:num>
+                        <m:r>
+                          <m:rPr>
+                            <m:sty m:val="p"/>
+                          </m:rPr>
+                          <a:rPr lang="en-US" sz="4000" b="0" i="0" smtClean="0">
+                            <a:latin typeface="Cambria Math" panose="02040503050406030204" pitchFamily="18" charset="0"/>
+                          </a:rPr>
+                          <m:t>Z</m:t>
+                        </m:r>
+                      </m:num>
+                      <m:den>
+                        <m:r>
+                          <m:rPr>
+                            <m:sty m:val="p"/>
+                          </m:rPr>
+                          <a:rPr lang="en-US" sz="4000" b="0" i="0" smtClean="0">
+                            <a:latin typeface="Cambria Math" panose="02040503050406030204" pitchFamily="18" charset="0"/>
+                          </a:rPr>
+                          <m:t>A</m:t>
+                        </m:r>
+                      </m:den>
+                    </m:f>
+                    <m:r>
+                      <a:rPr lang="en-US" sz="4000" b="0" i="0" smtClean="0">
+                        <a:latin typeface="Cambria Math" panose="02040503050406030204" pitchFamily="18" charset="0"/>
+                      </a:rPr>
+                      <m:t>=</m:t>
+                    </m:r>
+                    <m:f>
+                      <m:fPr>
+                        <m:ctrlPr>
+                          <a:rPr lang="en-US" sz="4000">
+                            <a:latin typeface="Cambria Math" panose="02040503050406030204" pitchFamily="18" charset="0"/>
+                          </a:rPr>
+                        </m:ctrlPr>
+                      </m:fPr>
+                      <m:num>
+                        <m:r>
+                          <m:rPr>
+                            <m:sty m:val="p"/>
+                          </m:rPr>
+                          <a:rPr lang="en-US" sz="4000" b="0" i="0" smtClean="0">
+                            <a:latin typeface="Cambria Math" panose="02040503050406030204" pitchFamily="18" charset="0"/>
+                          </a:rPr>
+                          <m:t>F</m:t>
+                        </m:r>
+                      </m:num>
+                      <m:den>
+                        <m:r>
+                          <m:rPr>
+                            <m:sty m:val="p"/>
+                          </m:rPr>
+                          <a:rPr lang="en-US" sz="4000" b="0" i="0" smtClean="0">
+                            <a:latin typeface="Cambria Math" panose="02040503050406030204" pitchFamily="18" charset="0"/>
+                          </a:rPr>
+                          <m:t>u</m:t>
+                        </m:r>
+                      </m:den>
+                    </m:f>
+                    <m:r>
+                      <a:rPr lang="en-US" sz="4000" b="0" i="0" smtClean="0">
+                        <a:latin typeface="Cambria Math" panose="02040503050406030204" pitchFamily="18" charset="0"/>
+                      </a:rPr>
+                      <m:t>=</m:t>
+                    </m:r>
+                    <m:f>
+                      <m:fPr>
+                        <m:ctrlPr>
+                          <a:rPr lang="en-US" sz="4000">
+                            <a:latin typeface="Cambria Math" panose="02040503050406030204" pitchFamily="18" charset="0"/>
+                          </a:rPr>
+                        </m:ctrlPr>
+                      </m:fPr>
+                      <m:num>
+                        <m:r>
+                          <m:rPr>
+                            <m:sty m:val="p"/>
+                          </m:rPr>
+                          <a:rPr lang="en-US" sz="4000" b="0" i="0" smtClean="0">
+                            <a:latin typeface="Cambria Math" panose="02040503050406030204" pitchFamily="18" charset="0"/>
+                          </a:rPr>
+                          <m:t>M</m:t>
+                        </m:r>
+                      </m:num>
+                      <m:den>
+                        <m:r>
+                          <m:rPr>
+                            <m:sty m:val="p"/>
+                          </m:rPr>
+                          <a:rPr lang="en-US" sz="4000" b="0" i="0" smtClean="0">
+                            <a:latin typeface="Cambria Math" panose="02040503050406030204" pitchFamily="18" charset="0"/>
+                          </a:rPr>
+                          <m:t>v</m:t>
+                        </m:r>
+                      </m:den>
+                    </m:f>
+                  </m:oMath>
+                </a14:m>
+                <a:endParaRPr lang="en-US" dirty="0" smtClean="0"/>
+              </a:p>
+              <a:p>
+                <a:pPr lvl="1"/>
+                <a:endParaRPr lang="en-US" dirty="0"/>
+              </a:p>
+              <a:p>
+                <a:r>
+                  <a:rPr lang="en-US" dirty="0"/>
+                  <a:t>which simplifies to </a:t>
+                </a:r>
+                <a14:m>
+                  <m:oMath xmlns:m="http://schemas.openxmlformats.org/officeDocument/2006/math">
+                    <m:r>
+                      <m:rPr>
+                        <m:sty m:val="p"/>
+                      </m:rPr>
+                      <a:rPr lang="en-US" sz="3600">
+                        <a:latin typeface="Cambria Math" panose="02040503050406030204" pitchFamily="18" charset="0"/>
+                      </a:rPr>
+                      <m:t>u</m:t>
+                    </m:r>
+                    <m:r>
+                      <a:rPr lang="en-US" sz="3600">
+                        <a:latin typeface="Cambria Math" panose="02040503050406030204" pitchFamily="18" charset="0"/>
+                      </a:rPr>
+                      <m:t>=</m:t>
+                    </m:r>
+                    <m:f>
+                      <m:fPr>
+                        <m:ctrlPr>
+                          <a:rPr lang="en-US" sz="3600" i="1">
+                            <a:latin typeface="Cambria Math" panose="02040503050406030204" pitchFamily="18" charset="0"/>
+                          </a:rPr>
+                        </m:ctrlPr>
+                      </m:fPr>
+                      <m:num>
+                        <m:r>
+                          <m:rPr>
+                            <m:sty m:val="p"/>
+                          </m:rPr>
+                          <a:rPr lang="en-US" sz="3600">
+                            <a:latin typeface="Cambria Math" panose="02040503050406030204" pitchFamily="18" charset="0"/>
+                          </a:rPr>
+                          <m:t>F</m:t>
+                        </m:r>
+                      </m:num>
+                      <m:den>
+                        <m:r>
+                          <m:rPr>
+                            <m:sty m:val="p"/>
+                          </m:rPr>
+                          <a:rPr lang="en-US" sz="3600">
+                            <a:latin typeface="Cambria Math" panose="02040503050406030204" pitchFamily="18" charset="0"/>
+                          </a:rPr>
+                          <m:t>Z</m:t>
+                        </m:r>
+                      </m:den>
+                    </m:f>
+                    <m:r>
+                      <m:rPr>
+                        <m:sty m:val="p"/>
+                      </m:rPr>
+                      <a:rPr lang="en-US" sz="3600">
+                        <a:latin typeface="Cambria Math" panose="02040503050406030204" pitchFamily="18" charset="0"/>
+                      </a:rPr>
+                      <m:t>A</m:t>
+                    </m:r>
+                  </m:oMath>
+                </a14:m>
+                <a:endParaRPr lang="en-US" sz="3600" dirty="0"/>
+              </a:p>
+              <a:p>
+                <a:endParaRPr lang="en-US" dirty="0"/>
+              </a:p>
+              <a:p>
+                <a:r>
+                  <a:rPr lang="en-US" dirty="0"/>
+                  <a:t>Thus, given an estimate of Z (and A), F can be estimated if u can be estimated.</a:t>
+                </a:r>
+                <a:endParaRPr lang="en-US" dirty="0"/>
+              </a:p>
+            </p:txBody>
+          </p:sp>
+        </mc:Choice>
+        <mc:Fallback>
+          <p:sp>
+            <p:nvSpPr>
+              <p:cNvPr id="3" name="Content Placeholder 2"/>
+              <p:cNvSpPr>
+                <a:spLocks noGrp="1" noRot="1" noChangeAspect="1" noMove="1" noResize="1" noEditPoints="1" noAdjustHandles="1" noChangeArrowheads="1" noChangeShapeType="1" noTextEdit="1"/>
+              </p:cNvSpPr>
+              <p:nvPr>
+                <p:ph idx="1"/>
+              </p:nvPr>
+            </p:nvSpPr>
+            <p:spPr>
+              <a:xfrm>
+                <a:off x="0" y="1143000"/>
+                <a:ext cx="9067800" cy="5334000"/>
+              </a:xfrm>
+              <a:blipFill rotWithShape="0">
+                <a:blip r:embed="rId2"/>
+                <a:stretch>
+                  <a:fillRect l="-1546" t="-1486" r="-941" b="-1829"/>
+                </a:stretch>
+              </a:blipFill>
+            </p:spPr>
+            <p:txBody>
+              <a:bodyPr/>
+              <a:lstStyle/>
+              <a:p>
+                <a:r>
+                  <a:rPr lang="en-US">
+                    <a:noFill/>
+                  </a:rPr>
+                  <a:t> </a:t>
+                </a:r>
+              </a:p>
+            </p:txBody>
+          </p:sp>
+        </mc:Fallback>
+      </mc:AlternateContent>
+      <p:sp>
+        <p:nvSpPr>
+          <p:cNvPr id="4" name="Footer Placeholder 3"/>
           <p:cNvSpPr>
             <a:spLocks noGrp="1"/>
           </p:cNvSpPr>
           <p:nvPr>
-            <p:ph idx="1"/>
+            <p:ph type="ftr" sz="quarter" idx="10"/>
           </p:nvPr>
         </p:nvSpPr>
         <p:spPr/>
@@ -5717,28 +6047,9 @@
           <a:bodyPr/>
           <a:lstStyle/>
           <a:p>
-            <a:endParaRPr lang="en-US"/>
-          </a:p>
-        </p:txBody>
-      </p:sp>
-      <p:sp>
-        <p:nvSpPr>
-          <p:cNvPr id="4" name="Footer Placeholder 3"/>
-          <p:cNvSpPr>
-            <a:spLocks noGrp="1"/>
-          </p:cNvSpPr>
-          <p:nvPr>
-            <p:ph type="ftr" sz="quarter" idx="10"/>
-          </p:nvPr>
-        </p:nvSpPr>
-        <p:spPr/>
-        <p:txBody>
-          <a:bodyPr/>
-          <a:lstStyle/>
-          <a:p>
             <a:r>
               <a:rPr lang="en-US" smtClean="0"/>
-              <a:t>Catch Curves</a:t>
+              <a:t>Mortality Components</a:t>
             </a:r>
             <a:endParaRPr lang="en-US"/>
           </a:p>
@@ -5771,7 +6082,7 @@
     </p:spTree>
     <p:extLst>
       <p:ext uri="{BB962C8B-B14F-4D97-AF65-F5344CB8AC3E}">
-        <p14:creationId xmlns:p14="http://schemas.microsoft.com/office/powerpoint/2010/main" val="1179837800"/>
+        <p14:creationId xmlns:p14="http://schemas.microsoft.com/office/powerpoint/2010/main" val="3315567143"/>
       </p:ext>
     </p:extLst>
   </p:cSld>
@@ -5807,12 +6118,12 @@
       </p:grpSpPr>
       <p:sp>
         <p:nvSpPr>
-          <p:cNvPr id="9" name="Footer Placeholder 3"/>
+          <p:cNvPr id="2" name="Title 1"/>
           <p:cNvSpPr>
             <a:spLocks noGrp="1"/>
           </p:cNvSpPr>
           <p:nvPr>
-            <p:ph type="ftr" sz="quarter" idx="10"/>
+            <p:ph type="title"/>
           </p:nvPr>
         </p:nvSpPr>
         <p:spPr/>
@@ -5821,9 +6132,679 @@
           <a:lstStyle/>
           <a:p>
             <a:r>
-              <a:rPr lang="en-US"/>
-              <a:t>Catch Curves</a:t>
-            </a:r>
+              <a:rPr lang="en-US" dirty="0" smtClean="0"/>
+              <a:t>Estimating u</a:t>
+            </a:r>
+            <a:endParaRPr lang="en-US" dirty="0"/>
+          </a:p>
+        </p:txBody>
+      </p:sp>
+      <p:sp>
+        <p:nvSpPr>
+          <p:cNvPr id="3" name="Content Placeholder 2"/>
+          <p:cNvSpPr>
+            <a:spLocks noGrp="1"/>
+          </p:cNvSpPr>
+          <p:nvPr>
+            <p:ph idx="1"/>
+          </p:nvPr>
+        </p:nvSpPr>
+        <p:spPr/>
+        <p:txBody>
+          <a:bodyPr/>
+          <a:lstStyle/>
+          <a:p>
+            <a:r>
+              <a:rPr lang="en-US" dirty="0" smtClean="0"/>
+              <a:t>Divide annual harvest by estimate of N.</a:t>
+            </a:r>
+          </a:p>
+          <a:p>
+            <a:endParaRPr lang="en-US" dirty="0"/>
+          </a:p>
+        </p:txBody>
+      </p:sp>
+      <p:sp>
+        <p:nvSpPr>
+          <p:cNvPr id="4" name="Footer Placeholder 3"/>
+          <p:cNvSpPr>
+            <a:spLocks noGrp="1"/>
+          </p:cNvSpPr>
+          <p:nvPr>
+            <p:ph type="ftr" sz="quarter" idx="10"/>
+          </p:nvPr>
+        </p:nvSpPr>
+        <p:spPr/>
+        <p:txBody>
+          <a:bodyPr/>
+          <a:lstStyle/>
+          <a:p>
+            <a:r>
+              <a:rPr lang="en-US" smtClean="0"/>
+              <a:t>Mortality Components</a:t>
+            </a:r>
+            <a:endParaRPr lang="en-US"/>
+          </a:p>
+        </p:txBody>
+      </p:sp>
+      <p:sp>
+        <p:nvSpPr>
+          <p:cNvPr id="5" name="Slide Number Placeholder 4"/>
+          <p:cNvSpPr>
+            <a:spLocks noGrp="1"/>
+          </p:cNvSpPr>
+          <p:nvPr>
+            <p:ph type="sldNum" sz="quarter" idx="11"/>
+          </p:nvPr>
+        </p:nvSpPr>
+        <p:spPr/>
+        <p:txBody>
+          <a:bodyPr/>
+          <a:lstStyle/>
+          <a:p>
+            <a:fld id="{CD41EA97-E434-4B42-9B1A-D37266F43B39}" type="slidenum">
+              <a:rPr lang="en-US" smtClean="0"/>
+              <a:pPr/>
+              <a:t>12</a:t>
+            </a:fld>
+            <a:endParaRPr lang="en-US"/>
+          </a:p>
+        </p:txBody>
+      </p:sp>
+      <p:pic>
+        <p:nvPicPr>
+          <p:cNvPr id="6" name="Picture 5"/>
+          <p:cNvPicPr>
+            <a:picLocks noChangeAspect="1"/>
+          </p:cNvPicPr>
+          <p:nvPr/>
+        </p:nvPicPr>
+        <p:blipFill>
+          <a:blip r:embed="rId2"/>
+          <a:stretch>
+            <a:fillRect/>
+          </a:stretch>
+        </p:blipFill>
+        <p:spPr>
+          <a:xfrm>
+            <a:off x="1066800" y="3243401"/>
+            <a:ext cx="6705600" cy="2280129"/>
+          </a:xfrm>
+          <a:prstGeom prst="rect">
+            <a:avLst/>
+          </a:prstGeom>
+        </p:spPr>
+      </p:pic>
+      <p:pic>
+        <p:nvPicPr>
+          <p:cNvPr id="7" name="Picture 6"/>
+          <p:cNvPicPr>
+            <a:picLocks noChangeAspect="1"/>
+          </p:cNvPicPr>
+          <p:nvPr/>
+        </p:nvPicPr>
+        <p:blipFill>
+          <a:blip r:embed="rId3"/>
+          <a:stretch>
+            <a:fillRect/>
+          </a:stretch>
+        </p:blipFill>
+        <p:spPr>
+          <a:xfrm>
+            <a:off x="89693" y="1960979"/>
+            <a:ext cx="8963025" cy="1206222"/>
+          </a:xfrm>
+          <a:prstGeom prst="rect">
+            <a:avLst/>
+          </a:prstGeom>
+        </p:spPr>
+      </p:pic>
+    </p:spTree>
+    <p:extLst>
+      <p:ext uri="{BB962C8B-B14F-4D97-AF65-F5344CB8AC3E}">
+        <p14:creationId xmlns:p14="http://schemas.microsoft.com/office/powerpoint/2010/main" val="603894354"/>
+      </p:ext>
+    </p:extLst>
+  </p:cSld>
+  <p:clrMapOvr>
+    <a:masterClrMapping/>
+  </p:clrMapOvr>
+  <p:timing>
+    <p:tnLst>
+      <p:par>
+        <p:cTn id="1" dur="indefinite" restart="never" nodeType="tmRoot"/>
+      </p:par>
+    </p:tnLst>
+  </p:timing>
+</p:sld>
+</file>
+
+<file path=ppt/slides/slide13.xml><?xml version="1.0" encoding="utf-8"?>
+<p:sld xmlns:a="http://schemas.openxmlformats.org/drawingml/2006/main" xmlns:r="http://schemas.openxmlformats.org/officeDocument/2006/relationships" xmlns:p="http://schemas.openxmlformats.org/presentationml/2006/main">
+  <p:cSld>
+    <p:spTree>
+      <p:nvGrpSpPr>
+        <p:cNvPr id="1" name=""/>
+        <p:cNvGrpSpPr/>
+        <p:nvPr/>
+      </p:nvGrpSpPr>
+      <p:grpSpPr>
+        <a:xfrm>
+          <a:off x="0" y="0"/>
+          <a:ext cx="0" cy="0"/>
+          <a:chOff x="0" y="0"/>
+          <a:chExt cx="0" cy="0"/>
+        </a:xfrm>
+      </p:grpSpPr>
+      <p:sp>
+        <p:nvSpPr>
+          <p:cNvPr id="2" name="Title 1"/>
+          <p:cNvSpPr>
+            <a:spLocks noGrp="1"/>
+          </p:cNvSpPr>
+          <p:nvPr>
+            <p:ph type="title"/>
+          </p:nvPr>
+        </p:nvSpPr>
+        <p:spPr/>
+        <p:txBody>
+          <a:bodyPr/>
+          <a:lstStyle/>
+          <a:p>
+            <a:r>
+              <a:rPr lang="en-US" dirty="0" smtClean="0"/>
+              <a:t>Estimating u</a:t>
+            </a:r>
+            <a:endParaRPr lang="en-US" dirty="0"/>
+          </a:p>
+        </p:txBody>
+      </p:sp>
+      <p:sp>
+        <p:nvSpPr>
+          <p:cNvPr id="3" name="Content Placeholder 2"/>
+          <p:cNvSpPr>
+            <a:spLocks noGrp="1"/>
+          </p:cNvSpPr>
+          <p:nvPr>
+            <p:ph idx="1"/>
+          </p:nvPr>
+        </p:nvSpPr>
+        <p:spPr>
+          <a:xfrm>
+            <a:off x="457200" y="838200"/>
+            <a:ext cx="8229600" cy="5334000"/>
+          </a:xfrm>
+        </p:spPr>
+        <p:txBody>
+          <a:bodyPr/>
+          <a:lstStyle/>
+          <a:p>
+            <a:r>
+              <a:rPr lang="en-US" dirty="0" smtClean="0"/>
+              <a:t>Divide harvested tagged fish by number of tagged fish released.</a:t>
+            </a:r>
+          </a:p>
+        </p:txBody>
+      </p:sp>
+      <p:sp>
+        <p:nvSpPr>
+          <p:cNvPr id="4" name="Footer Placeholder 3"/>
+          <p:cNvSpPr>
+            <a:spLocks noGrp="1"/>
+          </p:cNvSpPr>
+          <p:nvPr>
+            <p:ph type="ftr" sz="quarter" idx="10"/>
+          </p:nvPr>
+        </p:nvSpPr>
+        <p:spPr/>
+        <p:txBody>
+          <a:bodyPr/>
+          <a:lstStyle/>
+          <a:p>
+            <a:r>
+              <a:rPr lang="en-US" smtClean="0"/>
+              <a:t>Mortality Components</a:t>
+            </a:r>
+            <a:endParaRPr lang="en-US"/>
+          </a:p>
+        </p:txBody>
+      </p:sp>
+      <p:sp>
+        <p:nvSpPr>
+          <p:cNvPr id="5" name="Slide Number Placeholder 4"/>
+          <p:cNvSpPr>
+            <a:spLocks noGrp="1"/>
+          </p:cNvSpPr>
+          <p:nvPr>
+            <p:ph type="sldNum" sz="quarter" idx="11"/>
+          </p:nvPr>
+        </p:nvSpPr>
+        <p:spPr/>
+        <p:txBody>
+          <a:bodyPr/>
+          <a:lstStyle/>
+          <a:p>
+            <a:fld id="{CD41EA97-E434-4B42-9B1A-D37266F43B39}" type="slidenum">
+              <a:rPr lang="en-US" smtClean="0"/>
+              <a:pPr/>
+              <a:t>13</a:t>
+            </a:fld>
+            <a:endParaRPr lang="en-US"/>
+          </a:p>
+        </p:txBody>
+      </p:sp>
+      <p:pic>
+        <p:nvPicPr>
+          <p:cNvPr id="7" name="Picture 6"/>
+          <p:cNvPicPr>
+            <a:picLocks noChangeAspect="1"/>
+          </p:cNvPicPr>
+          <p:nvPr/>
+        </p:nvPicPr>
+        <p:blipFill>
+          <a:blip r:embed="rId2"/>
+          <a:stretch>
+            <a:fillRect/>
+          </a:stretch>
+        </p:blipFill>
+        <p:spPr>
+          <a:xfrm>
+            <a:off x="885031" y="1989137"/>
+            <a:ext cx="7372350" cy="1476375"/>
+          </a:xfrm>
+          <a:prstGeom prst="rect">
+            <a:avLst/>
+          </a:prstGeom>
+        </p:spPr>
+      </p:pic>
+      <p:pic>
+        <p:nvPicPr>
+          <p:cNvPr id="8" name="Picture 7"/>
+          <p:cNvPicPr>
+            <a:picLocks noChangeAspect="1"/>
+          </p:cNvPicPr>
+          <p:nvPr/>
+        </p:nvPicPr>
+        <p:blipFill>
+          <a:blip r:embed="rId3"/>
+          <a:stretch>
+            <a:fillRect/>
+          </a:stretch>
+        </p:blipFill>
+        <p:spPr>
+          <a:xfrm>
+            <a:off x="1524000" y="3611141"/>
+            <a:ext cx="6026477" cy="1542491"/>
+          </a:xfrm>
+          <a:prstGeom prst="rect">
+            <a:avLst/>
+          </a:prstGeom>
+        </p:spPr>
+      </p:pic>
+      <p:pic>
+        <p:nvPicPr>
+          <p:cNvPr id="9" name="Picture 8"/>
+          <p:cNvPicPr>
+            <a:picLocks noChangeAspect="1"/>
+          </p:cNvPicPr>
+          <p:nvPr/>
+        </p:nvPicPr>
+        <p:blipFill>
+          <a:blip r:embed="rId4"/>
+          <a:stretch>
+            <a:fillRect/>
+          </a:stretch>
+        </p:blipFill>
+        <p:spPr>
+          <a:xfrm>
+            <a:off x="1524000" y="5210737"/>
+            <a:ext cx="6026475" cy="1602277"/>
+          </a:xfrm>
+          <a:prstGeom prst="rect">
+            <a:avLst/>
+          </a:prstGeom>
+        </p:spPr>
+      </p:pic>
+    </p:spTree>
+    <p:extLst>
+      <p:ext uri="{BB962C8B-B14F-4D97-AF65-F5344CB8AC3E}">
+        <p14:creationId xmlns:p14="http://schemas.microsoft.com/office/powerpoint/2010/main" val="27432630"/>
+      </p:ext>
+    </p:extLst>
+  </p:cSld>
+  <p:clrMapOvr>
+    <a:masterClrMapping/>
+  </p:clrMapOvr>
+  <p:timing>
+    <p:tnLst>
+      <p:par>
+        <p:cTn id="1" dur="indefinite" restart="never" nodeType="tmRoot"/>
+      </p:par>
+    </p:tnLst>
+  </p:timing>
+</p:sld>
+</file>
+
+<file path=ppt/slides/slide14.xml><?xml version="1.0" encoding="utf-8"?>
+<p:sld xmlns:a="http://schemas.openxmlformats.org/drawingml/2006/main" xmlns:r="http://schemas.openxmlformats.org/officeDocument/2006/relationships" xmlns:p="http://schemas.openxmlformats.org/presentationml/2006/main">
+  <p:cSld>
+    <p:spTree>
+      <p:nvGrpSpPr>
+        <p:cNvPr id="1" name=""/>
+        <p:cNvGrpSpPr/>
+        <p:nvPr/>
+      </p:nvGrpSpPr>
+      <p:grpSpPr>
+        <a:xfrm>
+          <a:off x="0" y="0"/>
+          <a:ext cx="0" cy="0"/>
+          <a:chOff x="0" y="0"/>
+          <a:chExt cx="0" cy="0"/>
+        </a:xfrm>
+      </p:grpSpPr>
+      <p:sp>
+        <p:nvSpPr>
+          <p:cNvPr id="2" name="Title 1"/>
+          <p:cNvSpPr>
+            <a:spLocks noGrp="1"/>
+          </p:cNvSpPr>
+          <p:nvPr>
+            <p:ph type="title"/>
+          </p:nvPr>
+        </p:nvSpPr>
+        <p:spPr/>
+        <p:txBody>
+          <a:bodyPr/>
+          <a:lstStyle/>
+          <a:p>
+            <a:r>
+              <a:rPr lang="en-US" dirty="0" smtClean="0"/>
+              <a:t>Estimating u</a:t>
+            </a:r>
+            <a:endParaRPr lang="en-US" dirty="0"/>
+          </a:p>
+        </p:txBody>
+      </p:sp>
+      <p:sp>
+        <p:nvSpPr>
+          <p:cNvPr id="3" name="Content Placeholder 2"/>
+          <p:cNvSpPr>
+            <a:spLocks noGrp="1"/>
+          </p:cNvSpPr>
+          <p:nvPr>
+            <p:ph idx="1"/>
+          </p:nvPr>
+        </p:nvSpPr>
+        <p:spPr>
+          <a:xfrm>
+            <a:off x="457200" y="1143000"/>
+            <a:ext cx="8610600" cy="5334000"/>
+          </a:xfrm>
+        </p:spPr>
+        <p:txBody>
+          <a:bodyPr/>
+          <a:lstStyle/>
+          <a:p>
+            <a:r>
+              <a:rPr lang="en-US" dirty="0" smtClean="0"/>
+              <a:t>Divide annual harvest by estimate of N.</a:t>
+            </a:r>
+          </a:p>
+          <a:p>
+            <a:endParaRPr lang="en-US" dirty="0"/>
+          </a:p>
+          <a:p>
+            <a:r>
+              <a:rPr lang="en-US" dirty="0" smtClean="0"/>
+              <a:t>Divide harvested tagged fish by number of tagged fish released.</a:t>
+            </a:r>
+          </a:p>
+          <a:p>
+            <a:endParaRPr lang="en-US" dirty="0"/>
+          </a:p>
+          <a:p>
+            <a:r>
+              <a:rPr lang="en-US" b="1" dirty="0" smtClean="0">
+                <a:solidFill>
+                  <a:srgbClr val="FF0000"/>
+                </a:solidFill>
+              </a:rPr>
+              <a:t>Recall that these estimates are only valid if ratios of fishing and natural mortality are constant throughout the year.</a:t>
+            </a:r>
+            <a:endParaRPr lang="en-US" b="1" dirty="0">
+              <a:solidFill>
+                <a:srgbClr val="FF0000"/>
+              </a:solidFill>
+            </a:endParaRPr>
+          </a:p>
+        </p:txBody>
+      </p:sp>
+      <p:sp>
+        <p:nvSpPr>
+          <p:cNvPr id="4" name="Footer Placeholder 3"/>
+          <p:cNvSpPr>
+            <a:spLocks noGrp="1"/>
+          </p:cNvSpPr>
+          <p:nvPr>
+            <p:ph type="ftr" sz="quarter" idx="10"/>
+          </p:nvPr>
+        </p:nvSpPr>
+        <p:spPr/>
+        <p:txBody>
+          <a:bodyPr/>
+          <a:lstStyle/>
+          <a:p>
+            <a:r>
+              <a:rPr lang="en-US" smtClean="0"/>
+              <a:t>Mortality Components</a:t>
+            </a:r>
+            <a:endParaRPr lang="en-US"/>
+          </a:p>
+        </p:txBody>
+      </p:sp>
+      <p:sp>
+        <p:nvSpPr>
+          <p:cNvPr id="5" name="Slide Number Placeholder 4"/>
+          <p:cNvSpPr>
+            <a:spLocks noGrp="1"/>
+          </p:cNvSpPr>
+          <p:nvPr>
+            <p:ph type="sldNum" sz="quarter" idx="11"/>
+          </p:nvPr>
+        </p:nvSpPr>
+        <p:spPr/>
+        <p:txBody>
+          <a:bodyPr/>
+          <a:lstStyle/>
+          <a:p>
+            <a:fld id="{CD41EA97-E434-4B42-9B1A-D37266F43B39}" type="slidenum">
+              <a:rPr lang="en-US" smtClean="0"/>
+              <a:pPr/>
+              <a:t>14</a:t>
+            </a:fld>
+            <a:endParaRPr lang="en-US"/>
+          </a:p>
+        </p:txBody>
+      </p:sp>
+    </p:spTree>
+    <p:extLst>
+      <p:ext uri="{BB962C8B-B14F-4D97-AF65-F5344CB8AC3E}">
+        <p14:creationId xmlns:p14="http://schemas.microsoft.com/office/powerpoint/2010/main" val="2786789090"/>
+      </p:ext>
+    </p:extLst>
+  </p:cSld>
+  <p:clrMapOvr>
+    <a:masterClrMapping/>
+  </p:clrMapOvr>
+  <p:timing>
+    <p:tnLst>
+      <p:par>
+        <p:cTn id="1" dur="indefinite" restart="never" nodeType="tmRoot"/>
+      </p:par>
+    </p:tnLst>
+  </p:timing>
+</p:sld>
+</file>
+
+<file path=ppt/slides/slide15.xml><?xml version="1.0" encoding="utf-8"?>
+<p:sld xmlns:a="http://schemas.openxmlformats.org/drawingml/2006/main" xmlns:r="http://schemas.openxmlformats.org/officeDocument/2006/relationships" xmlns:p="http://schemas.openxmlformats.org/presentationml/2006/main">
+  <p:cSld>
+    <p:spTree>
+      <p:nvGrpSpPr>
+        <p:cNvPr id="1" name=""/>
+        <p:cNvGrpSpPr/>
+        <p:nvPr/>
+      </p:nvGrpSpPr>
+      <p:grpSpPr>
+        <a:xfrm>
+          <a:off x="0" y="0"/>
+          <a:ext cx="0" cy="0"/>
+          <a:chOff x="0" y="0"/>
+          <a:chExt cx="0" cy="0"/>
+        </a:xfrm>
+      </p:grpSpPr>
+      <p:sp>
+        <p:nvSpPr>
+          <p:cNvPr id="2" name="Title 1"/>
+          <p:cNvSpPr>
+            <a:spLocks noGrp="1"/>
+          </p:cNvSpPr>
+          <p:nvPr>
+            <p:ph type="title"/>
+          </p:nvPr>
+        </p:nvSpPr>
+        <p:spPr/>
+        <p:txBody>
+          <a:bodyPr/>
+          <a:lstStyle/>
+          <a:p>
+            <a:endParaRPr lang="en-US"/>
+          </a:p>
+        </p:txBody>
+      </p:sp>
+      <p:sp>
+        <p:nvSpPr>
+          <p:cNvPr id="3" name="Content Placeholder 2"/>
+          <p:cNvSpPr>
+            <a:spLocks noGrp="1"/>
+          </p:cNvSpPr>
+          <p:nvPr>
+            <p:ph idx="1"/>
+          </p:nvPr>
+        </p:nvSpPr>
+        <p:spPr/>
+        <p:txBody>
+          <a:bodyPr/>
+          <a:lstStyle/>
+          <a:p>
+            <a:endParaRPr lang="en-US"/>
+          </a:p>
+        </p:txBody>
+      </p:sp>
+      <p:sp>
+        <p:nvSpPr>
+          <p:cNvPr id="4" name="Footer Placeholder 3"/>
+          <p:cNvSpPr>
+            <a:spLocks noGrp="1"/>
+          </p:cNvSpPr>
+          <p:nvPr>
+            <p:ph type="ftr" sz="quarter" idx="10"/>
+          </p:nvPr>
+        </p:nvSpPr>
+        <p:spPr/>
+        <p:txBody>
+          <a:bodyPr/>
+          <a:lstStyle/>
+          <a:p>
+            <a:r>
+              <a:rPr lang="en-US" smtClean="0"/>
+              <a:t>Mortality Components</a:t>
+            </a:r>
+            <a:endParaRPr lang="en-US"/>
+          </a:p>
+        </p:txBody>
+      </p:sp>
+      <p:sp>
+        <p:nvSpPr>
+          <p:cNvPr id="5" name="Slide Number Placeholder 4"/>
+          <p:cNvSpPr>
+            <a:spLocks noGrp="1"/>
+          </p:cNvSpPr>
+          <p:nvPr>
+            <p:ph type="sldNum" sz="quarter" idx="11"/>
+          </p:nvPr>
+        </p:nvSpPr>
+        <p:spPr/>
+        <p:txBody>
+          <a:bodyPr/>
+          <a:lstStyle/>
+          <a:p>
+            <a:fld id="{CD41EA97-E434-4B42-9B1A-D37266F43B39}" type="slidenum">
+              <a:rPr lang="en-US" smtClean="0"/>
+              <a:pPr/>
+              <a:t>15</a:t>
+            </a:fld>
+            <a:endParaRPr lang="en-US"/>
+          </a:p>
+        </p:txBody>
+      </p:sp>
+    </p:spTree>
+    <p:extLst>
+      <p:ext uri="{BB962C8B-B14F-4D97-AF65-F5344CB8AC3E}">
+        <p14:creationId xmlns:p14="http://schemas.microsoft.com/office/powerpoint/2010/main" val="1179837800"/>
+      </p:ext>
+    </p:extLst>
+  </p:cSld>
+  <p:clrMapOvr>
+    <a:masterClrMapping/>
+  </p:clrMapOvr>
+  <p:timing>
+    <p:tnLst>
+      <p:par>
+        <p:cTn id="1" dur="indefinite" restart="never" nodeType="tmRoot"/>
+      </p:par>
+    </p:tnLst>
+  </p:timing>
+</p:sld>
+</file>
+
+<file path=ppt/slides/slide16.xml><?xml version="1.0" encoding="utf-8"?>
+<p:sld xmlns:a="http://schemas.openxmlformats.org/drawingml/2006/main" xmlns:r="http://schemas.openxmlformats.org/officeDocument/2006/relationships" xmlns:p="http://schemas.openxmlformats.org/presentationml/2006/main">
+  <p:cSld>
+    <p:spTree>
+      <p:nvGrpSpPr>
+        <p:cNvPr id="1" name=""/>
+        <p:cNvGrpSpPr/>
+        <p:nvPr/>
+      </p:nvGrpSpPr>
+      <p:grpSpPr>
+        <a:xfrm>
+          <a:off x="0" y="0"/>
+          <a:ext cx="0" cy="0"/>
+          <a:chOff x="0" y="0"/>
+          <a:chExt cx="0" cy="0"/>
+        </a:xfrm>
+      </p:grpSpPr>
+      <p:sp>
+        <p:nvSpPr>
+          <p:cNvPr id="9" name="Footer Placeholder 3"/>
+          <p:cNvSpPr>
+            <a:spLocks noGrp="1"/>
+          </p:cNvSpPr>
+          <p:nvPr>
+            <p:ph type="ftr" sz="quarter" idx="10"/>
+          </p:nvPr>
+        </p:nvSpPr>
+        <p:spPr/>
+        <p:txBody>
+          <a:bodyPr/>
+          <a:lstStyle/>
+          <a:p>
+            <a:r>
+              <a:rPr lang="en-US" smtClean="0"/>
+              <a:t>Mortality Components</a:t>
+            </a:r>
+            <a:endParaRPr lang="en-US"/>
           </a:p>
         </p:txBody>
       </p:sp>
@@ -5845,7 +6826,7 @@
             <a:fld id="{170A5CBA-EE77-45C6-A259-18D0A0F85CCA}" type="slidenum">
               <a:rPr lang="en-US"/>
               <a:pPr/>
-              <a:t>12</a:t>
+              <a:t>16</a:t>
             </a:fld>
             <a:endParaRPr lang="en-US"/>
           </a:p>
@@ -6401,7 +7382,7 @@
 </p:sld>
 </file>
 
-<file path=ppt/slides/slide13.xml><?xml version="1.0" encoding="utf-8"?>
+<file path=ppt/slides/slide17.xml><?xml version="1.0" encoding="utf-8"?>
 <p:sld xmlns:a="http://schemas.openxmlformats.org/drawingml/2006/main" xmlns:r="http://schemas.openxmlformats.org/officeDocument/2006/relationships" xmlns:p="http://schemas.openxmlformats.org/presentationml/2006/main">
   <p:cSld>
     <p:spTree>
@@ -6434,9 +7415,10 @@
           <a:lstStyle/>
           <a:p>
             <a:r>
-              <a:rPr lang="en-US"/>
-              <a:t>Catch Curves</a:t>
-            </a:r>
+              <a:rPr lang="en-US" smtClean="0"/>
+              <a:t>Mortality Components</a:t>
+            </a:r>
+            <a:endParaRPr lang="en-US"/>
           </a:p>
         </p:txBody>
       </p:sp>
@@ -6458,7 +7440,7 @@
             <a:fld id="{D7A0E3EA-0C36-40CC-B5D8-9DE7525091DC}" type="slidenum">
               <a:rPr lang="en-US"/>
               <a:pPr/>
-              <a:t>13</a:t>
+              <a:t>17</a:t>
             </a:fld>
             <a:endParaRPr lang="en-US"/>
           </a:p>
@@ -6930,7 +7912,7 @@
 </p:sld>
 </file>
 
-<file path=ppt/slides/slide14.xml><?xml version="1.0" encoding="utf-8"?>
+<file path=ppt/slides/slide18.xml><?xml version="1.0" encoding="utf-8"?>
 <p:sld xmlns:a="http://schemas.openxmlformats.org/drawingml/2006/main" xmlns:r="http://schemas.openxmlformats.org/officeDocument/2006/relationships" xmlns:p="http://schemas.openxmlformats.org/presentationml/2006/main">
   <p:cSld>
     <p:spTree>
@@ -6963,9 +7945,10 @@
           <a:lstStyle/>
           <a:p>
             <a:r>
-              <a:rPr lang="en-US"/>
-              <a:t>Catch Curves</a:t>
-            </a:r>
+              <a:rPr lang="en-US" smtClean="0"/>
+              <a:t>Mortality Components</a:t>
+            </a:r>
+            <a:endParaRPr lang="en-US"/>
           </a:p>
         </p:txBody>
       </p:sp>
@@ -6987,7 +7970,7 @@
             <a:fld id="{2718A24F-E62C-4120-B0DD-8B7B1D480092}" type="slidenum">
               <a:rPr lang="en-US"/>
               <a:pPr/>
-              <a:t>14</a:t>
+              <a:t>18</a:t>
             </a:fld>
             <a:endParaRPr lang="en-US"/>
           </a:p>
@@ -7438,7 +8421,7 @@
 </p:sld>
 </file>
 
-<file path=ppt/slides/slide15.xml><?xml version="1.0" encoding="utf-8"?>
+<file path=ppt/slides/slide19.xml><?xml version="1.0" encoding="utf-8"?>
 <p:sld xmlns:a="http://schemas.openxmlformats.org/drawingml/2006/main" xmlns:r="http://schemas.openxmlformats.org/officeDocument/2006/relationships" xmlns:p="http://schemas.openxmlformats.org/presentationml/2006/main">
   <p:cSld>
     <p:spTree>
@@ -7471,9 +8454,10 @@
           <a:lstStyle/>
           <a:p>
             <a:r>
-              <a:rPr lang="en-US"/>
-              <a:t>Catch Curves</a:t>
-            </a:r>
+              <a:rPr lang="en-US" smtClean="0"/>
+              <a:t>Mortality Components</a:t>
+            </a:r>
+            <a:endParaRPr lang="en-US"/>
           </a:p>
         </p:txBody>
       </p:sp>
@@ -7495,7 +8479,7 @@
             <a:fld id="{319D3E82-01FD-44E5-B41C-C049F4B3AA45}" type="slidenum">
               <a:rPr lang="en-US"/>
               <a:pPr/>
-              <a:t>15</a:t>
+              <a:t>19</a:t>
             </a:fld>
             <a:endParaRPr lang="en-US"/>
           </a:p>
@@ -7779,6 +8763,900 @@
       </p:grpSpPr>
       <p:sp>
         <p:nvSpPr>
+          <p:cNvPr id="2" name="Title 1"/>
+          <p:cNvSpPr>
+            <a:spLocks noGrp="1"/>
+          </p:cNvSpPr>
+          <p:nvPr>
+            <p:ph type="title"/>
+          </p:nvPr>
+        </p:nvSpPr>
+        <p:spPr/>
+        <p:txBody>
+          <a:bodyPr/>
+          <a:lstStyle/>
+          <a:p>
+            <a:r>
+              <a:rPr lang="en-US" dirty="0" smtClean="0"/>
+              <a:t>Definitions</a:t>
+            </a:r>
+            <a:endParaRPr lang="en-US" dirty="0"/>
+          </a:p>
+        </p:txBody>
+      </p:sp>
+      <p:sp>
+        <p:nvSpPr>
+          <p:cNvPr id="3" name="Content Placeholder 2"/>
+          <p:cNvSpPr>
+            <a:spLocks noGrp="1"/>
+          </p:cNvSpPr>
+          <p:nvPr>
+            <p:ph idx="1"/>
+          </p:nvPr>
+        </p:nvSpPr>
+        <p:spPr/>
+        <p:txBody>
+          <a:bodyPr/>
+          <a:lstStyle/>
+          <a:p>
+            <a:r>
+              <a:rPr lang="en-US" b="1" dirty="0" smtClean="0"/>
+              <a:t>Instantaneous Models</a:t>
+            </a:r>
+          </a:p>
+          <a:p>
+            <a:pPr lvl="1"/>
+            <a:r>
+              <a:rPr lang="en-US" dirty="0" smtClean="0"/>
+              <a:t>F = instantaneous fishing mortality</a:t>
+            </a:r>
+          </a:p>
+          <a:p>
+            <a:pPr lvl="1"/>
+            <a:r>
+              <a:rPr lang="en-US" dirty="0" smtClean="0"/>
+              <a:t>M = instantaneous natural mortality</a:t>
+            </a:r>
+          </a:p>
+          <a:p>
+            <a:pPr lvl="1"/>
+            <a:endParaRPr lang="en-US" dirty="0" smtClean="0"/>
+          </a:p>
+          <a:p>
+            <a:pPr lvl="1"/>
+            <a:r>
+              <a:rPr lang="en-US" dirty="0" smtClean="0"/>
+              <a:t>Z = F + M</a:t>
+            </a:r>
+          </a:p>
+        </p:txBody>
+      </p:sp>
+      <p:sp>
+        <p:nvSpPr>
+          <p:cNvPr id="4" name="Footer Placeholder 3"/>
+          <p:cNvSpPr>
+            <a:spLocks noGrp="1"/>
+          </p:cNvSpPr>
+          <p:nvPr>
+            <p:ph type="ftr" sz="quarter" idx="10"/>
+          </p:nvPr>
+        </p:nvSpPr>
+        <p:spPr/>
+        <p:txBody>
+          <a:bodyPr/>
+          <a:lstStyle/>
+          <a:p>
+            <a:r>
+              <a:rPr lang="en-US" smtClean="0"/>
+              <a:t>Mortality Components</a:t>
+            </a:r>
+            <a:endParaRPr lang="en-US"/>
+          </a:p>
+        </p:txBody>
+      </p:sp>
+      <p:sp>
+        <p:nvSpPr>
+          <p:cNvPr id="5" name="Slide Number Placeholder 4"/>
+          <p:cNvSpPr>
+            <a:spLocks noGrp="1"/>
+          </p:cNvSpPr>
+          <p:nvPr>
+            <p:ph type="sldNum" sz="quarter" idx="11"/>
+          </p:nvPr>
+        </p:nvSpPr>
+        <p:spPr/>
+        <p:txBody>
+          <a:bodyPr/>
+          <a:lstStyle/>
+          <a:p>
+            <a:fld id="{CD41EA97-E434-4B42-9B1A-D37266F43B39}" type="slidenum">
+              <a:rPr lang="en-US" smtClean="0"/>
+              <a:pPr/>
+              <a:t>2</a:t>
+            </a:fld>
+            <a:endParaRPr lang="en-US"/>
+          </a:p>
+        </p:txBody>
+      </p:sp>
+    </p:spTree>
+    <p:extLst>
+      <p:ext uri="{BB962C8B-B14F-4D97-AF65-F5344CB8AC3E}">
+        <p14:creationId xmlns:p14="http://schemas.microsoft.com/office/powerpoint/2010/main" val="1470846771"/>
+      </p:ext>
+    </p:extLst>
+  </p:cSld>
+  <p:clrMapOvr>
+    <a:masterClrMapping/>
+  </p:clrMapOvr>
+  <p:timing>
+    <p:tnLst>
+      <p:par>
+        <p:cTn id="1" dur="indefinite" restart="never" nodeType="tmRoot"/>
+      </p:par>
+    </p:tnLst>
+  </p:timing>
+</p:sld>
+</file>
+
+<file path=ppt/slides/slide3.xml><?xml version="1.0" encoding="utf-8"?>
+<p:sld xmlns:a="http://schemas.openxmlformats.org/drawingml/2006/main" xmlns:r="http://schemas.openxmlformats.org/officeDocument/2006/relationships" xmlns:p="http://schemas.openxmlformats.org/presentationml/2006/main">
+  <p:cSld>
+    <p:spTree>
+      <p:nvGrpSpPr>
+        <p:cNvPr id="1" name=""/>
+        <p:cNvGrpSpPr/>
+        <p:nvPr/>
+      </p:nvGrpSpPr>
+      <p:grpSpPr>
+        <a:xfrm>
+          <a:off x="0" y="0"/>
+          <a:ext cx="0" cy="0"/>
+          <a:chOff x="0" y="0"/>
+          <a:chExt cx="0" cy="0"/>
+        </a:xfrm>
+      </p:grpSpPr>
+      <p:sp>
+        <p:nvSpPr>
+          <p:cNvPr id="2" name="Title 1"/>
+          <p:cNvSpPr>
+            <a:spLocks noGrp="1"/>
+          </p:cNvSpPr>
+          <p:nvPr>
+            <p:ph type="title"/>
+          </p:nvPr>
+        </p:nvSpPr>
+        <p:spPr/>
+        <p:txBody>
+          <a:bodyPr/>
+          <a:lstStyle/>
+          <a:p>
+            <a:r>
+              <a:rPr lang="en-US" dirty="0" smtClean="0"/>
+              <a:t>Definitions</a:t>
+            </a:r>
+            <a:endParaRPr lang="en-US" dirty="0"/>
+          </a:p>
+        </p:txBody>
+      </p:sp>
+      <p:sp>
+        <p:nvSpPr>
+          <p:cNvPr id="3" name="Content Placeholder 2"/>
+          <p:cNvSpPr>
+            <a:spLocks noGrp="1"/>
+          </p:cNvSpPr>
+          <p:nvPr>
+            <p:ph idx="1"/>
+          </p:nvPr>
+        </p:nvSpPr>
+        <p:spPr>
+          <a:xfrm>
+            <a:off x="457200" y="914400"/>
+            <a:ext cx="8229600" cy="5334000"/>
+          </a:xfrm>
+        </p:spPr>
+        <p:txBody>
+          <a:bodyPr/>
+          <a:lstStyle/>
+          <a:p>
+            <a:r>
+              <a:rPr lang="en-US" b="1" dirty="0" smtClean="0"/>
+              <a:t>Discrete (Type I) Fishery</a:t>
+            </a:r>
+          </a:p>
+          <a:p>
+            <a:pPr lvl="1"/>
+            <a:r>
+              <a:rPr lang="en-US" dirty="0" smtClean="0"/>
+              <a:t>F and M operate separately (different times)</a:t>
+            </a:r>
+          </a:p>
+          <a:p>
+            <a:pPr lvl="1"/>
+            <a:r>
+              <a:rPr lang="en-US" dirty="0" smtClean="0"/>
+              <a:t>Realistic for a highly seasonal fishery</a:t>
+            </a:r>
+          </a:p>
+        </p:txBody>
+      </p:sp>
+      <p:sp>
+        <p:nvSpPr>
+          <p:cNvPr id="4" name="Footer Placeholder 3"/>
+          <p:cNvSpPr>
+            <a:spLocks noGrp="1"/>
+          </p:cNvSpPr>
+          <p:nvPr>
+            <p:ph type="ftr" sz="quarter" idx="10"/>
+          </p:nvPr>
+        </p:nvSpPr>
+        <p:spPr/>
+        <p:txBody>
+          <a:bodyPr/>
+          <a:lstStyle/>
+          <a:p>
+            <a:r>
+              <a:rPr lang="en-US" smtClean="0"/>
+              <a:t>Mortality Components</a:t>
+            </a:r>
+            <a:endParaRPr lang="en-US"/>
+          </a:p>
+        </p:txBody>
+      </p:sp>
+      <p:sp>
+        <p:nvSpPr>
+          <p:cNvPr id="5" name="Slide Number Placeholder 4"/>
+          <p:cNvSpPr>
+            <a:spLocks noGrp="1"/>
+          </p:cNvSpPr>
+          <p:nvPr>
+            <p:ph type="sldNum" sz="quarter" idx="11"/>
+          </p:nvPr>
+        </p:nvSpPr>
+        <p:spPr/>
+        <p:txBody>
+          <a:bodyPr/>
+          <a:lstStyle/>
+          <a:p>
+            <a:fld id="{CD41EA97-E434-4B42-9B1A-D37266F43B39}" type="slidenum">
+              <a:rPr lang="en-US" smtClean="0"/>
+              <a:pPr/>
+              <a:t>3</a:t>
+            </a:fld>
+            <a:endParaRPr lang="en-US"/>
+          </a:p>
+        </p:txBody>
+      </p:sp>
+      <p:pic>
+        <p:nvPicPr>
+          <p:cNvPr id="6" name="Picture 5"/>
+          <p:cNvPicPr>
+            <a:picLocks noChangeAspect="1"/>
+          </p:cNvPicPr>
+          <p:nvPr/>
+        </p:nvPicPr>
+        <p:blipFill>
+          <a:blip r:embed="rId3"/>
+          <a:stretch>
+            <a:fillRect/>
+          </a:stretch>
+        </p:blipFill>
+        <p:spPr>
+          <a:xfrm>
+            <a:off x="1371601" y="2506122"/>
+            <a:ext cx="5987777" cy="4297680"/>
+          </a:xfrm>
+          <a:prstGeom prst="rect">
+            <a:avLst/>
+          </a:prstGeom>
+        </p:spPr>
+      </p:pic>
+    </p:spTree>
+    <p:extLst>
+      <p:ext uri="{BB962C8B-B14F-4D97-AF65-F5344CB8AC3E}">
+        <p14:creationId xmlns:p14="http://schemas.microsoft.com/office/powerpoint/2010/main" val="764791334"/>
+      </p:ext>
+    </p:extLst>
+  </p:cSld>
+  <p:clrMapOvr>
+    <a:masterClrMapping/>
+  </p:clrMapOvr>
+  <p:timing>
+    <p:tnLst>
+      <p:par>
+        <p:cTn id="1" dur="indefinite" restart="never" nodeType="tmRoot"/>
+      </p:par>
+    </p:tnLst>
+  </p:timing>
+</p:sld>
+</file>
+
+<file path=ppt/slides/slide4.xml><?xml version="1.0" encoding="utf-8"?>
+<p:sld xmlns:a="http://schemas.openxmlformats.org/drawingml/2006/main" xmlns:r="http://schemas.openxmlformats.org/officeDocument/2006/relationships" xmlns:p="http://schemas.openxmlformats.org/presentationml/2006/main">
+  <p:cSld>
+    <p:spTree>
+      <p:nvGrpSpPr>
+        <p:cNvPr id="1" name=""/>
+        <p:cNvGrpSpPr/>
+        <p:nvPr/>
+      </p:nvGrpSpPr>
+      <p:grpSpPr>
+        <a:xfrm>
+          <a:off x="0" y="0"/>
+          <a:ext cx="0" cy="0"/>
+          <a:chOff x="0" y="0"/>
+          <a:chExt cx="0" cy="0"/>
+        </a:xfrm>
+      </p:grpSpPr>
+      <p:sp>
+        <p:nvSpPr>
+          <p:cNvPr id="2" name="Title 1"/>
+          <p:cNvSpPr>
+            <a:spLocks noGrp="1"/>
+          </p:cNvSpPr>
+          <p:nvPr>
+            <p:ph type="title"/>
+          </p:nvPr>
+        </p:nvSpPr>
+        <p:spPr/>
+        <p:txBody>
+          <a:bodyPr/>
+          <a:lstStyle/>
+          <a:p>
+            <a:r>
+              <a:rPr lang="en-US" dirty="0" smtClean="0"/>
+              <a:t>Definitions</a:t>
+            </a:r>
+            <a:endParaRPr lang="en-US" dirty="0"/>
+          </a:p>
+        </p:txBody>
+      </p:sp>
+      <p:sp>
+        <p:nvSpPr>
+          <p:cNvPr id="3" name="Content Placeholder 2"/>
+          <p:cNvSpPr>
+            <a:spLocks noGrp="1"/>
+          </p:cNvSpPr>
+          <p:nvPr>
+            <p:ph idx="1"/>
+          </p:nvPr>
+        </p:nvSpPr>
+        <p:spPr>
+          <a:xfrm>
+            <a:off x="457200" y="914400"/>
+            <a:ext cx="8229600" cy="5334000"/>
+          </a:xfrm>
+        </p:spPr>
+        <p:txBody>
+          <a:bodyPr/>
+          <a:lstStyle/>
+          <a:p>
+            <a:r>
+              <a:rPr lang="en-US" b="1" dirty="0" err="1" smtClean="0"/>
+              <a:t>Contionuous</a:t>
+            </a:r>
+            <a:r>
+              <a:rPr lang="en-US" b="1" dirty="0" smtClean="0"/>
+              <a:t> (Type II) Fishery</a:t>
+            </a:r>
+          </a:p>
+          <a:p>
+            <a:pPr lvl="1"/>
+            <a:r>
+              <a:rPr lang="en-US" dirty="0" smtClean="0"/>
+              <a:t>F and M operate at same time</a:t>
+            </a:r>
+          </a:p>
+          <a:p>
+            <a:pPr lvl="1"/>
+            <a:r>
+              <a:rPr lang="en-US" dirty="0" smtClean="0"/>
+              <a:t>We will assume constant F &amp; M through year</a:t>
+            </a:r>
+          </a:p>
+        </p:txBody>
+      </p:sp>
+      <p:sp>
+        <p:nvSpPr>
+          <p:cNvPr id="4" name="Footer Placeholder 3"/>
+          <p:cNvSpPr>
+            <a:spLocks noGrp="1"/>
+          </p:cNvSpPr>
+          <p:nvPr>
+            <p:ph type="ftr" sz="quarter" idx="10"/>
+          </p:nvPr>
+        </p:nvSpPr>
+        <p:spPr/>
+        <p:txBody>
+          <a:bodyPr/>
+          <a:lstStyle/>
+          <a:p>
+            <a:r>
+              <a:rPr lang="en-US" smtClean="0"/>
+              <a:t>Mortality Components</a:t>
+            </a:r>
+            <a:endParaRPr lang="en-US"/>
+          </a:p>
+        </p:txBody>
+      </p:sp>
+      <p:sp>
+        <p:nvSpPr>
+          <p:cNvPr id="5" name="Slide Number Placeholder 4"/>
+          <p:cNvSpPr>
+            <a:spLocks noGrp="1"/>
+          </p:cNvSpPr>
+          <p:nvPr>
+            <p:ph type="sldNum" sz="quarter" idx="11"/>
+          </p:nvPr>
+        </p:nvSpPr>
+        <p:spPr/>
+        <p:txBody>
+          <a:bodyPr/>
+          <a:lstStyle/>
+          <a:p>
+            <a:fld id="{CD41EA97-E434-4B42-9B1A-D37266F43B39}" type="slidenum">
+              <a:rPr lang="en-US" smtClean="0"/>
+              <a:pPr/>
+              <a:t>4</a:t>
+            </a:fld>
+            <a:endParaRPr lang="en-US"/>
+          </a:p>
+        </p:txBody>
+      </p:sp>
+      <p:pic>
+        <p:nvPicPr>
+          <p:cNvPr id="7" name="Picture 6"/>
+          <p:cNvPicPr>
+            <a:picLocks noChangeAspect="1"/>
+          </p:cNvPicPr>
+          <p:nvPr/>
+        </p:nvPicPr>
+        <p:blipFill>
+          <a:blip r:embed="rId3"/>
+          <a:stretch>
+            <a:fillRect/>
+          </a:stretch>
+        </p:blipFill>
+        <p:spPr>
+          <a:xfrm>
+            <a:off x="1371600" y="2505456"/>
+            <a:ext cx="5987784" cy="4297680"/>
+          </a:xfrm>
+          <a:prstGeom prst="rect">
+            <a:avLst/>
+          </a:prstGeom>
+        </p:spPr>
+      </p:pic>
+    </p:spTree>
+    <p:extLst>
+      <p:ext uri="{BB962C8B-B14F-4D97-AF65-F5344CB8AC3E}">
+        <p14:creationId xmlns:p14="http://schemas.microsoft.com/office/powerpoint/2010/main" val="3995626057"/>
+      </p:ext>
+    </p:extLst>
+  </p:cSld>
+  <p:clrMapOvr>
+    <a:masterClrMapping/>
+  </p:clrMapOvr>
+  <p:timing>
+    <p:tnLst>
+      <p:par>
+        <p:cTn id="1" dur="indefinite" restart="never" nodeType="tmRoot"/>
+      </p:par>
+    </p:tnLst>
+  </p:timing>
+</p:sld>
+</file>
+
+<file path=ppt/slides/slide5.xml><?xml version="1.0" encoding="utf-8"?>
+<p:sld xmlns:a="http://schemas.openxmlformats.org/drawingml/2006/main" xmlns:r="http://schemas.openxmlformats.org/officeDocument/2006/relationships" xmlns:p="http://schemas.openxmlformats.org/presentationml/2006/main">
+  <p:cSld>
+    <p:spTree>
+      <p:nvGrpSpPr>
+        <p:cNvPr id="1" name=""/>
+        <p:cNvGrpSpPr/>
+        <p:nvPr/>
+      </p:nvGrpSpPr>
+      <p:grpSpPr>
+        <a:xfrm>
+          <a:off x="0" y="0"/>
+          <a:ext cx="0" cy="0"/>
+          <a:chOff x="0" y="0"/>
+          <a:chExt cx="0" cy="0"/>
+        </a:xfrm>
+      </p:grpSpPr>
+      <p:sp>
+        <p:nvSpPr>
+          <p:cNvPr id="2" name="Title 1"/>
+          <p:cNvSpPr>
+            <a:spLocks noGrp="1"/>
+          </p:cNvSpPr>
+          <p:nvPr>
+            <p:ph type="title"/>
+          </p:nvPr>
+        </p:nvSpPr>
+        <p:spPr/>
+        <p:txBody>
+          <a:bodyPr/>
+          <a:lstStyle/>
+          <a:p>
+            <a:r>
+              <a:rPr lang="en-US" dirty="0" smtClean="0"/>
+              <a:t>Definitions</a:t>
+            </a:r>
+            <a:endParaRPr lang="en-US" dirty="0"/>
+          </a:p>
+        </p:txBody>
+      </p:sp>
+      <p:sp>
+        <p:nvSpPr>
+          <p:cNvPr id="3" name="Content Placeholder 2"/>
+          <p:cNvSpPr>
+            <a:spLocks noGrp="1"/>
+          </p:cNvSpPr>
+          <p:nvPr>
+            <p:ph idx="1"/>
+          </p:nvPr>
+        </p:nvSpPr>
+        <p:spPr/>
+        <p:txBody>
+          <a:bodyPr/>
+          <a:lstStyle/>
+          <a:p>
+            <a:r>
+              <a:rPr lang="en-US" b="1" dirty="0" smtClean="0"/>
+              <a:t>Discrete (Annual) Models</a:t>
+            </a:r>
+          </a:p>
+          <a:p>
+            <a:pPr lvl="1"/>
+            <a:r>
+              <a:rPr lang="en-US" dirty="0" smtClean="0"/>
+              <a:t>u = annual exploitation rate</a:t>
+            </a:r>
+          </a:p>
+          <a:p>
+            <a:pPr lvl="2"/>
+            <a:r>
+              <a:rPr lang="en-US" dirty="0" smtClean="0"/>
+              <a:t>expectation of death due to fishing</a:t>
+            </a:r>
+          </a:p>
+          <a:p>
+            <a:pPr lvl="2"/>
+            <a:r>
+              <a:rPr lang="en-US" dirty="0" smtClean="0"/>
+              <a:t>proportion of population that dies due to fishing</a:t>
+            </a:r>
+          </a:p>
+          <a:p>
+            <a:pPr lvl="1"/>
+            <a:r>
+              <a:rPr lang="en-US" dirty="0" smtClean="0"/>
+              <a:t>v = annual natural mortality rate</a:t>
+            </a:r>
+          </a:p>
+          <a:p>
+            <a:pPr lvl="1"/>
+            <a:r>
+              <a:rPr lang="en-US" dirty="0" smtClean="0"/>
+              <a:t>m = annual conditional mortality rate</a:t>
+            </a:r>
+          </a:p>
+          <a:p>
+            <a:pPr lvl="2"/>
+            <a:r>
+              <a:rPr lang="en-US" dirty="0" smtClean="0"/>
+              <a:t>expectation of death due to fishing IF no other source of mortality existed</a:t>
+            </a:r>
+          </a:p>
+          <a:p>
+            <a:pPr lvl="2"/>
+            <a:r>
+              <a:rPr lang="en-US" dirty="0" smtClean="0"/>
+              <a:t>proportion of population that dies due to fishing IF no other source of mortality existed</a:t>
+            </a:r>
+          </a:p>
+          <a:p>
+            <a:pPr lvl="1"/>
+            <a:r>
+              <a:rPr lang="en-US" dirty="0" smtClean="0"/>
+              <a:t>n = annual conditional natural mortality rate</a:t>
+            </a:r>
+          </a:p>
+        </p:txBody>
+      </p:sp>
+      <p:sp>
+        <p:nvSpPr>
+          <p:cNvPr id="4" name="Footer Placeholder 3"/>
+          <p:cNvSpPr>
+            <a:spLocks noGrp="1"/>
+          </p:cNvSpPr>
+          <p:nvPr>
+            <p:ph type="ftr" sz="quarter" idx="10"/>
+          </p:nvPr>
+        </p:nvSpPr>
+        <p:spPr/>
+        <p:txBody>
+          <a:bodyPr/>
+          <a:lstStyle/>
+          <a:p>
+            <a:r>
+              <a:rPr lang="en-US" smtClean="0"/>
+              <a:t>Mortality Components</a:t>
+            </a:r>
+            <a:endParaRPr lang="en-US"/>
+          </a:p>
+        </p:txBody>
+      </p:sp>
+      <p:sp>
+        <p:nvSpPr>
+          <p:cNvPr id="5" name="Slide Number Placeholder 4"/>
+          <p:cNvSpPr>
+            <a:spLocks noGrp="1"/>
+          </p:cNvSpPr>
+          <p:nvPr>
+            <p:ph type="sldNum" sz="quarter" idx="11"/>
+          </p:nvPr>
+        </p:nvSpPr>
+        <p:spPr/>
+        <p:txBody>
+          <a:bodyPr/>
+          <a:lstStyle/>
+          <a:p>
+            <a:fld id="{CD41EA97-E434-4B42-9B1A-D37266F43B39}" type="slidenum">
+              <a:rPr lang="en-US" smtClean="0"/>
+              <a:pPr/>
+              <a:t>5</a:t>
+            </a:fld>
+            <a:endParaRPr lang="en-US"/>
+          </a:p>
+        </p:txBody>
+      </p:sp>
+    </p:spTree>
+    <p:extLst>
+      <p:ext uri="{BB962C8B-B14F-4D97-AF65-F5344CB8AC3E}">
+        <p14:creationId xmlns:p14="http://schemas.microsoft.com/office/powerpoint/2010/main" val="142812187"/>
+      </p:ext>
+    </p:extLst>
+  </p:cSld>
+  <p:clrMapOvr>
+    <a:masterClrMapping/>
+  </p:clrMapOvr>
+  <p:timing>
+    <p:tnLst>
+      <p:par>
+        <p:cTn id="1" dur="indefinite" restart="never" nodeType="tmRoot"/>
+      </p:par>
+    </p:tnLst>
+  </p:timing>
+</p:sld>
+</file>
+
+<file path=ppt/slides/slide6.xml><?xml version="1.0" encoding="utf-8"?>
+<p:sld xmlns:a="http://schemas.openxmlformats.org/drawingml/2006/main" xmlns:r="http://schemas.openxmlformats.org/officeDocument/2006/relationships" xmlns:p="http://schemas.openxmlformats.org/presentationml/2006/main">
+  <p:cSld>
+    <p:spTree>
+      <p:nvGrpSpPr>
+        <p:cNvPr id="1" name=""/>
+        <p:cNvGrpSpPr/>
+        <p:nvPr/>
+      </p:nvGrpSpPr>
+      <p:grpSpPr>
+        <a:xfrm>
+          <a:off x="0" y="0"/>
+          <a:ext cx="0" cy="0"/>
+          <a:chOff x="0" y="0"/>
+          <a:chExt cx="0" cy="0"/>
+        </a:xfrm>
+      </p:grpSpPr>
+      <p:sp>
+        <p:nvSpPr>
+          <p:cNvPr id="2" name="Title 1"/>
+          <p:cNvSpPr>
+            <a:spLocks noGrp="1"/>
+          </p:cNvSpPr>
+          <p:nvPr>
+            <p:ph type="title"/>
+          </p:nvPr>
+        </p:nvSpPr>
+        <p:spPr/>
+        <p:txBody>
+          <a:bodyPr/>
+          <a:lstStyle/>
+          <a:p>
+            <a:r>
+              <a:rPr lang="en-US" dirty="0" smtClean="0"/>
+              <a:t>Definitions</a:t>
+            </a:r>
+            <a:endParaRPr lang="en-US" dirty="0"/>
+          </a:p>
+        </p:txBody>
+      </p:sp>
+      <p:sp>
+        <p:nvSpPr>
+          <p:cNvPr id="3" name="Content Placeholder 2"/>
+          <p:cNvSpPr>
+            <a:spLocks noGrp="1"/>
+          </p:cNvSpPr>
+          <p:nvPr>
+            <p:ph idx="1"/>
+          </p:nvPr>
+        </p:nvSpPr>
+        <p:spPr/>
+        <p:txBody>
+          <a:bodyPr/>
+          <a:lstStyle/>
+          <a:p>
+            <a:r>
+              <a:rPr lang="en-US" b="1" dirty="0" smtClean="0"/>
+              <a:t>A = m + n – </a:t>
+            </a:r>
+            <a:r>
+              <a:rPr lang="en-US" b="1" dirty="0" err="1" smtClean="0"/>
+              <a:t>mn</a:t>
+            </a:r>
+            <a:endParaRPr lang="en-US" b="1" dirty="0" smtClean="0"/>
+          </a:p>
+          <a:p>
+            <a:pPr lvl="1"/>
+            <a:r>
+              <a:rPr lang="en-US" dirty="0" err="1" smtClean="0"/>
+              <a:t>mn</a:t>
+            </a:r>
+            <a:r>
+              <a:rPr lang="en-US" dirty="0" smtClean="0"/>
+              <a:t> is that some fish that died from one cause may have ultimately died of the other cause</a:t>
+            </a:r>
+          </a:p>
+          <a:p>
+            <a:pPr lvl="1"/>
+            <a:endParaRPr lang="en-US" sz="1400" dirty="0"/>
+          </a:p>
+          <a:p>
+            <a:pPr lvl="1"/>
+            <a:r>
+              <a:rPr lang="en-US" dirty="0" smtClean="0"/>
+              <a:t>Discrete (Type I) Fishery</a:t>
+            </a:r>
+          </a:p>
+          <a:p>
+            <a:pPr lvl="2"/>
+            <a:r>
+              <a:rPr lang="en-US" dirty="0" err="1" smtClean="0"/>
+              <a:t>mn</a:t>
+            </a:r>
+            <a:r>
+              <a:rPr lang="en-US" dirty="0" smtClean="0"/>
+              <a:t>=0 …. A = m + n = u + v</a:t>
+            </a:r>
+          </a:p>
+          <a:p>
+            <a:pPr lvl="2"/>
+            <a:endParaRPr lang="en-US" sz="1400" dirty="0"/>
+          </a:p>
+          <a:p>
+            <a:pPr lvl="1"/>
+            <a:r>
+              <a:rPr lang="en-US" dirty="0" smtClean="0"/>
+              <a:t>Continuous (Type II) Fishery</a:t>
+            </a:r>
+          </a:p>
+          <a:p>
+            <a:pPr lvl="2"/>
+            <a:r>
+              <a:rPr lang="en-US" dirty="0" smtClean="0"/>
+              <a:t>A </a:t>
+            </a:r>
+            <a:r>
+              <a:rPr lang="en-US" dirty="0" smtClean="0">
+                <a:latin typeface="Times New Roman" panose="02020603050405020304" pitchFamily="18" charset="0"/>
+                <a:cs typeface="Times New Roman" panose="02020603050405020304" pitchFamily="18" charset="0"/>
+              </a:rPr>
+              <a:t>≠</a:t>
+            </a:r>
+            <a:r>
+              <a:rPr lang="en-US" dirty="0" smtClean="0"/>
+              <a:t> u + v</a:t>
+            </a:r>
+          </a:p>
+          <a:p>
+            <a:pPr lvl="2"/>
+            <a:endParaRPr lang="en-US" dirty="0"/>
+          </a:p>
+          <a:p>
+            <a:pPr lvl="1"/>
+            <a:r>
+              <a:rPr lang="en-US" dirty="0" smtClean="0"/>
+              <a:t>Thus, most work on instantaneous scale</a:t>
+            </a:r>
+          </a:p>
+        </p:txBody>
+      </p:sp>
+      <p:sp>
+        <p:nvSpPr>
+          <p:cNvPr id="4" name="Footer Placeholder 3"/>
+          <p:cNvSpPr>
+            <a:spLocks noGrp="1"/>
+          </p:cNvSpPr>
+          <p:nvPr>
+            <p:ph type="ftr" sz="quarter" idx="10"/>
+          </p:nvPr>
+        </p:nvSpPr>
+        <p:spPr/>
+        <p:txBody>
+          <a:bodyPr/>
+          <a:lstStyle/>
+          <a:p>
+            <a:r>
+              <a:rPr lang="en-US" smtClean="0"/>
+              <a:t>Mortality Components</a:t>
+            </a:r>
+            <a:endParaRPr lang="en-US"/>
+          </a:p>
+        </p:txBody>
+      </p:sp>
+      <p:sp>
+        <p:nvSpPr>
+          <p:cNvPr id="5" name="Slide Number Placeholder 4"/>
+          <p:cNvSpPr>
+            <a:spLocks noGrp="1"/>
+          </p:cNvSpPr>
+          <p:nvPr>
+            <p:ph type="sldNum" sz="quarter" idx="11"/>
+          </p:nvPr>
+        </p:nvSpPr>
+        <p:spPr/>
+        <p:txBody>
+          <a:bodyPr/>
+          <a:lstStyle/>
+          <a:p>
+            <a:fld id="{CD41EA97-E434-4B42-9B1A-D37266F43B39}" type="slidenum">
+              <a:rPr lang="en-US" smtClean="0"/>
+              <a:pPr/>
+              <a:t>6</a:t>
+            </a:fld>
+            <a:endParaRPr lang="en-US"/>
+          </a:p>
+        </p:txBody>
+      </p:sp>
+    </p:spTree>
+    <p:extLst>
+      <p:ext uri="{BB962C8B-B14F-4D97-AF65-F5344CB8AC3E}">
+        <p14:creationId xmlns:p14="http://schemas.microsoft.com/office/powerpoint/2010/main" val="1456562459"/>
+      </p:ext>
+    </p:extLst>
+  </p:cSld>
+  <p:clrMapOvr>
+    <a:masterClrMapping/>
+  </p:clrMapOvr>
+  <p:timing>
+    <p:tnLst>
+      <p:par>
+        <p:cTn id="1" dur="indefinite" restart="never" nodeType="tmRoot"/>
+      </p:par>
+    </p:tnLst>
+  </p:timing>
+</p:sld>
+</file>
+
+<file path=ppt/slides/slide7.xml><?xml version="1.0" encoding="utf-8"?>
+<p:sld xmlns:a="http://schemas.openxmlformats.org/drawingml/2006/main" xmlns:r="http://schemas.openxmlformats.org/officeDocument/2006/relationships" xmlns:p="http://schemas.openxmlformats.org/presentationml/2006/main">
+  <p:cSld>
+    <p:spTree>
+      <p:nvGrpSpPr>
+        <p:cNvPr id="1" name=""/>
+        <p:cNvGrpSpPr/>
+        <p:nvPr/>
+      </p:nvGrpSpPr>
+      <p:grpSpPr>
+        <a:xfrm>
+          <a:off x="0" y="0"/>
+          <a:ext cx="0" cy="0"/>
+          <a:chOff x="0" y="0"/>
+          <a:chExt cx="0" cy="0"/>
+        </a:xfrm>
+      </p:grpSpPr>
+      <p:sp>
+        <p:nvSpPr>
           <p:cNvPr id="2052" name="Rectangle 4"/>
           <p:cNvSpPr>
             <a:spLocks noGrp="1" noChangeArrowheads="1"/>
@@ -7799,7 +9677,7 @@
           <a:p>
             <a:r>
               <a:rPr lang="en-US" dirty="0" smtClean="0"/>
-              <a:t>Components of Z</a:t>
+              <a:t>Mortality Components</a:t>
             </a:r>
             <a:endParaRPr lang="en-US" sz="3600" dirty="0"/>
           </a:p>
@@ -7815,8 +9693,8 @@
         </p:nvSpPr>
         <p:spPr bwMode="auto">
           <a:xfrm>
-            <a:off x="457200" y="838200"/>
-            <a:ext cx="8229600" cy="5867400"/>
+            <a:off x="457200" y="1066800"/>
+            <a:ext cx="8229600" cy="3733800"/>
           </a:xfrm>
           <a:prstGeom prst="rect">
             <a:avLst/>
@@ -7985,7 +9863,23 @@
             </a:pPr>
             <a:r>
               <a:rPr lang="en-US" b="0" dirty="0" smtClean="0"/>
-              <a:t>Instantaneous components are additive</a:t>
+              <a:t>As </a:t>
+            </a:r>
+            <a:r>
+              <a:rPr lang="en-US" b="0" dirty="0" smtClean="0"/>
+              <a:t>a manager, which of </a:t>
+            </a:r>
+            <a:r>
+              <a:rPr lang="en-US" b="0" dirty="0" smtClean="0"/>
+              <a:t>natural or fishing mortality can you control and, thus, </a:t>
+            </a:r>
+            <a:r>
+              <a:rPr lang="en-US" b="0" dirty="0" smtClean="0"/>
+              <a:t>want </a:t>
+            </a:r>
+            <a:r>
+              <a:rPr lang="en-US" b="0" dirty="0" smtClean="0"/>
+              <a:t>to know?</a:t>
             </a:r>
           </a:p>
           <a:p>
@@ -7998,42 +9892,34 @@
             </a:pPr>
             <a:r>
               <a:rPr lang="en-US" b="0" dirty="0" smtClean="0"/>
-              <a:t>i.e., Z = F+M</a:t>
-            </a:r>
-          </a:p>
-          <a:p>
-            <a:pPr marL="1371600" lvl="2" indent="-457200" algn="l">
+              <a:t>Controlling </a:t>
+            </a:r>
+            <a:r>
+              <a:rPr lang="en-US" b="0" dirty="0" smtClean="0"/>
+              <a:t>F, u, m </a:t>
+            </a:r>
+            <a:r>
+              <a:rPr lang="en-US" b="0" dirty="0" smtClean="0"/>
+              <a:t>is a major goal of </a:t>
+            </a:r>
+            <a:r>
+              <a:rPr lang="en-US" b="0" dirty="0" smtClean="0"/>
+              <a:t>most </a:t>
+            </a:r>
+            <a:r>
+              <a:rPr lang="en-US" b="0" dirty="0" smtClean="0"/>
+              <a:t>fisheries management strategies.</a:t>
+            </a:r>
+          </a:p>
+          <a:p>
+            <a:pPr marL="914400" lvl="1" indent="-457200" algn="l">
               <a:lnSpc>
                 <a:spcPct val="90000"/>
               </a:lnSpc>
               <a:buFont typeface="Arial" pitchFamily="34" charset="0"/>
               <a:buChar char="•"/>
             </a:pPr>
-            <a:r>
-              <a:rPr lang="en-US" b="0" dirty="0" smtClean="0"/>
-              <a:t>Does this make sense?</a:t>
-            </a:r>
-          </a:p>
-          <a:p>
-            <a:pPr marL="1371600" lvl="2" indent="-457200" algn="l">
-              <a:lnSpc>
-                <a:spcPct val="90000"/>
-              </a:lnSpc>
-              <a:buFont typeface="Arial" pitchFamily="34" charset="0"/>
-              <a:buChar char="•"/>
-            </a:pPr>
-            <a:r>
-              <a:rPr lang="en-US" b="0" dirty="0" smtClean="0"/>
-              <a:t>Primary reason for working with instantaneous rates.</a:t>
-            </a:r>
-          </a:p>
-          <a:p>
-            <a:pPr lvl="2" algn="l">
-              <a:lnSpc>
-                <a:spcPct val="90000"/>
-              </a:lnSpc>
-            </a:pPr>
-            <a:endParaRPr lang="en-US" b="0" dirty="0" smtClean="0"/>
+            <a:endParaRPr lang="en-US" b="0" dirty="0"/>
           </a:p>
           <a:p>
             <a:pPr marL="457200" indent="-457200" algn="l">
@@ -8045,84 +9931,7 @@
             </a:pPr>
             <a:r>
               <a:rPr lang="en-US" b="0" dirty="0" smtClean="0"/>
-              <a:t>Annual components are not additive</a:t>
-            </a:r>
-          </a:p>
-          <a:p>
-            <a:pPr marL="914400" lvl="1" indent="-457200" algn="l">
-              <a:lnSpc>
-                <a:spcPct val="90000"/>
-              </a:lnSpc>
-              <a:buFont typeface="Arial" pitchFamily="34" charset="0"/>
-              <a:buChar char="•"/>
-            </a:pPr>
-            <a:r>
-              <a:rPr lang="en-US" b="0" dirty="0" smtClean="0"/>
-              <a:t>i.e., A = m + n – </a:t>
-            </a:r>
-            <a:r>
-              <a:rPr lang="en-US" b="0" dirty="0" err="1" smtClean="0"/>
-              <a:t>mn</a:t>
-            </a:r>
-            <a:endParaRPr lang="en-US" b="0" dirty="0" smtClean="0"/>
-          </a:p>
-          <a:p>
-            <a:pPr marL="914400" lvl="1" indent="-457200" algn="l">
-              <a:lnSpc>
-                <a:spcPct val="90000"/>
-              </a:lnSpc>
-              <a:buFont typeface="Arial" pitchFamily="34" charset="0"/>
-              <a:buChar char="•"/>
-            </a:pPr>
-            <a:r>
-              <a:rPr lang="en-US" b="0" dirty="0" smtClean="0"/>
-              <a:t>Where n =1-e</a:t>
-            </a:r>
-            <a:r>
-              <a:rPr lang="en-US" b="0" baseline="30000" dirty="0" smtClean="0"/>
-              <a:t>-M</a:t>
-            </a:r>
-          </a:p>
-          <a:p>
-            <a:pPr marL="914400" lvl="1" indent="-457200" algn="l">
-              <a:lnSpc>
-                <a:spcPct val="90000"/>
-              </a:lnSpc>
-              <a:buFont typeface="Arial" pitchFamily="34" charset="0"/>
-              <a:buChar char="•"/>
-            </a:pPr>
-            <a:r>
-              <a:rPr lang="en-US" b="0" dirty="0"/>
-              <a:t> </a:t>
-            </a:r>
-            <a:r>
-              <a:rPr lang="en-US" b="0" dirty="0" smtClean="0"/>
-              <a:t>           m=1-e</a:t>
-            </a:r>
-            <a:r>
-              <a:rPr lang="en-US" b="0" baseline="30000" dirty="0" smtClean="0"/>
-              <a:t>-F</a:t>
-            </a:r>
-          </a:p>
-          <a:p>
-            <a:pPr marL="914400" lvl="1" indent="-457200" algn="l">
-              <a:lnSpc>
-                <a:spcPct val="90000"/>
-              </a:lnSpc>
-              <a:buFont typeface="Arial" pitchFamily="34" charset="0"/>
-              <a:buChar char="•"/>
-            </a:pPr>
-            <a:r>
-              <a:rPr lang="en-US" b="0" dirty="0" smtClean="0"/>
-              <a:t>However, in a type-1 fishery </a:t>
-            </a:r>
-            <a:r>
-              <a:rPr lang="en-US" b="0" dirty="0" err="1" smtClean="0"/>
-              <a:t>mn</a:t>
-            </a:r>
-            <a:r>
-              <a:rPr lang="en-US" b="0" dirty="0" smtClean="0"/>
-              <a:t>=0</a:t>
+              <a:t>Very difficult to estimate precisely</a:t>
             </a:r>
             <a:endParaRPr lang="en-US" b="0" dirty="0"/>
           </a:p>
@@ -8131,7 +9940,7 @@
     </p:spTree>
     <p:extLst>
       <p:ext uri="{BB962C8B-B14F-4D97-AF65-F5344CB8AC3E}">
-        <p14:creationId xmlns:p14="http://schemas.microsoft.com/office/powerpoint/2010/main" val="1806260047"/>
+        <p14:creationId xmlns:p14="http://schemas.microsoft.com/office/powerpoint/2010/main" val="3786883678"/>
       </p:ext>
     </p:extLst>
   </p:cSld>
@@ -8174,7 +9983,7 @@
                                         <p:tgtEl>
                                           <p:spTgt spid="20">
                                             <p:txEl>
-                                              <p:pRg st="2" end="2"/>
+                                              <p:pRg st="0" end="0"/>
                                             </p:txEl>
                                           </p:spTgt>
                                         </p:tgtEl>
@@ -8223,7 +10032,7 @@
                                         <p:tgtEl>
                                           <p:spTgt spid="20">
                                             <p:txEl>
-                                              <p:pRg st="3" end="3"/>
+                                              <p:pRg st="1" end="1"/>
                                             </p:txEl>
                                           </p:spTgt>
                                         </p:tgtEl>
@@ -8272,149 +10081,7 @@
                                         <p:tgtEl>
                                           <p:spTgt spid="20">
                                             <p:txEl>
-                                              <p:pRg st="5" end="5"/>
-                                            </p:txEl>
-                                          </p:spTgt>
-                                        </p:tgtEl>
-                                        <p:attrNameLst>
-                                          <p:attrName>style.visibility</p:attrName>
-                                        </p:attrNameLst>
-                                      </p:cBhvr>
-                                      <p:to>
-                                        <p:strVal val="visible"/>
-                                      </p:to>
-                                    </p:set>
-                                  </p:childTnLst>
-                                </p:cTn>
-                              </p:par>
-                              <p:par>
-                                <p:cTn id="15" presetID="1" presetClass="entr" presetSubtype="0" fill="hold" grpId="0" nodeType="withEffect">
-                                  <p:stCondLst>
-                                    <p:cond delay="0"/>
-                                  </p:stCondLst>
-                                  <p:childTnLst>
-                                    <p:set>
-                                      <p:cBhvr>
-                                        <p:cTn id="16" dur="1" fill="hold">
-                                          <p:stCondLst>
-                                            <p:cond delay="0"/>
-                                          </p:stCondLst>
-                                        </p:cTn>
-                                        <p:tgtEl>
-                                          <p:spTgt spid="20">
-                                            <p:txEl>
-                                              <p:pRg st="6" end="6"/>
-                                            </p:txEl>
-                                          </p:spTgt>
-                                        </p:tgtEl>
-                                        <p:attrNameLst>
-                                          <p:attrName>style.visibility</p:attrName>
-                                        </p:attrNameLst>
-                                      </p:cBhvr>
-                                      <p:to>
-                                        <p:strVal val="visible"/>
-                                      </p:to>
-                                    </p:set>
-                                  </p:childTnLst>
-                                </p:cTn>
-                              </p:par>
-                              <p:par>
-                                <p:cTn id="17" presetID="1" presetClass="entr" presetSubtype="0" fill="hold" grpId="0" nodeType="withEffect">
-                                  <p:stCondLst>
-                                    <p:cond delay="0"/>
-                                  </p:stCondLst>
-                                  <p:childTnLst>
-                                    <p:set>
-                                      <p:cBhvr>
-                                        <p:cTn id="18" dur="1" fill="hold">
-                                          <p:stCondLst>
-                                            <p:cond delay="0"/>
-                                          </p:stCondLst>
-                                        </p:cTn>
-                                        <p:tgtEl>
-                                          <p:spTgt spid="20">
-                                            <p:txEl>
-                                              <p:pRg st="7" end="7"/>
-                                            </p:txEl>
-                                          </p:spTgt>
-                                        </p:tgtEl>
-                                        <p:attrNameLst>
-                                          <p:attrName>style.visibility</p:attrName>
-                                        </p:attrNameLst>
-                                      </p:cBhvr>
-                                      <p:to>
-                                        <p:strVal val="visible"/>
-                                      </p:to>
-                                    </p:set>
-                                  </p:childTnLst>
-                                </p:cTn>
-                              </p:par>
-                              <p:par>
-                                <p:cTn id="19" presetID="1" presetClass="entr" presetSubtype="0" fill="hold" grpId="0" nodeType="withEffect">
-                                  <p:stCondLst>
-                                    <p:cond delay="0"/>
-                                  </p:stCondLst>
-                                  <p:childTnLst>
-                                    <p:set>
-                                      <p:cBhvr>
-                                        <p:cTn id="20" dur="1" fill="hold">
-                                          <p:stCondLst>
-                                            <p:cond delay="0"/>
-                                          </p:stCondLst>
-                                        </p:cTn>
-                                        <p:tgtEl>
-                                          <p:spTgt spid="20">
-                                            <p:txEl>
-                                              <p:pRg st="8" end="8"/>
-                                            </p:txEl>
-                                          </p:spTgt>
-                                        </p:tgtEl>
-                                        <p:attrNameLst>
-                                          <p:attrName>style.visibility</p:attrName>
-                                        </p:attrNameLst>
-                                      </p:cBhvr>
-                                      <p:to>
-                                        <p:strVal val="visible"/>
-                                      </p:to>
-                                    </p:set>
-                                  </p:childTnLst>
-                                </p:cTn>
-                              </p:par>
-                            </p:childTnLst>
-                          </p:cTn>
-                        </p:par>
-                      </p:childTnLst>
-                    </p:cTn>
-                  </p:par>
-                  <p:par>
-                    <p:cTn id="21" fill="hold">
-                      <p:stCondLst>
-                        <p:cond delay="indefinite"/>
-                      </p:stCondLst>
-                      <p:childTnLst>
-                        <p:par>
-                          <p:cTn id="22" fill="hold">
-                            <p:stCondLst>
-                              <p:cond delay="0"/>
-                            </p:stCondLst>
-                            <p:childTnLst>
-                              <p:par>
-                                <p:cTn id="23" presetID="1" presetClass="entr" presetSubtype="0" fill="hold" grpId="0" nodeType="clickEffect">
-                                  <p:stCondLst>
-                                    <p:cond delay="0"/>
-                                  </p:stCondLst>
-                                  <p:childTnLst>
-                                    <p:set>
-                                      <p:cBhvr>
-                                        <p:cTn id="24" dur="1" fill="hold">
-                                          <p:stCondLst>
-                                            <p:cond delay="0"/>
-                                          </p:stCondLst>
-                                        </p:cTn>
-                                        <p:tgtEl>
-                                          <p:spTgt spid="20">
-                                            <p:txEl>
-                                              <p:pRg st="9" end="9"/>
+                                              <p:pRg st="3" end="3"/>
                                             </p:txEl>
                                           </p:spTgt>
                                         </p:tgtEl>
@@ -8463,7 +10130,7 @@
 </p:sld>
 </file>
 
-<file path=ppt/slides/slide3.xml><?xml version="1.0" encoding="utf-8"?>
+<file path=ppt/slides/slide8.xml><?xml version="1.0" encoding="utf-8"?>
 <p:sld xmlns:a="http://schemas.openxmlformats.org/drawingml/2006/main" xmlns:r="http://schemas.openxmlformats.org/officeDocument/2006/relationships" xmlns:p="http://schemas.openxmlformats.org/presentationml/2006/main">
   <p:cSld>
     <p:spTree>
@@ -8497,1369 +10164,6 @@
           <a:p>
             <a:r>
               <a:rPr lang="en-US" dirty="0" smtClean="0"/>
-              <a:t>Density Independent Situation</a:t>
-            </a:r>
-            <a:endParaRPr lang="en-US" dirty="0"/>
-          </a:p>
-        </p:txBody>
-      </p:sp>
-      <p:sp>
-        <p:nvSpPr>
-          <p:cNvPr id="3" name="Content Placeholder 2"/>
-          <p:cNvSpPr>
-            <a:spLocks noGrp="1"/>
-          </p:cNvSpPr>
-          <p:nvPr>
-            <p:ph idx="1"/>
-          </p:nvPr>
-        </p:nvSpPr>
-        <p:spPr>
-          <a:xfrm>
-            <a:off x="0" y="1213397"/>
-            <a:ext cx="4346575" cy="5187403"/>
-          </a:xfrm>
-        </p:spPr>
-        <p:txBody>
-          <a:bodyPr/>
-          <a:lstStyle/>
-          <a:p>
-            <a:r>
-              <a:rPr lang="en-US" dirty="0" smtClean="0"/>
-              <a:t>Draw this.</a:t>
-            </a:r>
-          </a:p>
-          <a:p>
-            <a:r>
-              <a:rPr lang="en-US" dirty="0" smtClean="0"/>
-              <a:t>Write equation.</a:t>
-            </a:r>
-          </a:p>
-          <a:p>
-            <a:r>
-              <a:rPr lang="en-US" dirty="0" smtClean="0"/>
-              <a:t>Compute natural mortality rate if N=90.</a:t>
-            </a:r>
-          </a:p>
-          <a:p>
-            <a:r>
-              <a:rPr lang="en-US" dirty="0" smtClean="0"/>
-              <a:t>Compute number of deaths.</a:t>
-            </a:r>
-          </a:p>
-        </p:txBody>
-      </p:sp>
-      <p:sp>
-        <p:nvSpPr>
-          <p:cNvPr id="4" name="Footer Placeholder 3"/>
-          <p:cNvSpPr>
-            <a:spLocks noGrp="1"/>
-          </p:cNvSpPr>
-          <p:nvPr>
-            <p:ph type="ftr" sz="quarter" idx="10"/>
-          </p:nvPr>
-        </p:nvSpPr>
-        <p:spPr/>
-        <p:txBody>
-          <a:bodyPr/>
-          <a:lstStyle/>
-          <a:p>
-            <a:r>
-              <a:rPr lang="en-US" smtClean="0"/>
-              <a:t>Catch Curves</a:t>
-            </a:r>
-            <a:endParaRPr lang="en-US"/>
-          </a:p>
-        </p:txBody>
-      </p:sp>
-      <p:sp>
-        <p:nvSpPr>
-          <p:cNvPr id="5" name="Slide Number Placeholder 4"/>
-          <p:cNvSpPr>
-            <a:spLocks noGrp="1"/>
-          </p:cNvSpPr>
-          <p:nvPr>
-            <p:ph type="sldNum" sz="quarter" idx="11"/>
-          </p:nvPr>
-        </p:nvSpPr>
-        <p:spPr/>
-        <p:txBody>
-          <a:bodyPr/>
-          <a:lstStyle/>
-          <a:p>
-            <a:fld id="{CD41EA97-E434-4B42-9B1A-D37266F43B39}" type="slidenum">
-              <a:rPr lang="en-US" smtClean="0"/>
-              <a:pPr/>
-              <a:t>3</a:t>
-            </a:fld>
-            <a:endParaRPr lang="en-US"/>
-          </a:p>
-        </p:txBody>
-      </p:sp>
-      <p:pic>
-        <p:nvPicPr>
-          <p:cNvPr id="6" name="Picture 5"/>
-          <p:cNvPicPr>
-            <a:picLocks noChangeAspect="1"/>
-          </p:cNvPicPr>
-          <p:nvPr/>
-        </p:nvPicPr>
-        <p:blipFill>
-          <a:blip r:embed="rId2"/>
-          <a:stretch>
-            <a:fillRect/>
-          </a:stretch>
-        </p:blipFill>
-        <p:spPr>
-          <a:xfrm>
-            <a:off x="4346575" y="1219200"/>
-            <a:ext cx="4797425" cy="4797425"/>
-          </a:xfrm>
-          <a:prstGeom prst="rect">
-            <a:avLst/>
-          </a:prstGeom>
-        </p:spPr>
-      </p:pic>
-    </p:spTree>
-    <p:extLst>
-      <p:ext uri="{BB962C8B-B14F-4D97-AF65-F5344CB8AC3E}">
-        <p14:creationId xmlns:p14="http://schemas.microsoft.com/office/powerpoint/2010/main" val="1059678311"/>
-      </p:ext>
-    </p:extLst>
-  </p:cSld>
-  <p:clrMapOvr>
-    <a:masterClrMapping/>
-  </p:clrMapOvr>
-  <p:timing>
-    <p:tnLst>
-      <p:par>
-        <p:cTn id="1" dur="indefinite" restart="never" nodeType="tmRoot">
-          <p:childTnLst>
-            <p:seq concurrent="1" nextAc="seek">
-              <p:cTn id="2" dur="indefinite" nodeType="mainSeq">
-                <p:childTnLst>
-                  <p:par>
-                    <p:cTn id="3" fill="hold">
-                      <p:stCondLst>
-                        <p:cond delay="indefinite"/>
-                      </p:stCondLst>
-                      <p:childTnLst>
-                        <p:par>
-                          <p:cTn id="4" fill="hold">
-                            <p:stCondLst>
-                              <p:cond delay="0"/>
-                            </p:stCondLst>
-                            <p:childTnLst>
-                              <p:par>
-                                <p:cTn id="5" presetID="1" presetClass="entr" presetSubtype="0" fill="hold" grpId="0" nodeType="clickEffect">
-                                  <p:stCondLst>
-                                    <p:cond delay="0"/>
-                                  </p:stCondLst>
-                                  <p:childTnLst>
-                                    <p:set>
-                                      <p:cBhvr>
-                                        <p:cTn id="6" dur="1" fill="hold">
-                                          <p:stCondLst>
-                                            <p:cond delay="0"/>
-                                          </p:stCondLst>
-                                        </p:cTn>
-                                        <p:tgtEl>
-                                          <p:spTgt spid="3">
-                                            <p:txEl>
-                                              <p:pRg st="1" end="1"/>
-                                            </p:txEl>
-                                          </p:spTgt>
-                                        </p:tgtEl>
-                                        <p:attrNameLst>
-                                          <p:attrName>style.visibility</p:attrName>
-                                        </p:attrNameLst>
-                                      </p:cBhvr>
-                                      <p:to>
-                                        <p:strVal val="visible"/>
-                                      </p:to>
-                                    </p:set>
-                                  </p:childTnLst>
-                                </p:cTn>
-                              </p:par>
-                            </p:childTnLst>
-                          </p:cTn>
-                        </p:par>
-                      </p:childTnLst>
-                    </p:cTn>
-                  </p:par>
-                  <p:par>
-                    <p:cTn id="7" fill="hold">
-                      <p:stCondLst>
-                        <p:cond delay="indefinite"/>
-                      </p:stCondLst>
-                      <p:childTnLst>
-                        <p:par>
-                          <p:cTn id="8" fill="hold">
-                            <p:stCondLst>
-                              <p:cond delay="0"/>
-                            </p:stCondLst>
-                            <p:childTnLst>
-                              <p:par>
-                                <p:cTn id="9" presetID="1" presetClass="entr" presetSubtype="0" fill="hold" grpId="0" nodeType="clickEffect">
-                                  <p:stCondLst>
-                                    <p:cond delay="0"/>
-                                  </p:stCondLst>
-                                  <p:childTnLst>
-                                    <p:set>
-                                      <p:cBhvr>
-                                        <p:cTn id="10" dur="1" fill="hold">
-                                          <p:stCondLst>
-                                            <p:cond delay="0"/>
-                                          </p:stCondLst>
-                                        </p:cTn>
-                                        <p:tgtEl>
-                                          <p:spTgt spid="3">
-                                            <p:txEl>
-                                              <p:pRg st="2" end="2"/>
-                                            </p:txEl>
-                                          </p:spTgt>
-                                        </p:tgtEl>
-                                        <p:attrNameLst>
-                                          <p:attrName>style.visibility</p:attrName>
-                                        </p:attrNameLst>
-                                      </p:cBhvr>
-                                      <p:to>
-                                        <p:strVal val="visible"/>
-                                      </p:to>
-                                    </p:set>
-                                  </p:childTnLst>
-                                </p:cTn>
-                              </p:par>
-                            </p:childTnLst>
-                          </p:cTn>
-                        </p:par>
-                      </p:childTnLst>
-                    </p:cTn>
-                  </p:par>
-                  <p:par>
-                    <p:cTn id="11" fill="hold">
-                      <p:stCondLst>
-                        <p:cond delay="indefinite"/>
-                      </p:stCondLst>
-                      <p:childTnLst>
-                        <p:par>
-                          <p:cTn id="12" fill="hold">
-                            <p:stCondLst>
-                              <p:cond delay="0"/>
-                            </p:stCondLst>
-                            <p:childTnLst>
-                              <p:par>
-                                <p:cTn id="13" presetID="1" presetClass="entr" presetSubtype="0" fill="hold" grpId="0" nodeType="clickEffect">
-                                  <p:stCondLst>
-                                    <p:cond delay="0"/>
-                                  </p:stCondLst>
-                                  <p:childTnLst>
-                                    <p:set>
-                                      <p:cBhvr>
-                                        <p:cTn id="14" dur="1" fill="hold">
-                                          <p:stCondLst>
-                                            <p:cond delay="0"/>
-                                          </p:stCondLst>
-                                        </p:cTn>
-                                        <p:tgtEl>
-                                          <p:spTgt spid="3">
-                                            <p:txEl>
-                                              <p:pRg st="3" end="3"/>
-                                            </p:txEl>
-                                          </p:spTgt>
-                                        </p:tgtEl>
-                                        <p:attrNameLst>
-                                          <p:attrName>style.visibility</p:attrName>
-                                        </p:attrNameLst>
-                                      </p:cBhvr>
-                                      <p:to>
-                                        <p:strVal val="visible"/>
-                                      </p:to>
-                                    </p:set>
-                                  </p:childTnLst>
-                                </p:cTn>
-                              </p:par>
-                            </p:childTnLst>
-                          </p:cTn>
-                        </p:par>
-                      </p:childTnLst>
-                    </p:cTn>
-                  </p:par>
-                </p:childTnLst>
-              </p:cTn>
-              <p:prevCondLst>
-                <p:cond evt="onPrev" delay="0">
-                  <p:tgtEl>
-                    <p:sldTgt/>
-                  </p:tgtEl>
-                </p:cond>
-              </p:prevCondLst>
-              <p:nextCondLst>
-                <p:cond evt="onNext" delay="0">
-                  <p:tgtEl>
-                    <p:sldTgt/>
-                  </p:tgtEl>
-                </p:cond>
-              </p:nextCondLst>
-            </p:seq>
-          </p:childTnLst>
-        </p:cTn>
-      </p:par>
-    </p:tnLst>
-    <p:bldLst>
-      <p:bldP spid="3" grpId="0" uiExpand="1" build="p"/>
-    </p:bldLst>
-  </p:timing>
-</p:sld>
-</file>
-
-<file path=ppt/slides/slide4.xml><?xml version="1.0" encoding="utf-8"?>
-<p:sld xmlns:a="http://schemas.openxmlformats.org/drawingml/2006/main" xmlns:r="http://schemas.openxmlformats.org/officeDocument/2006/relationships" xmlns:p="http://schemas.openxmlformats.org/presentationml/2006/main">
-  <p:cSld>
-    <p:spTree>
-      <p:nvGrpSpPr>
-        <p:cNvPr id="1" name=""/>
-        <p:cNvGrpSpPr/>
-        <p:nvPr/>
-      </p:nvGrpSpPr>
-      <p:grpSpPr>
-        <a:xfrm>
-          <a:off x="0" y="0"/>
-          <a:ext cx="0" cy="0"/>
-          <a:chOff x="0" y="0"/>
-          <a:chExt cx="0" cy="0"/>
-        </a:xfrm>
-      </p:grpSpPr>
-      <p:sp>
-        <p:nvSpPr>
-          <p:cNvPr id="2" name="Title 1"/>
-          <p:cNvSpPr>
-            <a:spLocks noGrp="1"/>
-          </p:cNvSpPr>
-          <p:nvPr>
-            <p:ph type="title"/>
-          </p:nvPr>
-        </p:nvSpPr>
-        <p:spPr/>
-        <p:txBody>
-          <a:bodyPr/>
-          <a:lstStyle/>
-          <a:p>
-            <a:r>
-              <a:rPr lang="en-US" dirty="0" smtClean="0"/>
-              <a:t>Density </a:t>
-            </a:r>
-            <a:r>
-              <a:rPr lang="en-US" dirty="0"/>
-              <a:t>D</a:t>
-            </a:r>
-            <a:r>
-              <a:rPr lang="en-US" dirty="0" smtClean="0"/>
-              <a:t>ependent Situation</a:t>
-            </a:r>
-            <a:endParaRPr lang="en-US" dirty="0"/>
-          </a:p>
-        </p:txBody>
-      </p:sp>
-      <p:sp>
-        <p:nvSpPr>
-          <p:cNvPr id="3" name="Content Placeholder 2"/>
-          <p:cNvSpPr>
-            <a:spLocks noGrp="1"/>
-          </p:cNvSpPr>
-          <p:nvPr>
-            <p:ph idx="1"/>
-          </p:nvPr>
-        </p:nvSpPr>
-        <p:spPr>
-          <a:xfrm>
-            <a:off x="0" y="1213397"/>
-            <a:ext cx="4346575" cy="5187403"/>
-          </a:xfrm>
-        </p:spPr>
-        <p:txBody>
-          <a:bodyPr/>
-          <a:lstStyle/>
-          <a:p>
-            <a:r>
-              <a:rPr lang="en-US" dirty="0" smtClean="0"/>
-              <a:t>Draw this.</a:t>
-            </a:r>
-          </a:p>
-          <a:p>
-            <a:r>
-              <a:rPr lang="en-US" dirty="0" smtClean="0"/>
-              <a:t>Write equation.</a:t>
-            </a:r>
-          </a:p>
-          <a:p>
-            <a:r>
-              <a:rPr lang="en-US" dirty="0" smtClean="0"/>
-              <a:t>Compute natural mortality rate if </a:t>
-            </a:r>
-            <a:r>
-              <a:rPr lang="en-US" dirty="0"/>
-              <a:t>N=90.</a:t>
-            </a:r>
-          </a:p>
-          <a:p>
-            <a:r>
-              <a:rPr lang="en-US" dirty="0"/>
-              <a:t>Compute number of deaths</a:t>
-            </a:r>
-            <a:r>
-              <a:rPr lang="en-US" dirty="0" smtClean="0"/>
-              <a:t>.</a:t>
-            </a:r>
-            <a:endParaRPr lang="en-US" dirty="0"/>
-          </a:p>
-        </p:txBody>
-      </p:sp>
-      <p:sp>
-        <p:nvSpPr>
-          <p:cNvPr id="4" name="Footer Placeholder 3"/>
-          <p:cNvSpPr>
-            <a:spLocks noGrp="1"/>
-          </p:cNvSpPr>
-          <p:nvPr>
-            <p:ph type="ftr" sz="quarter" idx="10"/>
-          </p:nvPr>
-        </p:nvSpPr>
-        <p:spPr/>
-        <p:txBody>
-          <a:bodyPr/>
-          <a:lstStyle/>
-          <a:p>
-            <a:r>
-              <a:rPr lang="en-US" smtClean="0"/>
-              <a:t>Catch Curves</a:t>
-            </a:r>
-            <a:endParaRPr lang="en-US"/>
-          </a:p>
-        </p:txBody>
-      </p:sp>
-      <p:sp>
-        <p:nvSpPr>
-          <p:cNvPr id="5" name="Slide Number Placeholder 4"/>
-          <p:cNvSpPr>
-            <a:spLocks noGrp="1"/>
-          </p:cNvSpPr>
-          <p:nvPr>
-            <p:ph type="sldNum" sz="quarter" idx="11"/>
-          </p:nvPr>
-        </p:nvSpPr>
-        <p:spPr/>
-        <p:txBody>
-          <a:bodyPr/>
-          <a:lstStyle/>
-          <a:p>
-            <a:fld id="{CD41EA97-E434-4B42-9B1A-D37266F43B39}" type="slidenum">
-              <a:rPr lang="en-US" smtClean="0"/>
-              <a:pPr/>
-              <a:t>4</a:t>
-            </a:fld>
-            <a:endParaRPr lang="en-US"/>
-          </a:p>
-        </p:txBody>
-      </p:sp>
-      <p:pic>
-        <p:nvPicPr>
-          <p:cNvPr id="6" name="Picture 5"/>
-          <p:cNvPicPr>
-            <a:picLocks noChangeAspect="1"/>
-          </p:cNvPicPr>
-          <p:nvPr/>
-        </p:nvPicPr>
-        <p:blipFill>
-          <a:blip r:embed="rId3"/>
-          <a:stretch>
-            <a:fillRect/>
-          </a:stretch>
-        </p:blipFill>
-        <p:spPr>
-          <a:xfrm>
-            <a:off x="4346575" y="1219200"/>
-            <a:ext cx="4797425" cy="4797425"/>
-          </a:xfrm>
-          <a:prstGeom prst="rect">
-            <a:avLst/>
-          </a:prstGeom>
-        </p:spPr>
-      </p:pic>
-    </p:spTree>
-    <p:extLst>
-      <p:ext uri="{BB962C8B-B14F-4D97-AF65-F5344CB8AC3E}">
-        <p14:creationId xmlns:p14="http://schemas.microsoft.com/office/powerpoint/2010/main" val="3545643715"/>
-      </p:ext>
-    </p:extLst>
-  </p:cSld>
-  <p:clrMapOvr>
-    <a:masterClrMapping/>
-  </p:clrMapOvr>
-  <p:timing>
-    <p:tnLst>
-      <p:par>
-        <p:cTn id="1" dur="indefinite" restart="never" nodeType="tmRoot">
-          <p:childTnLst>
-            <p:seq concurrent="1" nextAc="seek">
-              <p:cTn id="2" dur="indefinite" nodeType="mainSeq">
-                <p:childTnLst>
-                  <p:par>
-                    <p:cTn id="3" fill="hold">
-                      <p:stCondLst>
-                        <p:cond delay="indefinite"/>
-                      </p:stCondLst>
-                      <p:childTnLst>
-                        <p:par>
-                          <p:cTn id="4" fill="hold">
-                            <p:stCondLst>
-                              <p:cond delay="0"/>
-                            </p:stCondLst>
-                            <p:childTnLst>
-                              <p:par>
-                                <p:cTn id="5" presetID="1" presetClass="entr" presetSubtype="0" fill="hold" grpId="0" nodeType="clickEffect">
-                                  <p:stCondLst>
-                                    <p:cond delay="0"/>
-                                  </p:stCondLst>
-                                  <p:childTnLst>
-                                    <p:set>
-                                      <p:cBhvr>
-                                        <p:cTn id="6" dur="1" fill="hold">
-                                          <p:stCondLst>
-                                            <p:cond delay="0"/>
-                                          </p:stCondLst>
-                                        </p:cTn>
-                                        <p:tgtEl>
-                                          <p:spTgt spid="3">
-                                            <p:txEl>
-                                              <p:pRg st="1" end="1"/>
-                                            </p:txEl>
-                                          </p:spTgt>
-                                        </p:tgtEl>
-                                        <p:attrNameLst>
-                                          <p:attrName>style.visibility</p:attrName>
-                                        </p:attrNameLst>
-                                      </p:cBhvr>
-                                      <p:to>
-                                        <p:strVal val="visible"/>
-                                      </p:to>
-                                    </p:set>
-                                  </p:childTnLst>
-                                </p:cTn>
-                              </p:par>
-                            </p:childTnLst>
-                          </p:cTn>
-                        </p:par>
-                      </p:childTnLst>
-                    </p:cTn>
-                  </p:par>
-                  <p:par>
-                    <p:cTn id="7" fill="hold">
-                      <p:stCondLst>
-                        <p:cond delay="indefinite"/>
-                      </p:stCondLst>
-                      <p:childTnLst>
-                        <p:par>
-                          <p:cTn id="8" fill="hold">
-                            <p:stCondLst>
-                              <p:cond delay="0"/>
-                            </p:stCondLst>
-                            <p:childTnLst>
-                              <p:par>
-                                <p:cTn id="9" presetID="1" presetClass="entr" presetSubtype="0" fill="hold" grpId="0" nodeType="clickEffect">
-                                  <p:stCondLst>
-                                    <p:cond delay="0"/>
-                                  </p:stCondLst>
-                                  <p:childTnLst>
-                                    <p:set>
-                                      <p:cBhvr>
-                                        <p:cTn id="10" dur="1" fill="hold">
-                                          <p:stCondLst>
-                                            <p:cond delay="0"/>
-                                          </p:stCondLst>
-                                        </p:cTn>
-                                        <p:tgtEl>
-                                          <p:spTgt spid="3">
-                                            <p:txEl>
-                                              <p:pRg st="2" end="2"/>
-                                            </p:txEl>
-                                          </p:spTgt>
-                                        </p:tgtEl>
-                                        <p:attrNameLst>
-                                          <p:attrName>style.visibility</p:attrName>
-                                        </p:attrNameLst>
-                                      </p:cBhvr>
-                                      <p:to>
-                                        <p:strVal val="visible"/>
-                                      </p:to>
-                                    </p:set>
-                                  </p:childTnLst>
-                                </p:cTn>
-                              </p:par>
-                            </p:childTnLst>
-                          </p:cTn>
-                        </p:par>
-                      </p:childTnLst>
-                    </p:cTn>
-                  </p:par>
-                  <p:par>
-                    <p:cTn id="11" fill="hold">
-                      <p:stCondLst>
-                        <p:cond delay="indefinite"/>
-                      </p:stCondLst>
-                      <p:childTnLst>
-                        <p:par>
-                          <p:cTn id="12" fill="hold">
-                            <p:stCondLst>
-                              <p:cond delay="0"/>
-                            </p:stCondLst>
-                            <p:childTnLst>
-                              <p:par>
-                                <p:cTn id="13" presetID="1" presetClass="entr" presetSubtype="0" fill="hold" grpId="0" nodeType="clickEffect">
-                                  <p:stCondLst>
-                                    <p:cond delay="0"/>
-                                  </p:stCondLst>
-                                  <p:childTnLst>
-                                    <p:set>
-                                      <p:cBhvr>
-                                        <p:cTn id="14" dur="1" fill="hold">
-                                          <p:stCondLst>
-                                            <p:cond delay="0"/>
-                                          </p:stCondLst>
-                                        </p:cTn>
-                                        <p:tgtEl>
-                                          <p:spTgt spid="3">
-                                            <p:txEl>
-                                              <p:pRg st="3" end="3"/>
-                                            </p:txEl>
-                                          </p:spTgt>
-                                        </p:tgtEl>
-                                        <p:attrNameLst>
-                                          <p:attrName>style.visibility</p:attrName>
-                                        </p:attrNameLst>
-                                      </p:cBhvr>
-                                      <p:to>
-                                        <p:strVal val="visible"/>
-                                      </p:to>
-                                    </p:set>
-                                  </p:childTnLst>
-                                </p:cTn>
-                              </p:par>
-                            </p:childTnLst>
-                          </p:cTn>
-                        </p:par>
-                      </p:childTnLst>
-                    </p:cTn>
-                  </p:par>
-                </p:childTnLst>
-              </p:cTn>
-              <p:prevCondLst>
-                <p:cond evt="onPrev" delay="0">
-                  <p:tgtEl>
-                    <p:sldTgt/>
-                  </p:tgtEl>
-                </p:cond>
-              </p:prevCondLst>
-              <p:nextCondLst>
-                <p:cond evt="onNext" delay="0">
-                  <p:tgtEl>
-                    <p:sldTgt/>
-                  </p:tgtEl>
-                </p:cond>
-              </p:nextCondLst>
-            </p:seq>
-          </p:childTnLst>
-        </p:cTn>
-      </p:par>
-    </p:tnLst>
-    <p:bldLst>
-      <p:bldP spid="3" grpId="0" uiExpand="1" build="p"/>
-    </p:bldLst>
-  </p:timing>
-</p:sld>
-</file>
-
-<file path=ppt/slides/slide5.xml><?xml version="1.0" encoding="utf-8"?>
-<p:sld xmlns:a="http://schemas.openxmlformats.org/drawingml/2006/main" xmlns:r="http://schemas.openxmlformats.org/officeDocument/2006/relationships" xmlns:p="http://schemas.openxmlformats.org/presentationml/2006/main">
-  <p:cSld>
-    <p:spTree>
-      <p:nvGrpSpPr>
-        <p:cNvPr id="1" name=""/>
-        <p:cNvGrpSpPr/>
-        <p:nvPr/>
-      </p:nvGrpSpPr>
-      <p:grpSpPr>
-        <a:xfrm>
-          <a:off x="0" y="0"/>
-          <a:ext cx="0" cy="0"/>
-          <a:chOff x="0" y="0"/>
-          <a:chExt cx="0" cy="0"/>
-        </a:xfrm>
-      </p:grpSpPr>
-      <p:sp>
-        <p:nvSpPr>
-          <p:cNvPr id="2" name="Title 1"/>
-          <p:cNvSpPr>
-            <a:spLocks noGrp="1"/>
-          </p:cNvSpPr>
-          <p:nvPr>
-            <p:ph type="title"/>
-          </p:nvPr>
-        </p:nvSpPr>
-        <p:spPr/>
-        <p:txBody>
-          <a:bodyPr/>
-          <a:lstStyle/>
-          <a:p>
-            <a:r>
-              <a:rPr lang="en-US" dirty="0" smtClean="0"/>
-              <a:t>Now, Assume m=0.33</a:t>
-            </a:r>
-            <a:endParaRPr lang="en-US" dirty="0"/>
-          </a:p>
-        </p:txBody>
-      </p:sp>
-      <p:sp>
-        <p:nvSpPr>
-          <p:cNvPr id="3" name="Content Placeholder 2"/>
-          <p:cNvSpPr>
-            <a:spLocks noGrp="1"/>
-          </p:cNvSpPr>
-          <p:nvPr>
-            <p:ph idx="1"/>
-          </p:nvPr>
-        </p:nvSpPr>
-        <p:spPr>
-          <a:xfrm>
-            <a:off x="457200" y="1143000"/>
-            <a:ext cx="8610600" cy="5334000"/>
-          </a:xfrm>
-        </p:spPr>
-        <p:txBody>
-          <a:bodyPr/>
-          <a:lstStyle/>
-          <a:p>
-            <a:r>
-              <a:rPr lang="en-US" dirty="0" smtClean="0"/>
-              <a:t>Compute actual harvest.</a:t>
-            </a:r>
-          </a:p>
-          <a:p>
-            <a:endParaRPr lang="en-US" dirty="0" smtClean="0"/>
-          </a:p>
-          <a:p>
-            <a:r>
-              <a:rPr lang="en-US" dirty="0" smtClean="0"/>
-              <a:t>For density-independent and -dependent …</a:t>
-            </a:r>
-          </a:p>
-          <a:p>
-            <a:pPr lvl="1"/>
-            <a:r>
-              <a:rPr lang="en-US" dirty="0" smtClean="0"/>
-              <a:t>Compute natural mortality rate.</a:t>
-            </a:r>
-          </a:p>
-          <a:p>
-            <a:pPr lvl="1"/>
-            <a:r>
-              <a:rPr lang="en-US" dirty="0" smtClean="0"/>
-              <a:t>Compute “natural” deaths.</a:t>
-            </a:r>
-          </a:p>
-          <a:p>
-            <a:pPr lvl="1"/>
-            <a:r>
-              <a:rPr lang="en-US" dirty="0" smtClean="0"/>
-              <a:t>Compute “total” deaths.</a:t>
-            </a:r>
-            <a:endParaRPr lang="en-US" dirty="0"/>
-          </a:p>
-        </p:txBody>
-      </p:sp>
-      <p:sp>
-        <p:nvSpPr>
-          <p:cNvPr id="4" name="Footer Placeholder 3"/>
-          <p:cNvSpPr>
-            <a:spLocks noGrp="1"/>
-          </p:cNvSpPr>
-          <p:nvPr>
-            <p:ph type="ftr" sz="quarter" idx="10"/>
-          </p:nvPr>
-        </p:nvSpPr>
-        <p:spPr/>
-        <p:txBody>
-          <a:bodyPr/>
-          <a:lstStyle/>
-          <a:p>
-            <a:r>
-              <a:rPr lang="en-US" smtClean="0"/>
-              <a:t>Catch Curves</a:t>
-            </a:r>
-            <a:endParaRPr lang="en-US"/>
-          </a:p>
-        </p:txBody>
-      </p:sp>
-      <p:sp>
-        <p:nvSpPr>
-          <p:cNvPr id="5" name="Slide Number Placeholder 4"/>
-          <p:cNvSpPr>
-            <a:spLocks noGrp="1"/>
-          </p:cNvSpPr>
-          <p:nvPr>
-            <p:ph type="sldNum" sz="quarter" idx="11"/>
-          </p:nvPr>
-        </p:nvSpPr>
-        <p:spPr/>
-        <p:txBody>
-          <a:bodyPr/>
-          <a:lstStyle/>
-          <a:p>
-            <a:fld id="{CD41EA97-E434-4B42-9B1A-D37266F43B39}" type="slidenum">
-              <a:rPr lang="en-US" smtClean="0"/>
-              <a:pPr/>
-              <a:t>5</a:t>
-            </a:fld>
-            <a:endParaRPr lang="en-US"/>
-          </a:p>
-        </p:txBody>
-      </p:sp>
-    </p:spTree>
-    <p:extLst>
-      <p:ext uri="{BB962C8B-B14F-4D97-AF65-F5344CB8AC3E}">
-        <p14:creationId xmlns:p14="http://schemas.microsoft.com/office/powerpoint/2010/main" val="2853899194"/>
-      </p:ext>
-    </p:extLst>
-  </p:cSld>
-  <p:clrMapOvr>
-    <a:masterClrMapping/>
-  </p:clrMapOvr>
-  <p:timing>
-    <p:tnLst>
-      <p:par>
-        <p:cTn id="1" dur="indefinite" restart="never" nodeType="tmRoot"/>
-      </p:par>
-    </p:tnLst>
-  </p:timing>
-</p:sld>
-</file>
-
-<file path=ppt/slides/slide6.xml><?xml version="1.0" encoding="utf-8"?>
-<p:sld xmlns:a="http://schemas.openxmlformats.org/drawingml/2006/main" xmlns:r="http://schemas.openxmlformats.org/officeDocument/2006/relationships" xmlns:p="http://schemas.openxmlformats.org/presentationml/2006/main">
-  <p:cSld>
-    <p:spTree>
-      <p:nvGrpSpPr>
-        <p:cNvPr id="1" name=""/>
-        <p:cNvGrpSpPr/>
-        <p:nvPr/>
-      </p:nvGrpSpPr>
-      <p:grpSpPr>
-        <a:xfrm>
-          <a:off x="0" y="0"/>
-          <a:ext cx="0" cy="0"/>
-          <a:chOff x="0" y="0"/>
-          <a:chExt cx="0" cy="0"/>
-        </a:xfrm>
-      </p:grpSpPr>
-      <p:sp>
-        <p:nvSpPr>
-          <p:cNvPr id="2052" name="Rectangle 4"/>
-          <p:cNvSpPr>
-            <a:spLocks noGrp="1" noChangeArrowheads="1"/>
-          </p:cNvSpPr>
-          <p:nvPr>
-            <p:ph type="ctrTitle"/>
-          </p:nvPr>
-        </p:nvSpPr>
-        <p:spPr>
-          <a:xfrm>
-            <a:off x="685800" y="0"/>
-            <a:ext cx="7772400" cy="914400"/>
-          </a:xfrm>
-        </p:spPr>
-        <p:txBody>
-          <a:bodyPr/>
-          <a:lstStyle/>
-          <a:p>
-            <a:r>
-              <a:rPr lang="en-US" dirty="0" smtClean="0"/>
-              <a:t>Components of Z</a:t>
-            </a:r>
-            <a:endParaRPr lang="en-US" sz="3600" dirty="0"/>
-          </a:p>
-        </p:txBody>
-      </p:sp>
-      <p:sp>
-        <p:nvSpPr>
-          <p:cNvPr id="20" name="Rectangle 3"/>
-          <p:cNvSpPr txBox="1">
-            <a:spLocks noChangeArrowheads="1"/>
-          </p:cNvSpPr>
-          <p:nvPr/>
-        </p:nvSpPr>
-        <p:spPr bwMode="auto">
-          <a:xfrm>
-            <a:off x="457200" y="838200"/>
-            <a:ext cx="8229600" cy="5867400"/>
-          </a:xfrm>
-          <a:prstGeom prst="rect">
-            <a:avLst/>
-          </a:prstGeom>
-          <a:noFill/>
-          <a:ln w="9525">
-            <a:noFill/>
-            <a:miter lim="800000"/>
-            <a:headEnd/>
-            <a:tailEnd/>
-          </a:ln>
-          <a:effectLst/>
-        </p:spPr>
-        <p:txBody>
-          <a:bodyPr vert="horz" wrap="square" lIns="91440" tIns="45720" rIns="91440" bIns="45720" numCol="1" anchor="t" anchorCtr="0" compatLnSpc="1">
-            <a:prstTxWarp prst="textNoShape">
-              <a:avLst/>
-            </a:prstTxWarp>
-          </a:bodyPr>
-          <a:lstStyle>
-            <a:lvl1pPr marL="0" indent="0" algn="ctr" rtl="0" fontAlgn="base">
-              <a:spcBef>
-                <a:spcPct val="20000"/>
-              </a:spcBef>
-              <a:spcAft>
-                <a:spcPct val="0"/>
-              </a:spcAft>
-              <a:buNone/>
-              <a:defRPr sz="3200">
-                <a:solidFill>
-                  <a:schemeClr val="tx1"/>
-                </a:solidFill>
-                <a:latin typeface="+mn-lt"/>
-                <a:ea typeface="+mn-ea"/>
-                <a:cs typeface="+mn-cs"/>
-              </a:defRPr>
-            </a:lvl1pPr>
-            <a:lvl2pPr marL="457200" indent="0" algn="ctr" rtl="0" fontAlgn="base">
-              <a:spcBef>
-                <a:spcPct val="20000"/>
-              </a:spcBef>
-              <a:spcAft>
-                <a:spcPct val="0"/>
-              </a:spcAft>
-              <a:buNone/>
-              <a:defRPr sz="2800">
-                <a:solidFill>
-                  <a:schemeClr val="tx1"/>
-                </a:solidFill>
-                <a:latin typeface="+mn-lt"/>
-              </a:defRPr>
-            </a:lvl2pPr>
-            <a:lvl3pPr marL="914400" indent="0" algn="ctr" rtl="0" fontAlgn="base">
-              <a:spcBef>
-                <a:spcPct val="20000"/>
-              </a:spcBef>
-              <a:spcAft>
-                <a:spcPct val="0"/>
-              </a:spcAft>
-              <a:buNone/>
-              <a:defRPr sz="2400">
-                <a:solidFill>
-                  <a:schemeClr val="tx1"/>
-                </a:solidFill>
-                <a:latin typeface="+mn-lt"/>
-              </a:defRPr>
-            </a:lvl3pPr>
-            <a:lvl4pPr marL="1371600" indent="0" algn="ctr" rtl="0" fontAlgn="base">
-              <a:spcBef>
-                <a:spcPct val="20000"/>
-              </a:spcBef>
-              <a:spcAft>
-                <a:spcPct val="0"/>
-              </a:spcAft>
-              <a:buNone/>
-              <a:defRPr sz="2000">
-                <a:solidFill>
-                  <a:schemeClr val="tx1"/>
-                </a:solidFill>
-                <a:latin typeface="+mn-lt"/>
-              </a:defRPr>
-            </a:lvl4pPr>
-            <a:lvl5pPr marL="1828800" indent="0" algn="ctr" rtl="0" fontAlgn="base">
-              <a:spcBef>
-                <a:spcPct val="20000"/>
-              </a:spcBef>
-              <a:spcAft>
-                <a:spcPct val="0"/>
-              </a:spcAft>
-              <a:buNone/>
-              <a:defRPr sz="2000">
-                <a:solidFill>
-                  <a:schemeClr val="tx1"/>
-                </a:solidFill>
-                <a:latin typeface="+mn-lt"/>
-              </a:defRPr>
-            </a:lvl5pPr>
-            <a:lvl6pPr marL="2286000" indent="0" algn="ctr" rtl="0" fontAlgn="base">
-              <a:spcBef>
-                <a:spcPct val="20000"/>
-              </a:spcBef>
-              <a:spcAft>
-                <a:spcPct val="0"/>
-              </a:spcAft>
-              <a:buNone/>
-              <a:defRPr sz="2000">
-                <a:solidFill>
-                  <a:schemeClr val="tx1"/>
-                </a:solidFill>
-                <a:latin typeface="+mn-lt"/>
-              </a:defRPr>
-            </a:lvl6pPr>
-            <a:lvl7pPr marL="2743200" indent="0" algn="ctr" rtl="0" fontAlgn="base">
-              <a:spcBef>
-                <a:spcPct val="20000"/>
-              </a:spcBef>
-              <a:spcAft>
-                <a:spcPct val="0"/>
-              </a:spcAft>
-              <a:buNone/>
-              <a:defRPr sz="2000">
-                <a:solidFill>
-                  <a:schemeClr val="tx1"/>
-                </a:solidFill>
-                <a:latin typeface="+mn-lt"/>
-              </a:defRPr>
-            </a:lvl7pPr>
-            <a:lvl8pPr marL="3200400" indent="0" algn="ctr" rtl="0" fontAlgn="base">
-              <a:spcBef>
-                <a:spcPct val="20000"/>
-              </a:spcBef>
-              <a:spcAft>
-                <a:spcPct val="0"/>
-              </a:spcAft>
-              <a:buNone/>
-              <a:defRPr sz="2000">
-                <a:solidFill>
-                  <a:schemeClr val="tx1"/>
-                </a:solidFill>
-                <a:latin typeface="+mn-lt"/>
-              </a:defRPr>
-            </a:lvl8pPr>
-            <a:lvl9pPr marL="3657600" indent="0" algn="ctr" rtl="0" fontAlgn="base">
-              <a:spcBef>
-                <a:spcPct val="20000"/>
-              </a:spcBef>
-              <a:spcAft>
-                <a:spcPct val="0"/>
-              </a:spcAft>
-              <a:buNone/>
-              <a:defRPr sz="2000">
-                <a:solidFill>
-                  <a:schemeClr val="tx1"/>
-                </a:solidFill>
-                <a:latin typeface="+mn-lt"/>
-              </a:defRPr>
-            </a:lvl9pPr>
-          </a:lstStyle>
-          <a:p>
-            <a:pPr marL="457200" indent="-457200" algn="l">
-              <a:lnSpc>
-                <a:spcPct val="90000"/>
-              </a:lnSpc>
-              <a:buFont typeface="Arial" pitchFamily="34" charset="0"/>
-              <a:buChar char="•"/>
-            </a:pPr>
-            <a:r>
-              <a:rPr lang="en-US" b="0" dirty="0" smtClean="0"/>
-              <a:t>Components are additive – i.e., Z = F+M</a:t>
-            </a:r>
-          </a:p>
-          <a:p>
-            <a:pPr marL="285750" indent="-285750" algn="l">
-              <a:lnSpc>
-                <a:spcPct val="90000"/>
-              </a:lnSpc>
-              <a:buFont typeface="Arial" pitchFamily="34" charset="0"/>
-              <a:buChar char="•"/>
-            </a:pPr>
-            <a:endParaRPr lang="en-US" sz="1600" b="0" dirty="0" smtClean="0"/>
-          </a:p>
-          <a:p>
-            <a:pPr marL="457200" indent="-457200" algn="l">
-              <a:lnSpc>
-                <a:spcPct val="90000"/>
-              </a:lnSpc>
-              <a:buFont typeface="Arial" pitchFamily="34" charset="0"/>
-              <a:buChar char="•"/>
-            </a:pPr>
-            <a:r>
-              <a:rPr lang="en-US" b="0" dirty="0" smtClean="0"/>
-              <a:t>As a manager, which of these do you want to know?</a:t>
-            </a:r>
-          </a:p>
-          <a:p>
-            <a:pPr marL="914400" lvl="1" indent="-457200" algn="l">
-              <a:lnSpc>
-                <a:spcPct val="90000"/>
-              </a:lnSpc>
-              <a:buFont typeface="Arial" pitchFamily="34" charset="0"/>
-              <a:buChar char="•"/>
-            </a:pPr>
-            <a:r>
-              <a:rPr lang="en-US" b="0" dirty="0" smtClean="0"/>
-              <a:t>Controlling F is a major goal of many fisheries management strategies.</a:t>
-            </a:r>
-          </a:p>
-          <a:p>
-            <a:pPr marL="914400" lvl="1" indent="-457200" algn="l">
-              <a:lnSpc>
-                <a:spcPct val="90000"/>
-              </a:lnSpc>
-              <a:buFont typeface="Arial" pitchFamily="34" charset="0"/>
-              <a:buChar char="•"/>
-            </a:pPr>
-            <a:endParaRPr lang="en-US" b="0" dirty="0"/>
-          </a:p>
-          <a:p>
-            <a:pPr marL="457200" indent="-457200" algn="l">
-              <a:lnSpc>
-                <a:spcPct val="90000"/>
-              </a:lnSpc>
-              <a:buFont typeface="Arial" pitchFamily="34" charset="0"/>
-              <a:buChar char="•"/>
-            </a:pPr>
-            <a:r>
-              <a:rPr lang="en-US" b="0" dirty="0" smtClean="0"/>
-              <a:t>Very difficult to estimate precisely</a:t>
-            </a:r>
-            <a:endParaRPr lang="en-US" b="0" dirty="0"/>
-          </a:p>
-        </p:txBody>
-      </p:sp>
-    </p:spTree>
-    <p:extLst>
-      <p:ext uri="{BB962C8B-B14F-4D97-AF65-F5344CB8AC3E}">
-        <p14:creationId xmlns:p14="http://schemas.microsoft.com/office/powerpoint/2010/main" val="3786883678"/>
-      </p:ext>
-    </p:extLst>
-  </p:cSld>
-  <p:clrMapOvr>
-    <a:masterClrMapping/>
-  </p:clrMapOvr>
-  <p:timing>
-    <p:tnLst>
-      <p:par>
-        <p:cTn id="1" dur="indefinite" restart="never" nodeType="tmRoot">
-          <p:childTnLst>
-            <p:seq concurrent="1" nextAc="seek">
-              <p:cTn id="2" dur="indefinite" nodeType="mainSeq">
-                <p:childTnLst>
-                  <p:par>
-                    <p:cTn id="3" fill="hold">
-                      <p:stCondLst>
-                        <p:cond delay="indefinite"/>
-                      </p:stCondLst>
-                      <p:childTnLst>
-                        <p:par>
-                          <p:cTn id="4" fill="hold">
-                            <p:stCondLst>
-                              <p:cond delay="0"/>
-                            </p:stCondLst>
-                            <p:childTnLst>
-                              <p:par>
-                                <p:cTn id="5" presetID="1" presetClass="entr" presetSubtype="0" fill="hold" grpId="0" nodeType="clickEffect">
-                                  <p:stCondLst>
-                                    <p:cond delay="0"/>
-                                  </p:stCondLst>
-                                  <p:childTnLst>
-                                    <p:set>
-                                      <p:cBhvr>
-                                        <p:cTn id="6" dur="1" fill="hold">
-                                          <p:stCondLst>
-                                            <p:cond delay="0"/>
-                                          </p:stCondLst>
-                                        </p:cTn>
-                                        <p:tgtEl>
-                                          <p:spTgt spid="20">
-                                            <p:txEl>
-                                              <p:pRg st="2" end="2"/>
-                                            </p:txEl>
-                                          </p:spTgt>
-                                        </p:tgtEl>
-                                        <p:attrNameLst>
-                                          <p:attrName>style.visibility</p:attrName>
-                                        </p:attrNameLst>
-                                      </p:cBhvr>
-                                      <p:to>
-                                        <p:strVal val="visible"/>
-                                      </p:to>
-                                    </p:set>
-                                  </p:childTnLst>
-                                </p:cTn>
-                              </p:par>
-                            </p:childTnLst>
-                          </p:cTn>
-                        </p:par>
-                      </p:childTnLst>
-                    </p:cTn>
-                  </p:par>
-                  <p:par>
-                    <p:cTn id="7" fill="hold">
-                      <p:stCondLst>
-                        <p:cond delay="indefinite"/>
-                      </p:stCondLst>
-                      <p:childTnLst>
-                        <p:par>
-                          <p:cTn id="8" fill="hold">
-                            <p:stCondLst>
-                              <p:cond delay="0"/>
-                            </p:stCondLst>
-                            <p:childTnLst>
-                              <p:par>
-                                <p:cTn id="9" presetID="1" presetClass="entr" presetSubtype="0" fill="hold" grpId="0" nodeType="clickEffect">
-                                  <p:stCondLst>
-                                    <p:cond delay="0"/>
-                                  </p:stCondLst>
-                                  <p:childTnLst>
-                                    <p:set>
-                                      <p:cBhvr>
-                                        <p:cTn id="10" dur="1" fill="hold">
-                                          <p:stCondLst>
-                                            <p:cond delay="0"/>
-                                          </p:stCondLst>
-                                        </p:cTn>
-                                        <p:tgtEl>
-                                          <p:spTgt spid="20">
-                                            <p:txEl>
-                                              <p:pRg st="3" end="3"/>
-                                            </p:txEl>
-                                          </p:spTgt>
-                                        </p:tgtEl>
-                                        <p:attrNameLst>
-                                          <p:attrName>style.visibility</p:attrName>
-                                        </p:attrNameLst>
-                                      </p:cBhvr>
-                                      <p:to>
-                                        <p:strVal val="visible"/>
-                                      </p:to>
-                                    </p:set>
-                                  </p:childTnLst>
-                                </p:cTn>
-                              </p:par>
-                            </p:childTnLst>
-                          </p:cTn>
-                        </p:par>
-                      </p:childTnLst>
-                    </p:cTn>
-                  </p:par>
-                  <p:par>
-                    <p:cTn id="11" fill="hold">
-                      <p:stCondLst>
-                        <p:cond delay="indefinite"/>
-                      </p:stCondLst>
-                      <p:childTnLst>
-                        <p:par>
-                          <p:cTn id="12" fill="hold">
-                            <p:stCondLst>
-                              <p:cond delay="0"/>
-                            </p:stCondLst>
-                            <p:childTnLst>
-                              <p:par>
-                                <p:cTn id="13" presetID="1" presetClass="entr" presetSubtype="0" fill="hold" grpId="0" nodeType="clickEffect">
-                                  <p:stCondLst>
-                                    <p:cond delay="0"/>
-                                  </p:stCondLst>
-                                  <p:childTnLst>
-                                    <p:set>
-                                      <p:cBhvr>
-                                        <p:cTn id="14" dur="1" fill="hold">
-                                          <p:stCondLst>
-                                            <p:cond delay="0"/>
-                                          </p:stCondLst>
-                                        </p:cTn>
-                                        <p:tgtEl>
-                                          <p:spTgt spid="20">
-                                            <p:txEl>
-                                              <p:pRg st="5" end="5"/>
-                                            </p:txEl>
-                                          </p:spTgt>
-                                        </p:tgtEl>
-                                        <p:attrNameLst>
-                                          <p:attrName>style.visibility</p:attrName>
-                                        </p:attrNameLst>
-                                      </p:cBhvr>
-                                      <p:to>
-                                        <p:strVal val="visible"/>
-                                      </p:to>
-                                    </p:set>
-                                  </p:childTnLst>
-                                </p:cTn>
-                              </p:par>
-                            </p:childTnLst>
-                          </p:cTn>
-                        </p:par>
-                      </p:childTnLst>
-                    </p:cTn>
-                  </p:par>
-                </p:childTnLst>
-              </p:cTn>
-              <p:prevCondLst>
-                <p:cond evt="onPrev" delay="0">
-                  <p:tgtEl>
-                    <p:sldTgt/>
-                  </p:tgtEl>
-                </p:cond>
-              </p:prevCondLst>
-              <p:nextCondLst>
-                <p:cond evt="onNext" delay="0">
-                  <p:tgtEl>
-                    <p:sldTgt/>
-                  </p:tgtEl>
-                </p:cond>
-              </p:nextCondLst>
-            </p:seq>
-          </p:childTnLst>
-        </p:cTn>
-      </p:par>
-    </p:tnLst>
-    <p:bldLst>
-      <p:bldP spid="20" grpId="0" uiExpand="1" build="p"/>
-    </p:bldLst>
-  </p:timing>
-</p:sld>
-</file>
-
-<file path=ppt/slides/slide7.xml><?xml version="1.0" encoding="utf-8"?>
-<p:sld xmlns:a="http://schemas.openxmlformats.org/drawingml/2006/main" xmlns:r="http://schemas.openxmlformats.org/officeDocument/2006/relationships" xmlns:p="http://schemas.openxmlformats.org/presentationml/2006/main">
-  <p:cSld>
-    <p:spTree>
-      <p:nvGrpSpPr>
-        <p:cNvPr id="1" name=""/>
-        <p:cNvGrpSpPr/>
-        <p:nvPr/>
-      </p:nvGrpSpPr>
-      <p:grpSpPr>
-        <a:xfrm>
-          <a:off x="0" y="0"/>
-          <a:ext cx="0" cy="0"/>
-          <a:chOff x="0" y="0"/>
-          <a:chExt cx="0" cy="0"/>
-        </a:xfrm>
-      </p:grpSpPr>
-      <p:sp>
-        <p:nvSpPr>
-          <p:cNvPr id="2" name="Title 1"/>
-          <p:cNvSpPr>
-            <a:spLocks noGrp="1"/>
-          </p:cNvSpPr>
-          <p:nvPr>
-            <p:ph type="title"/>
-          </p:nvPr>
-        </p:nvSpPr>
-        <p:spPr/>
-        <p:txBody>
-          <a:bodyPr/>
-          <a:lstStyle/>
-          <a:p>
-            <a:r>
-              <a:rPr lang="en-US" dirty="0" smtClean="0"/>
               <a:t>Estimating M</a:t>
             </a:r>
             <a:endParaRPr lang="en-US" dirty="0"/>
@@ -9924,7 +10228,7 @@
           <a:p>
             <a:r>
               <a:rPr lang="en-US" smtClean="0"/>
-              <a:t>Catch Curves</a:t>
+              <a:t>Mortality Components</a:t>
             </a:r>
             <a:endParaRPr lang="en-US"/>
           </a:p>
@@ -9948,7 +10252,7 @@
             <a:fld id="{CD41EA97-E434-4B42-9B1A-D37266F43B39}" type="slidenum">
               <a:rPr lang="en-US" smtClean="0"/>
               <a:pPr/>
-              <a:t>7</a:t>
+              <a:t>8</a:t>
             </a:fld>
             <a:endParaRPr lang="en-US"/>
           </a:p>
@@ -10115,160 +10419,6 @@
 </p:sld>
 </file>
 
-<file path=ppt/slides/slide8.xml><?xml version="1.0" encoding="utf-8"?>
-<p:sld xmlns:a="http://schemas.openxmlformats.org/drawingml/2006/main" xmlns:r="http://schemas.openxmlformats.org/officeDocument/2006/relationships" xmlns:p="http://schemas.openxmlformats.org/presentationml/2006/main">
-  <p:cSld>
-    <p:spTree>
-      <p:nvGrpSpPr>
-        <p:cNvPr id="1" name=""/>
-        <p:cNvGrpSpPr/>
-        <p:nvPr/>
-      </p:nvGrpSpPr>
-      <p:grpSpPr>
-        <a:xfrm>
-          <a:off x="0" y="0"/>
-          <a:ext cx="0" cy="0"/>
-          <a:chOff x="0" y="0"/>
-          <a:chExt cx="0" cy="0"/>
-        </a:xfrm>
-      </p:grpSpPr>
-      <p:sp>
-        <p:nvSpPr>
-          <p:cNvPr id="2" name="Title 1"/>
-          <p:cNvSpPr>
-            <a:spLocks noGrp="1"/>
-          </p:cNvSpPr>
-          <p:nvPr>
-            <p:ph type="title"/>
-          </p:nvPr>
-        </p:nvSpPr>
-        <p:spPr/>
-        <p:txBody>
-          <a:bodyPr/>
-          <a:lstStyle/>
-          <a:p>
-            <a:r>
-              <a:rPr lang="en-US" dirty="0" smtClean="0"/>
-              <a:t>Estimating M</a:t>
-            </a:r>
-            <a:endParaRPr lang="en-US" dirty="0"/>
-          </a:p>
-        </p:txBody>
-      </p:sp>
-      <p:sp>
-        <p:nvSpPr>
-          <p:cNvPr id="3" name="Content Placeholder 2"/>
-          <p:cNvSpPr>
-            <a:spLocks noGrp="1"/>
-          </p:cNvSpPr>
-          <p:nvPr>
-            <p:ph idx="1"/>
-          </p:nvPr>
-        </p:nvSpPr>
-        <p:spPr>
-          <a:xfrm>
-            <a:off x="457200" y="914400"/>
-            <a:ext cx="8229600" cy="5562600"/>
-          </a:xfrm>
-        </p:spPr>
-        <p:txBody>
-          <a:bodyPr/>
-          <a:lstStyle/>
-          <a:p>
-            <a:r>
-              <a:rPr lang="en-US" dirty="0" smtClean="0">
-                <a:solidFill>
-                  <a:schemeClr val="bg1">
-                    <a:lumMod val="75000"/>
-                  </a:schemeClr>
-                </a:solidFill>
-              </a:rPr>
-              <a:t>Assume a constant value for M</a:t>
-            </a:r>
-          </a:p>
-          <a:p>
-            <a:r>
-              <a:rPr lang="en-US" dirty="0" smtClean="0"/>
-              <a:t>Relationship of M to life history traits</a:t>
-            </a:r>
-          </a:p>
-          <a:p>
-            <a:pPr lvl="1"/>
-            <a:r>
-              <a:rPr lang="en-US" dirty="0" smtClean="0"/>
-              <a:t>See page 217 in IFAR</a:t>
-            </a:r>
-            <a:endParaRPr lang="en-US" dirty="0"/>
-          </a:p>
-        </p:txBody>
-      </p:sp>
-      <p:sp>
-        <p:nvSpPr>
-          <p:cNvPr id="4" name="Footer Placeholder 3"/>
-          <p:cNvSpPr>
-            <a:spLocks noGrp="1"/>
-          </p:cNvSpPr>
-          <p:nvPr>
-            <p:ph type="ftr" sz="quarter" idx="10"/>
-          </p:nvPr>
-        </p:nvSpPr>
-        <p:spPr/>
-        <p:txBody>
-          <a:bodyPr/>
-          <a:lstStyle/>
-          <a:p>
-            <a:r>
-              <a:rPr lang="en-US" smtClean="0"/>
-              <a:t>Catch Curves</a:t>
-            </a:r>
-            <a:endParaRPr lang="en-US"/>
-          </a:p>
-        </p:txBody>
-      </p:sp>
-      <p:sp>
-        <p:nvSpPr>
-          <p:cNvPr id="5" name="Slide Number Placeholder 4"/>
-          <p:cNvSpPr>
-            <a:spLocks noGrp="1"/>
-          </p:cNvSpPr>
-          <p:nvPr>
-            <p:ph type="sldNum" sz="quarter" idx="11"/>
-          </p:nvPr>
-        </p:nvSpPr>
-        <p:spPr/>
-        <p:txBody>
-          <a:bodyPr/>
-          <a:lstStyle/>
-          <a:p>
-            <a:fld id="{CD41EA97-E434-4B42-9B1A-D37266F43B39}" type="slidenum">
-              <a:rPr lang="en-US" smtClean="0"/>
-              <a:pPr/>
-              <a:t>8</a:t>
-            </a:fld>
-            <a:endParaRPr lang="en-US"/>
-          </a:p>
-        </p:txBody>
-      </p:sp>
-    </p:spTree>
-    <p:extLst>
-      <p:ext uri="{BB962C8B-B14F-4D97-AF65-F5344CB8AC3E}">
-        <p14:creationId xmlns:p14="http://schemas.microsoft.com/office/powerpoint/2010/main" val="3695540127"/>
-      </p:ext>
-    </p:extLst>
-  </p:cSld>
-  <p:clrMapOvr>
-    <a:masterClrMapping/>
-  </p:clrMapOvr>
-  <p:timing>
-    <p:tnLst>
-      <p:par>
-        <p:cTn id="1" dur="indefinite" restart="never" nodeType="tmRoot"/>
-      </p:par>
-    </p:tnLst>
-  </p:timing>
-</p:sld>
-</file>
-
 <file path=ppt/slides/slide9.xml><?xml version="1.0" encoding="utf-8"?>
 <p:sld xmlns:a="http://schemas.openxmlformats.org/drawingml/2006/main" xmlns:r="http://schemas.openxmlformats.org/officeDocument/2006/relationships" xmlns:p="http://schemas.openxmlformats.org/presentationml/2006/main">
   <p:cSld>
@@ -10342,104 +10492,17 @@
           </a:p>
           <a:p>
             <a:r>
-              <a:rPr lang="en-US" dirty="0" smtClean="0">
-                <a:solidFill>
-                  <a:schemeClr val="bg1">
-                    <a:lumMod val="75000"/>
-                  </a:schemeClr>
-                </a:solidFill>
-              </a:rPr>
+              <a:rPr lang="en-US" dirty="0" smtClean="0"/>
               <a:t>Relationship of M to life history traits</a:t>
             </a:r>
           </a:p>
           <a:p>
+            <a:pPr lvl="1"/>
             <a:r>
               <a:rPr lang="en-US" dirty="0" smtClean="0"/>
-              <a:t>From f and Z</a:t>
+              <a:t>See page 217 in IFAR</a:t>
             </a:r>
             <a:endParaRPr lang="en-US" dirty="0"/>
-          </a:p>
-          <a:p>
-            <a:pPr lvl="1"/>
-            <a:r>
-              <a:rPr lang="en-US" dirty="0"/>
-              <a:t>Recall that Z = </a:t>
-            </a:r>
-            <a:r>
-              <a:rPr lang="en-US" dirty="0" smtClean="0"/>
-              <a:t>F+M and F=</a:t>
-            </a:r>
-            <a:r>
-              <a:rPr lang="en-US" dirty="0" err="1" smtClean="0"/>
-              <a:t>qf</a:t>
-            </a:r>
-            <a:endParaRPr lang="en-US" dirty="0"/>
-          </a:p>
-          <a:p>
-            <a:pPr lvl="1"/>
-            <a:r>
-              <a:rPr lang="en-US" dirty="0" smtClean="0"/>
-              <a:t>Thus, Z </a:t>
-            </a:r>
-            <a:r>
-              <a:rPr lang="en-US" dirty="0"/>
-              <a:t>= </a:t>
-            </a:r>
-            <a:r>
-              <a:rPr lang="en-US" dirty="0" err="1"/>
-              <a:t>qf+M</a:t>
-            </a:r>
-            <a:endParaRPr lang="en-US" dirty="0"/>
-          </a:p>
-          <a:p>
-            <a:pPr lvl="1"/>
-            <a:r>
-              <a:rPr lang="en-US" dirty="0" smtClean="0"/>
-              <a:t>If </a:t>
-            </a:r>
-            <a:r>
-              <a:rPr lang="en-US" dirty="0"/>
-              <a:t>Z </a:t>
-            </a:r>
-            <a:r>
-              <a:rPr lang="en-US" dirty="0" smtClean="0"/>
-              <a:t>is estimated at different f, </a:t>
-            </a:r>
-            <a:r>
-              <a:rPr lang="en-US" dirty="0"/>
-              <a:t>then …</a:t>
-            </a:r>
-          </a:p>
-          <a:p>
-            <a:pPr lvl="2"/>
-            <a:r>
-              <a:rPr lang="en-US" dirty="0"/>
-              <a:t>M </a:t>
-            </a:r>
-            <a:r>
-              <a:rPr lang="en-US" dirty="0" smtClean="0"/>
-              <a:t>is the </a:t>
-            </a:r>
-            <a:r>
-              <a:rPr lang="en-US" dirty="0"/>
-              <a:t>intercept from the Z on f </a:t>
-            </a:r>
-            <a:r>
-              <a:rPr lang="en-US" dirty="0" smtClean="0"/>
-              <a:t>regression.</a:t>
-            </a:r>
-            <a:endParaRPr lang="en-US" dirty="0"/>
-          </a:p>
-          <a:p>
-            <a:pPr lvl="2"/>
-            <a:r>
-              <a:rPr lang="en-US" dirty="0"/>
-              <a:t>Same as asking what is Z when f = </a:t>
-            </a:r>
-            <a:r>
-              <a:rPr lang="en-US" dirty="0" smtClean="0"/>
-              <a:t>0.</a:t>
-            </a:r>
           </a:p>
         </p:txBody>
       </p:sp>
@@ -10460,7 +10523,7 @@
           <a:p>
             <a:r>
               <a:rPr lang="en-US" smtClean="0"/>
-              <a:t>Catch Curves</a:t>
+              <a:t>Mortality Components</a:t>
             </a:r>
             <a:endParaRPr lang="en-US"/>
           </a:p>
@@ -10493,7 +10556,7 @@
     </p:spTree>
     <p:extLst>
       <p:ext uri="{BB962C8B-B14F-4D97-AF65-F5344CB8AC3E}">
-        <p14:creationId xmlns:p14="http://schemas.microsoft.com/office/powerpoint/2010/main" val="3298754029"/>
+        <p14:creationId xmlns:p14="http://schemas.microsoft.com/office/powerpoint/2010/main" val="3695540127"/>
       </p:ext>
     </p:extLst>
   </p:cSld>
@@ -10503,275 +10566,7 @@
   <p:timing>
     <p:tnLst>
       <p:par>
-        <p:cTn id="1" dur="indefinite" restart="never" nodeType="tmRoot">
-          <p:childTnLst>
-            <p:seq concurrent="1" nextAc="seek">
-              <p:cTn id="2" dur="indefinite" nodeType="mainSeq">
-                <p:childTnLst>
-                  <p:par>
-                    <p:cTn id="3" fill="hold">
-                      <p:stCondLst>
-                        <p:cond delay="indefinite"/>
-                      </p:stCondLst>
-                      <p:childTnLst>
-                        <p:par>
-                          <p:cTn id="4" fill="hold">
-                            <p:stCondLst>
-                              <p:cond delay="0"/>
-                            </p:stCondLst>
-                            <p:childTnLst>
-                              <p:par>
-                                <p:cTn id="5" presetID="1" presetClass="entr" presetSubtype="0" fill="hold" nodeType="clickEffect">
-                                  <p:stCondLst>
-                                    <p:cond delay="0"/>
-                                  </p:stCondLst>
-                                  <p:childTnLst>
-                                    <p:set>
-                                      <p:cBhvr>
-                                        <p:cTn id="6" dur="1" fill="hold">
-                                          <p:stCondLst>
-                                            <p:cond delay="0"/>
-                                          </p:stCondLst>
-                                        </p:cTn>
-                                        <p:tgtEl>
-                                          <p:spTgt spid="3">
-                                            <p:txEl>
-                                              <p:pRg st="3" end="3"/>
-                                            </p:txEl>
-                                          </p:spTgt>
-                                        </p:tgtEl>
-                                        <p:attrNameLst>
-                                          <p:attrName>style.visibility</p:attrName>
-                                        </p:attrNameLst>
-                                      </p:cBhvr>
-                                      <p:to>
-                                        <p:strVal val="visible"/>
-                                      </p:to>
-                                    </p:set>
-                                  </p:childTnLst>
-                                </p:cTn>
-                              </p:par>
-                            </p:childTnLst>
-                          </p:cTn>
-                        </p:par>
-                      </p:childTnLst>
-                    </p:cTn>
-                  </p:par>
-                  <p:par>
-                    <p:cTn id="7" fill="hold">
-                      <p:stCondLst>
-                        <p:cond delay="indefinite"/>
-                      </p:stCondLst>
-                      <p:childTnLst>
-                        <p:par>
-                          <p:cTn id="8" fill="hold">
-                            <p:stCondLst>
-                              <p:cond delay="0"/>
-                            </p:stCondLst>
-                            <p:childTnLst>
-                              <p:par>
-                                <p:cTn id="9" presetID="1" presetClass="entr" presetSubtype="0" fill="hold" nodeType="clickEffect">
-                                  <p:stCondLst>
-                                    <p:cond delay="0"/>
-                                  </p:stCondLst>
-                                  <p:childTnLst>
-                                    <p:set>
-                                      <p:cBhvr>
-                                        <p:cTn id="10" dur="1" fill="hold">
-                                          <p:stCondLst>
-                                            <p:cond delay="0"/>
-                                          </p:stCondLst>
-                                        </p:cTn>
-                                        <p:tgtEl>
-                                          <p:spTgt spid="3">
-                                            <p:txEl>
-                                              <p:pRg st="4" end="4"/>
-                                            </p:txEl>
-                                          </p:spTgt>
-                                        </p:tgtEl>
-                                        <p:attrNameLst>
-                                          <p:attrName>style.visibility</p:attrName>
-                                        </p:attrNameLst>
-                                      </p:cBhvr>
-                                      <p:to>
-                                        <p:strVal val="visible"/>
-                                      </p:to>
-                                    </p:set>
-                                  </p:childTnLst>
-                                </p:cTn>
-                              </p:par>
-                            </p:childTnLst>
-                          </p:cTn>
-                        </p:par>
-                      </p:childTnLst>
-                    </p:cTn>
-                  </p:par>
-                  <p:par>
-                    <p:cTn id="11" fill="hold">
-                      <p:stCondLst>
-                        <p:cond delay="indefinite"/>
-                      </p:stCondLst>
-                      <p:childTnLst>
-                        <p:par>
-                          <p:cTn id="12" fill="hold">
-                            <p:stCondLst>
-                              <p:cond delay="0"/>
-                            </p:stCondLst>
-                            <p:childTnLst>
-                              <p:par>
-                                <p:cTn id="13" presetID="1" presetClass="entr" presetSubtype="0" fill="hold" nodeType="clickEffect">
-                                  <p:stCondLst>
-                                    <p:cond delay="0"/>
-                                  </p:stCondLst>
-                                  <p:childTnLst>
-                                    <p:set>
-                                      <p:cBhvr>
-                                        <p:cTn id="14" dur="1" fill="hold">
-                                          <p:stCondLst>
-                                            <p:cond delay="0"/>
-                                          </p:stCondLst>
-                                        </p:cTn>
-                                        <p:tgtEl>
-                                          <p:spTgt spid="3">
-                                            <p:txEl>
-                                              <p:pRg st="5" end="5"/>
-                                            </p:txEl>
-                                          </p:spTgt>
-                                        </p:tgtEl>
-                                        <p:attrNameLst>
-                                          <p:attrName>style.visibility</p:attrName>
-                                        </p:attrNameLst>
-                                      </p:cBhvr>
-                                      <p:to>
-                                        <p:strVal val="visible"/>
-                                      </p:to>
-                                    </p:set>
-                                  </p:childTnLst>
-                                </p:cTn>
-                              </p:par>
-                            </p:childTnLst>
-                          </p:cTn>
-                        </p:par>
-                      </p:childTnLst>
-                    </p:cTn>
-                  </p:par>
-                  <p:par>
-                    <p:cTn id="15" fill="hold">
-                      <p:stCondLst>
-                        <p:cond delay="indefinite"/>
-                      </p:stCondLst>
-                      <p:childTnLst>
-                        <p:par>
-                          <p:cTn id="16" fill="hold">
-                            <p:stCondLst>
-                              <p:cond delay="0"/>
-                            </p:stCondLst>
-                            <p:childTnLst>
-                              <p:par>
-                                <p:cTn id="17" presetID="1" presetClass="entr" presetSubtype="0" fill="hold" nodeType="clickEffect">
-                                  <p:stCondLst>
-                                    <p:cond delay="0"/>
-                                  </p:stCondLst>
-                                  <p:childTnLst>
-                                    <p:set>
-                                      <p:cBhvr>
-                                        <p:cTn id="18" dur="1" fill="hold">
-                                          <p:stCondLst>
-                                            <p:cond delay="0"/>
-                                          </p:stCondLst>
-                                        </p:cTn>
-                                        <p:tgtEl>
-                                          <p:spTgt spid="3">
-                                            <p:txEl>
-                                              <p:pRg st="6" end="6"/>
-                                            </p:txEl>
-                                          </p:spTgt>
-                                        </p:tgtEl>
-                                        <p:attrNameLst>
-                                          <p:attrName>style.visibility</p:attrName>
-                                        </p:attrNameLst>
-                                      </p:cBhvr>
-                                      <p:to>
-                                        <p:strVal val="visible"/>
-                                      </p:to>
-                                    </p:set>
-                                  </p:childTnLst>
-                                </p:cTn>
-                              </p:par>
-                            </p:childTnLst>
-                          </p:cTn>
-                        </p:par>
-                      </p:childTnLst>
-                    </p:cTn>
-                  </p:par>
-                  <p:par>
-                    <p:cTn id="19" fill="hold">
-                      <p:stCondLst>
-                        <p:cond delay="indefinite"/>
-                      </p:stCondLst>
-                      <p:childTnLst>
-                        <p:par>
-                          <p:cTn id="20" fill="hold">
-                            <p:stCondLst>
-                              <p:cond delay="0"/>
-                            </p:stCondLst>
-                            <p:childTnLst>
-                              <p:par>
-                                <p:cTn id="21" presetID="1" presetClass="entr" presetSubtype="0" fill="hold" nodeType="clickEffect">
-                                  <p:stCondLst>
-                                    <p:cond delay="0"/>
-                                  </p:stCondLst>
-                                  <p:childTnLst>
-                                    <p:set>
-                                      <p:cBhvr>
-                                        <p:cTn id="22" dur="1" fill="hold">
-                                          <p:stCondLst>
-                                            <p:cond delay="0"/>
-                                          </p:stCondLst>
-                                        </p:cTn>
-                                        <p:tgtEl>
-                                          <p:spTgt spid="3">
-                                            <p:txEl>
-                                              <p:pRg st="7" end="7"/>
-                                            </p:txEl>
-                                          </p:spTgt>
-                                        </p:tgtEl>
-                                        <p:attrNameLst>
-                                          <p:attrName>style.visibility</p:attrName>
-                                        </p:attrNameLst>
-                                      </p:cBhvr>
-                                      <p:to>
-                                        <p:strVal val="visible"/>
-                                      </p:to>
-                                    </p:set>
-                                  </p:childTnLst>
-                                </p:cTn>
-                              </p:par>
-                            </p:childTnLst>
-                          </p:cTn>
-                        </p:par>
-                      </p:childTnLst>
-                    </p:cTn>
-                  </p:par>
-                </p:childTnLst>
-              </p:cTn>
-              <p:prevCondLst>
-                <p:cond evt="onPrev" delay="0">
-                  <p:tgtEl>
-                    <p:sldTgt/>
-                  </p:tgtEl>
-                </p:cond>
-              </p:prevCondLst>
-              <p:nextCondLst>
-                <p:cond evt="onNext" delay="0">
-                  <p:tgtEl>
-                    <p:sldTgt/>
-                  </p:tgtEl>
-                </p:cond>
-              </p:nextCondLst>
-            </p:seq>
-          </p:childTnLst>
-        </p:cTn>
+        <p:cTn id="1" dur="indefinite" restart="never" nodeType="tmRoot"/>
       </p:par>
     </p:tnLst>
   </p:timing>

--- a/modules/MortalityComponents/PPT.pptx
+++ b/modules/MortalityComponents/PPT.pptx
@@ -4868,204 +4868,6 @@
           </a:p>
         </p:txBody>
       </p:sp>
-      <p:sp>
-        <p:nvSpPr>
-          <p:cNvPr id="20" name="Rectangle 3"/>
-          <p:cNvSpPr txBox="1">
-            <a:spLocks noChangeArrowheads="1"/>
-          </p:cNvSpPr>
-          <p:nvPr/>
-        </p:nvSpPr>
-        <p:spPr bwMode="auto">
-          <a:xfrm>
-            <a:off x="457200" y="4572000"/>
-            <a:ext cx="8229600" cy="1143000"/>
-          </a:xfrm>
-          <a:prstGeom prst="rect">
-            <a:avLst/>
-          </a:prstGeom>
-          <a:noFill/>
-          <a:ln w="9525">
-            <a:noFill/>
-            <a:miter lim="800000"/>
-            <a:headEnd/>
-            <a:tailEnd/>
-          </a:ln>
-          <a:effectLst/>
-        </p:spPr>
-        <p:txBody>
-          <a:bodyPr vert="horz" wrap="square" lIns="91440" tIns="45720" rIns="91440" bIns="45720" numCol="1" anchor="t" anchorCtr="0" compatLnSpc="1">
-            <a:prstTxWarp prst="textNoShape">
-              <a:avLst/>
-            </a:prstTxWarp>
-          </a:bodyPr>
-          <a:lstStyle>
-            <a:lvl1pPr marL="0" indent="0" algn="ctr" rtl="0" fontAlgn="base">
-              <a:spcBef>
-                <a:spcPct val="20000"/>
-              </a:spcBef>
-              <a:spcAft>
-                <a:spcPct val="0"/>
-              </a:spcAft>
-              <a:buNone/>
-              <a:defRPr sz="3200">
-                <a:solidFill>
-                  <a:schemeClr val="tx1"/>
-                </a:solidFill>
-                <a:latin typeface="+mn-lt"/>
-                <a:ea typeface="+mn-ea"/>
-                <a:cs typeface="+mn-cs"/>
-              </a:defRPr>
-            </a:lvl1pPr>
-            <a:lvl2pPr marL="457200" indent="0" algn="ctr" rtl="0" fontAlgn="base">
-              <a:spcBef>
-                <a:spcPct val="20000"/>
-              </a:spcBef>
-              <a:spcAft>
-                <a:spcPct val="0"/>
-              </a:spcAft>
-              <a:buNone/>
-              <a:defRPr sz="2800">
-                <a:solidFill>
-                  <a:schemeClr val="tx1"/>
-                </a:solidFill>
-                <a:latin typeface="+mn-lt"/>
-              </a:defRPr>
-            </a:lvl2pPr>
-            <a:lvl3pPr marL="914400" indent="0" algn="ctr" rtl="0" fontAlgn="base">
-              <a:spcBef>
-                <a:spcPct val="20000"/>
-              </a:spcBef>
-              <a:spcAft>
-                <a:spcPct val="0"/>
-              </a:spcAft>
-              <a:buNone/>
-              <a:defRPr sz="2400">
-                <a:solidFill>
-                  <a:schemeClr val="tx1"/>
-                </a:solidFill>
-                <a:latin typeface="+mn-lt"/>
-              </a:defRPr>
-            </a:lvl3pPr>
-            <a:lvl4pPr marL="1371600" indent="0" algn="ctr" rtl="0" fontAlgn="base">
-              <a:spcBef>
-                <a:spcPct val="20000"/>
-              </a:spcBef>
-              <a:spcAft>
-                <a:spcPct val="0"/>
-              </a:spcAft>
-              <a:buNone/>
-              <a:defRPr sz="2000">
-                <a:solidFill>
-                  <a:schemeClr val="tx1"/>
-                </a:solidFill>
-                <a:latin typeface="+mn-lt"/>
-              </a:defRPr>
-            </a:lvl4pPr>
-            <a:lvl5pPr marL="1828800" indent="0" algn="ctr" rtl="0" fontAlgn="base">
-              <a:spcBef>
-                <a:spcPct val="20000"/>
-              </a:spcBef>
-              <a:spcAft>
-                <a:spcPct val="0"/>
-              </a:spcAft>
-              <a:buNone/>
-              <a:defRPr sz="2000">
-                <a:solidFill>
-                  <a:schemeClr val="tx1"/>
-                </a:solidFill>
-                <a:latin typeface="+mn-lt"/>
-              </a:defRPr>
-            </a:lvl5pPr>
-            <a:lvl6pPr marL="2286000" indent="0" algn="ctr" rtl="0" fontAlgn="base">
-              <a:spcBef>
-                <a:spcPct val="20000"/>
-              </a:spcBef>
-              <a:spcAft>
-                <a:spcPct val="0"/>
-              </a:spcAft>
-              <a:buNone/>
-              <a:defRPr sz="2000">
-                <a:solidFill>
-                  <a:schemeClr val="tx1"/>
-                </a:solidFill>
-                <a:latin typeface="+mn-lt"/>
-              </a:defRPr>
-            </a:lvl6pPr>
-            <a:lvl7pPr marL="2743200" indent="0" algn="ctr" rtl="0" fontAlgn="base">
-              <a:spcBef>
-                <a:spcPct val="20000"/>
-              </a:spcBef>
-              <a:spcAft>
-                <a:spcPct val="0"/>
-              </a:spcAft>
-              <a:buNone/>
-              <a:defRPr sz="2000">
-                <a:solidFill>
-                  <a:schemeClr val="tx1"/>
-                </a:solidFill>
-                <a:latin typeface="+mn-lt"/>
-              </a:defRPr>
-            </a:lvl7pPr>
-            <a:lvl8pPr marL="3200400" indent="0" algn="ctr" rtl="0" fontAlgn="base">
-              <a:spcBef>
-                <a:spcPct val="20000"/>
-              </a:spcBef>
-              <a:spcAft>
-                <a:spcPct val="0"/>
-              </a:spcAft>
-              <a:buNone/>
-              <a:defRPr sz="2000">
-                <a:solidFill>
-                  <a:schemeClr val="tx1"/>
-                </a:solidFill>
-                <a:latin typeface="+mn-lt"/>
-              </a:defRPr>
-            </a:lvl8pPr>
-            <a:lvl9pPr marL="3657600" indent="0" algn="ctr" rtl="0" fontAlgn="base">
-              <a:spcBef>
-                <a:spcPct val="20000"/>
-              </a:spcBef>
-              <a:spcAft>
-                <a:spcPct val="0"/>
-              </a:spcAft>
-              <a:buNone/>
-              <a:defRPr sz="2000">
-                <a:solidFill>
-                  <a:schemeClr val="tx1"/>
-                </a:solidFill>
-                <a:latin typeface="+mn-lt"/>
-              </a:defRPr>
-            </a:lvl9pPr>
-          </a:lstStyle>
-          <a:p>
-            <a:pPr lvl="1" indent="-457200" algn="l">
-              <a:lnSpc>
-                <a:spcPct val="90000"/>
-              </a:lnSpc>
-              <a:buFont typeface="Arial" pitchFamily="34" charset="0"/>
-              <a:buChar char="•"/>
-            </a:pPr>
-            <a:r>
-              <a:rPr lang="en-US" sz="3200" b="0" dirty="0"/>
-              <a:t>M = instantaneous natural mortality.</a:t>
-            </a:r>
-          </a:p>
-          <a:p>
-            <a:pPr lvl="1" indent="-457200" algn="l">
-              <a:lnSpc>
-                <a:spcPct val="90000"/>
-              </a:lnSpc>
-              <a:buFont typeface="Arial" pitchFamily="34" charset="0"/>
-              <a:buChar char="•"/>
-            </a:pPr>
-            <a:r>
-              <a:rPr lang="en-US" sz="3200" b="0" dirty="0" smtClean="0"/>
-              <a:t>F = instantaneous fishing mortality.</a:t>
-            </a:r>
-          </a:p>
-        </p:txBody>
-      </p:sp>
     </p:spTree>
     <p:extLst>
       <p:ext uri="{BB962C8B-B14F-4D97-AF65-F5344CB8AC3E}">
@@ -5079,133 +4881,9 @@
   <p:timing>
     <p:tnLst>
       <p:par>
-        <p:cTn id="1" dur="indefinite" restart="never" nodeType="tmRoot">
-          <p:childTnLst>
-            <p:seq concurrent="1" nextAc="seek">
-              <p:cTn id="2" dur="indefinite" nodeType="mainSeq">
-                <p:childTnLst>
-                  <p:par>
-                    <p:cTn id="3" fill="hold">
-                      <p:stCondLst>
-                        <p:cond delay="indefinite"/>
-                      </p:stCondLst>
-                      <p:childTnLst>
-                        <p:par>
-                          <p:cTn id="4" fill="hold">
-                            <p:stCondLst>
-                              <p:cond delay="0"/>
-                            </p:stCondLst>
-                            <p:childTnLst>
-                              <p:par>
-                                <p:cTn id="5" presetID="1" presetClass="entr" presetSubtype="0" fill="hold" grpId="0" nodeType="clickEffect">
-                                  <p:stCondLst>
-                                    <p:cond delay="0"/>
-                                  </p:stCondLst>
-                                  <p:childTnLst>
-                                    <p:set>
-                                      <p:cBhvr>
-                                        <p:cTn id="6" dur="1" fill="hold">
-                                          <p:stCondLst>
-                                            <p:cond delay="0"/>
-                                          </p:stCondLst>
-                                        </p:cTn>
-                                        <p:tgtEl>
-                                          <p:spTgt spid="20">
-                                            <p:txEl>
-                                              <p:pRg st="0" end="0"/>
-                                            </p:txEl>
-                                          </p:spTgt>
-                                        </p:tgtEl>
-                                        <p:attrNameLst>
-                                          <p:attrName>style.visibility</p:attrName>
-                                        </p:attrNameLst>
-                                      </p:cBhvr>
-                                      <p:to>
-                                        <p:strVal val="visible"/>
-                                      </p:to>
-                                    </p:set>
-                                  </p:childTnLst>
-                                </p:cTn>
-                              </p:par>
-                            </p:childTnLst>
-                          </p:cTn>
-                        </p:par>
-                      </p:childTnLst>
-                    </p:cTn>
-                  </p:par>
-                  <p:par>
-                    <p:cTn id="7" fill="hold">
-                      <p:stCondLst>
-                        <p:cond delay="indefinite"/>
-                      </p:stCondLst>
-                      <p:childTnLst>
-                        <p:par>
-                          <p:cTn id="8" fill="hold">
-                            <p:stCondLst>
-                              <p:cond delay="0"/>
-                            </p:stCondLst>
-                            <p:childTnLst>
-                              <p:par>
-                                <p:cTn id="9" presetID="1" presetClass="entr" presetSubtype="0" fill="hold" grpId="0" nodeType="clickEffect">
-                                  <p:stCondLst>
-                                    <p:cond delay="0"/>
-                                  </p:stCondLst>
-                                  <p:childTnLst>
-                                    <p:set>
-                                      <p:cBhvr>
-                                        <p:cTn id="10" dur="1" fill="hold">
-                                          <p:stCondLst>
-                                            <p:cond delay="0"/>
-                                          </p:stCondLst>
-                                        </p:cTn>
-                                        <p:tgtEl>
-                                          <p:spTgt spid="20">
-                                            <p:txEl>
-                                              <p:pRg st="1" end="1"/>
-                                            </p:txEl>
-                                          </p:spTgt>
-                                        </p:tgtEl>
-                                        <p:attrNameLst>
-                                          <p:attrName>style.visibility</p:attrName>
-                                        </p:attrNameLst>
-                                      </p:cBhvr>
-                                      <p:to>
-                                        <p:strVal val="visible"/>
-                                      </p:to>
-                                    </p:set>
-                                  </p:childTnLst>
-                                </p:cTn>
-                              </p:par>
-                            </p:childTnLst>
-                          </p:cTn>
-                        </p:par>
-                      </p:childTnLst>
-                    </p:cTn>
-                  </p:par>
-                </p:childTnLst>
-              </p:cTn>
-              <p:prevCondLst>
-                <p:cond evt="onPrev" delay="0">
-                  <p:tgtEl>
-                    <p:sldTgt/>
-                  </p:tgtEl>
-                </p:cond>
-              </p:prevCondLst>
-              <p:nextCondLst>
-                <p:cond evt="onNext" delay="0">
-                  <p:tgtEl>
-                    <p:sldTgt/>
-                  </p:tgtEl>
-                </p:cond>
-              </p:nextCondLst>
-            </p:seq>
-          </p:childTnLst>
-        </p:cTn>
+        <p:cTn id="1" dur="indefinite" restart="never" nodeType="tmRoot"/>
       </p:par>
     </p:tnLst>
-    <p:bldLst>
-      <p:bldP spid="20" grpId="0" build="p"/>
-    </p:bldLst>
   </p:timing>
 </p:sld>
 </file>
@@ -5805,7 +5483,7 @@
                     <m:f>
                       <m:fPr>
                         <m:ctrlPr>
-                          <a:rPr lang="en-US" sz="4000" smtClean="0">
+                          <a:rPr lang="en-US" sz="4000" i="1" smtClean="0">
                             <a:latin typeface="Cambria Math" panose="02040503050406030204" pitchFamily="18" charset="0"/>
                           </a:rPr>
                         </m:ctrlPr>
@@ -5842,7 +5520,7 @@
                     <m:f>
                       <m:fPr>
                         <m:ctrlPr>
-                          <a:rPr lang="en-US" sz="4000">
+                          <a:rPr lang="en-US" sz="4000" i="1">
                             <a:latin typeface="Cambria Math" panose="02040503050406030204" pitchFamily="18" charset="0"/>
                           </a:rPr>
                         </m:ctrlPr>
@@ -5879,7 +5557,7 @@
                     <m:f>
                       <m:fPr>
                         <m:ctrlPr>
-                          <a:rPr lang="en-US" sz="4000">
+                          <a:rPr lang="en-US" sz="4000" i="1">
                             <a:latin typeface="Cambria Math" panose="02040503050406030204" pitchFamily="18" charset="0"/>
                           </a:rPr>
                         </m:ctrlPr>
@@ -5916,9 +5594,10 @@
                 <a:endParaRPr lang="en-US" dirty="0"/>
               </a:p>
               <a:p>
+                <a:pPr lvl="2"/>
                 <a:r>
-                  <a:rPr lang="en-US" dirty="0"/>
-                  <a:t>which simplifies to </a:t>
+                  <a:rPr lang="en-US" sz="3200" dirty="0" smtClean="0"/>
+                  <a:t>describe this … </a:t>
                 </a:r>
                 <a14:m>
                   <m:oMath xmlns:m="http://schemas.openxmlformats.org/officeDocument/2006/math">
@@ -5926,13 +5605,13 @@
                       <m:rPr>
                         <m:sty m:val="p"/>
                       </m:rPr>
-                      <a:rPr lang="en-US" sz="3600">
+                      <a:rPr lang="en-US" sz="3200">
                         <a:latin typeface="Cambria Math" panose="02040503050406030204" pitchFamily="18" charset="0"/>
                       </a:rPr>
                       <m:t>u</m:t>
                     </m:r>
                     <m:r>
-                      <a:rPr lang="en-US" sz="3600">
+                      <a:rPr lang="en-US" sz="3200">
                         <a:latin typeface="Cambria Math" panose="02040503050406030204" pitchFamily="18" charset="0"/>
                       </a:rPr>
                       <m:t>=</m:t>
@@ -5940,7 +5619,7 @@
                     <m:f>
                       <m:fPr>
                         <m:ctrlPr>
-                          <a:rPr lang="en-US" sz="3600" i="1">
+                          <a:rPr lang="en-US" sz="3200" i="1">
                             <a:latin typeface="Cambria Math" panose="02040503050406030204" pitchFamily="18" charset="0"/>
                           </a:rPr>
                         </m:ctrlPr>
@@ -5950,7 +5629,7 @@
                           <m:rPr>
                             <m:sty m:val="p"/>
                           </m:rPr>
-                          <a:rPr lang="en-US" sz="3600">
+                          <a:rPr lang="en-US" sz="3200">
                             <a:latin typeface="Cambria Math" panose="02040503050406030204" pitchFamily="18" charset="0"/>
                           </a:rPr>
                           <m:t>F</m:t>
@@ -5961,7 +5640,7 @@
                           <m:rPr>
                             <m:sty m:val="p"/>
                           </m:rPr>
-                          <a:rPr lang="en-US" sz="3600">
+                          <a:rPr lang="en-US" sz="3200">
                             <a:latin typeface="Cambria Math" panose="02040503050406030204" pitchFamily="18" charset="0"/>
                           </a:rPr>
                           <m:t>Z</m:t>
@@ -5972,14 +5651,14 @@
                       <m:rPr>
                         <m:sty m:val="p"/>
                       </m:rPr>
-                      <a:rPr lang="en-US" sz="3600">
+                      <a:rPr lang="en-US" sz="3200">
                         <a:latin typeface="Cambria Math" panose="02040503050406030204" pitchFamily="18" charset="0"/>
                       </a:rPr>
                       <m:t>A</m:t>
                     </m:r>
                   </m:oMath>
                 </a14:m>
-                <a:endParaRPr lang="en-US" sz="3600" dirty="0"/>
+                <a:endParaRPr lang="en-US" dirty="0"/>
               </a:p>
               <a:p>
                 <a:endParaRPr lang="en-US" dirty="0"/>
@@ -5989,7 +5668,6 @@
                   <a:rPr lang="en-US" dirty="0"/>
                   <a:t>Thus, given an estimate of Z (and A), F can be estimated if u can be estimated.</a:t>
                 </a:r>
-                <a:endParaRPr lang="en-US" dirty="0"/>
               </a:p>
             </p:txBody>
           </p:sp>
@@ -6013,7 +5691,7 @@
               <a:blipFill rotWithShape="0">
                 <a:blip r:embed="rId2"/>
                 <a:stretch>
-                  <a:fillRect l="-1546" t="-1486" r="-941" b="-1829"/>
+                  <a:fillRect l="-1546" t="-1486" r="-941"/>
                 </a:stretch>
               </a:blipFill>
             </p:spPr>
@@ -6092,9 +5770,133 @@
   <p:timing>
     <p:tnLst>
       <p:par>
-        <p:cTn id="1" dur="indefinite" restart="never" nodeType="tmRoot"/>
+        <p:cTn id="1" dur="indefinite" restart="never" nodeType="tmRoot">
+          <p:childTnLst>
+            <p:seq concurrent="1" nextAc="seek">
+              <p:cTn id="2" dur="indefinite" nodeType="mainSeq">
+                <p:childTnLst>
+                  <p:par>
+                    <p:cTn id="3" fill="hold">
+                      <p:stCondLst>
+                        <p:cond delay="indefinite"/>
+                      </p:stCondLst>
+                      <p:childTnLst>
+                        <p:par>
+                          <p:cTn id="4" fill="hold">
+                            <p:stCondLst>
+                              <p:cond delay="0"/>
+                            </p:stCondLst>
+                            <p:childTnLst>
+                              <p:par>
+                                <p:cTn id="5" presetID="1" presetClass="entr" presetSubtype="0" fill="hold" grpId="0" nodeType="clickEffect">
+                                  <p:stCondLst>
+                                    <p:cond delay="0"/>
+                                  </p:stCondLst>
+                                  <p:childTnLst>
+                                    <p:set>
+                                      <p:cBhvr>
+                                        <p:cTn id="6" dur="1" fill="hold">
+                                          <p:stCondLst>
+                                            <p:cond delay="0"/>
+                                          </p:stCondLst>
+                                        </p:cTn>
+                                        <p:tgtEl>
+                                          <p:spTgt spid="3">
+                                            <p:txEl>
+                                              <p:pRg st="3" end="3"/>
+                                            </p:txEl>
+                                          </p:spTgt>
+                                        </p:tgtEl>
+                                        <p:attrNameLst>
+                                          <p:attrName>style.visibility</p:attrName>
+                                        </p:attrNameLst>
+                                      </p:cBhvr>
+                                      <p:to>
+                                        <p:strVal val="visible"/>
+                                      </p:to>
+                                    </p:set>
+                                  </p:childTnLst>
+                                </p:cTn>
+                              </p:par>
+                            </p:childTnLst>
+                          </p:cTn>
+                        </p:par>
+                      </p:childTnLst>
+                    </p:cTn>
+                  </p:par>
+                  <p:par>
+                    <p:cTn id="7" fill="hold">
+                      <p:stCondLst>
+                        <p:cond delay="indefinite"/>
+                      </p:stCondLst>
+                      <p:childTnLst>
+                        <p:par>
+                          <p:cTn id="8" fill="hold">
+                            <p:stCondLst>
+                              <p:cond delay="0"/>
+                            </p:stCondLst>
+                            <p:childTnLst>
+                              <p:par>
+                                <p:cTn id="9" presetID="1" presetClass="entr" presetSubtype="0" fill="hold" grpId="0" nodeType="clickEffect">
+                                  <p:stCondLst>
+                                    <p:cond delay="0"/>
+                                  </p:stCondLst>
+                                  <p:childTnLst>
+                                    <p:set>
+                                      <p:cBhvr>
+                                        <p:cTn id="10" dur="1" fill="hold">
+                                          <p:stCondLst>
+                                            <p:cond delay="0"/>
+                                          </p:stCondLst>
+                                        </p:cTn>
+                                        <p:tgtEl>
+                                          <p:spTgt spid="3">
+                                            <p:txEl>
+                                              <p:pRg st="5" end="5"/>
+                                            </p:txEl>
+                                          </p:spTgt>
+                                        </p:tgtEl>
+                                        <p:attrNameLst>
+                                          <p:attrName>style.visibility</p:attrName>
+                                        </p:attrNameLst>
+                                      </p:cBhvr>
+                                      <p:to>
+                                        <p:strVal val="visible"/>
+                                      </p:to>
+                                    </p:set>
+                                  </p:childTnLst>
+                                </p:cTn>
+                              </p:par>
+                            </p:childTnLst>
+                          </p:cTn>
+                        </p:par>
+                      </p:childTnLst>
+                    </p:cTn>
+                  </p:par>
+                </p:childTnLst>
+              </p:cTn>
+              <p:prevCondLst>
+                <p:cond evt="onPrev" delay="0">
+                  <p:tgtEl>
+                    <p:sldTgt/>
+                  </p:tgtEl>
+                </p:cond>
+              </p:prevCondLst>
+              <p:nextCondLst>
+                <p:cond evt="onNext" delay="0">
+                  <p:tgtEl>
+                    <p:sldTgt/>
+                  </p:tgtEl>
+                </p:cond>
+              </p:nextCondLst>
+            </p:seq>
+          </p:childTnLst>
+        </p:cTn>
       </p:par>
     </p:tnLst>
+    <p:bldLst>
+      <p:bldP spid="3" grpId="0" uiExpand="1" build="p"/>
+    </p:bldLst>
   </p:timing>
 </p:sld>
 </file>
@@ -6272,7 +6074,75 @@
   <p:timing>
     <p:tnLst>
       <p:par>
-        <p:cTn id="1" dur="indefinite" restart="never" nodeType="tmRoot"/>
+        <p:cTn id="1" dur="indefinite" restart="never" nodeType="tmRoot">
+          <p:childTnLst>
+            <p:seq concurrent="1" nextAc="seek">
+              <p:cTn id="2" dur="indefinite" nodeType="mainSeq">
+                <p:childTnLst>
+                  <p:par>
+                    <p:cTn id="3" fill="hold">
+                      <p:stCondLst>
+                        <p:cond delay="indefinite"/>
+                      </p:stCondLst>
+                      <p:childTnLst>
+                        <p:par>
+                          <p:cTn id="4" fill="hold">
+                            <p:stCondLst>
+                              <p:cond delay="0"/>
+                            </p:stCondLst>
+                            <p:childTnLst>
+                              <p:par>
+                                <p:cTn id="5" presetID="1" presetClass="entr" presetSubtype="0" fill="hold" nodeType="clickEffect">
+                                  <p:stCondLst>
+                                    <p:cond delay="0"/>
+                                  </p:stCondLst>
+                                  <p:childTnLst>
+                                    <p:set>
+                                      <p:cBhvr>
+                                        <p:cTn id="6" dur="1" fill="hold">
+                                          <p:stCondLst>
+                                            <p:cond delay="0"/>
+                                          </p:stCondLst>
+                                        </p:cTn>
+                                        <p:tgtEl>
+                                          <p:spTgt spid="6"/>
+                                        </p:tgtEl>
+                                        <p:attrNameLst>
+                                          <p:attrName>style.visibility</p:attrName>
+                                        </p:attrNameLst>
+                                      </p:cBhvr>
+                                      <p:to>
+                                        <p:strVal val="visible"/>
+                                      </p:to>
+                                    </p:set>
+                                  </p:childTnLst>
+                                </p:cTn>
+                              </p:par>
+                            </p:childTnLst>
+                          </p:cTn>
+                        </p:par>
+                      </p:childTnLst>
+                    </p:cTn>
+                  </p:par>
+                </p:childTnLst>
+              </p:cTn>
+              <p:prevCondLst>
+                <p:cond evt="onPrev" delay="0">
+                  <p:tgtEl>
+                    <p:sldTgt/>
+                  </p:tgtEl>
+                </p:cond>
+              </p:prevCondLst>
+              <p:nextCondLst>
+                <p:cond evt="onNext" delay="0">
+                  <p:tgtEl>
+                    <p:sldTgt/>
+                  </p:tgtEl>
+                </p:cond>
+              </p:nextCondLst>
+            </p:seq>
+          </p:childTnLst>
+        </p:cTn>
       </p:par>
     </p:tnLst>
   </p:timing>
@@ -6478,7 +6348,102 @@
   <p:timing>
     <p:tnLst>
       <p:par>
-        <p:cTn id="1" dur="indefinite" restart="never" nodeType="tmRoot"/>
+        <p:cTn id="1" dur="indefinite" restart="never" nodeType="tmRoot">
+          <p:childTnLst>
+            <p:seq concurrent="1" nextAc="seek">
+              <p:cTn id="2" dur="indefinite" nodeType="mainSeq">
+                <p:childTnLst>
+                  <p:par>
+                    <p:cTn id="3" fill="hold">
+                      <p:stCondLst>
+                        <p:cond delay="indefinite"/>
+                      </p:stCondLst>
+                      <p:childTnLst>
+                        <p:par>
+                          <p:cTn id="4" fill="hold">
+                            <p:stCondLst>
+                              <p:cond delay="0"/>
+                            </p:stCondLst>
+                            <p:childTnLst>
+                              <p:par>
+                                <p:cTn id="5" presetID="1" presetClass="entr" presetSubtype="0" fill="hold" nodeType="clickEffect">
+                                  <p:stCondLst>
+                                    <p:cond delay="0"/>
+                                  </p:stCondLst>
+                                  <p:childTnLst>
+                                    <p:set>
+                                      <p:cBhvr>
+                                        <p:cTn id="6" dur="1" fill="hold">
+                                          <p:stCondLst>
+                                            <p:cond delay="0"/>
+                                          </p:stCondLst>
+                                        </p:cTn>
+                                        <p:tgtEl>
+                                          <p:spTgt spid="8"/>
+                                        </p:tgtEl>
+                                        <p:attrNameLst>
+                                          <p:attrName>style.visibility</p:attrName>
+                                        </p:attrNameLst>
+                                      </p:cBhvr>
+                                      <p:to>
+                                        <p:strVal val="visible"/>
+                                      </p:to>
+                                    </p:set>
+                                  </p:childTnLst>
+                                </p:cTn>
+                              </p:par>
+                              <p:par>
+                                <p:cTn id="7" presetID="1" presetClass="entr" presetSubtype="0" fill="hold" nodeType="withEffect">
+                                  <p:stCondLst>
+                                    <p:cond delay="0"/>
+                                  </p:stCondLst>
+                                  <p:childTnLst>
+                                    <p:set>
+                                      <p:cBhvr>
+                                        <p:cTn id="8" dur="1" fill="hold">
+                                          <p:stCondLst>
+                                            <p:cond delay="0"/>
+                                          </p:stCondLst>
+                                        </p:cTn>
+                                        <p:tgtEl>
+                                          <p:spTgt spid="9"/>
+                                        </p:tgtEl>
+                                        <p:attrNameLst>
+                                          <p:attrName>style.visibility</p:attrName>
+                                        </p:attrNameLst>
+                                      </p:cBhvr>
+                                      <p:to>
+                                        <p:strVal val="visible"/>
+                                      </p:to>
+                                    </p:set>
+                                  </p:childTnLst>
+                                </p:cTn>
+                              </p:par>
+                            </p:childTnLst>
+                          </p:cTn>
+                        </p:par>
+                      </p:childTnLst>
+                    </p:cTn>
+                  </p:par>
+                </p:childTnLst>
+              </p:cTn>
+              <p:prevCondLst>
+                <p:cond evt="onPrev" delay="0">
+                  <p:tgtEl>
+                    <p:sldTgt/>
+                  </p:tgtEl>
+                </p:cond>
+              </p:prevCondLst>
+              <p:nextCondLst>
+                <p:cond evt="onNext" delay="0">
+                  <p:tgtEl>
+                    <p:sldTgt/>
+                  </p:tgtEl>
+                </p:cond>
+              </p:nextCondLst>
+            </p:seq>
+          </p:childTnLst>
+        </p:cTn>
       </p:par>
     </p:tnLst>
   </p:timing>
@@ -6569,7 +6534,23 @@
                   <a:srgbClr val="FF0000"/>
                 </a:solidFill>
               </a:rPr>
-              <a:t>Recall that these estimates are only valid if ratios of fishing and natural mortality are constant throughout the year.</a:t>
+              <a:t>Recall that </a:t>
+            </a:r>
+            <a:r>
+              <a:rPr lang="en-US" b="1" dirty="0" smtClean="0">
+                <a:solidFill>
+                  <a:srgbClr val="FF0000"/>
+                </a:solidFill>
+              </a:rPr>
+              <a:t>these </a:t>
+            </a:r>
+            <a:r>
+              <a:rPr lang="en-US" b="1" dirty="0" smtClean="0">
+                <a:solidFill>
+                  <a:srgbClr val="FF0000"/>
+                </a:solidFill>
+              </a:rPr>
+              <a:t>estimates are only valid if ratios of fishing and natural mortality are constant throughout the year.</a:t>
             </a:r>
             <a:endParaRPr lang="en-US" b="1" dirty="0">
               <a:solidFill>
@@ -9424,9 +9405,244 @@
   <p:timing>
     <p:tnLst>
       <p:par>
-        <p:cTn id="1" dur="indefinite" restart="never" nodeType="tmRoot"/>
+        <p:cTn id="1" dur="indefinite" restart="never" nodeType="tmRoot">
+          <p:childTnLst>
+            <p:seq concurrent="1" nextAc="seek">
+              <p:cTn id="2" dur="indefinite" nodeType="mainSeq">
+                <p:childTnLst>
+                  <p:par>
+                    <p:cTn id="3" fill="hold">
+                      <p:stCondLst>
+                        <p:cond delay="indefinite"/>
+                      </p:stCondLst>
+                      <p:childTnLst>
+                        <p:par>
+                          <p:cTn id="4" fill="hold">
+                            <p:stCondLst>
+                              <p:cond delay="0"/>
+                            </p:stCondLst>
+                            <p:childTnLst>
+                              <p:par>
+                                <p:cTn id="5" presetID="1" presetClass="entr" presetSubtype="0" fill="hold" grpId="0" nodeType="clickEffect">
+                                  <p:stCondLst>
+                                    <p:cond delay="0"/>
+                                  </p:stCondLst>
+                                  <p:childTnLst>
+                                    <p:set>
+                                      <p:cBhvr>
+                                        <p:cTn id="6" dur="1" fill="hold">
+                                          <p:stCondLst>
+                                            <p:cond delay="0"/>
+                                          </p:stCondLst>
+                                        </p:cTn>
+                                        <p:tgtEl>
+                                          <p:spTgt spid="3">
+                                            <p:txEl>
+                                              <p:pRg st="4" end="4"/>
+                                            </p:txEl>
+                                          </p:spTgt>
+                                        </p:tgtEl>
+                                        <p:attrNameLst>
+                                          <p:attrName>style.visibility</p:attrName>
+                                        </p:attrNameLst>
+                                      </p:cBhvr>
+                                      <p:to>
+                                        <p:strVal val="visible"/>
+                                      </p:to>
+                                    </p:set>
+                                  </p:childTnLst>
+                                </p:cTn>
+                              </p:par>
+                            </p:childTnLst>
+                          </p:cTn>
+                        </p:par>
+                      </p:childTnLst>
+                    </p:cTn>
+                  </p:par>
+                  <p:par>
+                    <p:cTn id="7" fill="hold">
+                      <p:stCondLst>
+                        <p:cond delay="indefinite"/>
+                      </p:stCondLst>
+                      <p:childTnLst>
+                        <p:par>
+                          <p:cTn id="8" fill="hold">
+                            <p:stCondLst>
+                              <p:cond delay="0"/>
+                            </p:stCondLst>
+                            <p:childTnLst>
+                              <p:par>
+                                <p:cTn id="9" presetID="1" presetClass="entr" presetSubtype="0" fill="hold" grpId="0" nodeType="clickEffect">
+                                  <p:stCondLst>
+                                    <p:cond delay="0"/>
+                                  </p:stCondLst>
+                                  <p:childTnLst>
+                                    <p:set>
+                                      <p:cBhvr>
+                                        <p:cTn id="10" dur="1" fill="hold">
+                                          <p:stCondLst>
+                                            <p:cond delay="0"/>
+                                          </p:stCondLst>
+                                        </p:cTn>
+                                        <p:tgtEl>
+                                          <p:spTgt spid="3">
+                                            <p:txEl>
+                                              <p:pRg st="5" end="5"/>
+                                            </p:txEl>
+                                          </p:spTgt>
+                                        </p:tgtEl>
+                                        <p:attrNameLst>
+                                          <p:attrName>style.visibility</p:attrName>
+                                        </p:attrNameLst>
+                                      </p:cBhvr>
+                                      <p:to>
+                                        <p:strVal val="visible"/>
+                                      </p:to>
+                                    </p:set>
+                                  </p:childTnLst>
+                                </p:cTn>
+                              </p:par>
+                              <p:par>
+                                <p:cTn id="11" presetID="1" presetClass="entr" presetSubtype="0" fill="hold" grpId="0" nodeType="withEffect">
+                                  <p:stCondLst>
+                                    <p:cond delay="0"/>
+                                  </p:stCondLst>
+                                  <p:childTnLst>
+                                    <p:set>
+                                      <p:cBhvr>
+                                        <p:cTn id="12" dur="1" fill="hold">
+                                          <p:stCondLst>
+                                            <p:cond delay="0"/>
+                                          </p:stCondLst>
+                                        </p:cTn>
+                                        <p:tgtEl>
+                                          <p:spTgt spid="3">
+                                            <p:txEl>
+                                              <p:pRg st="6" end="6"/>
+                                            </p:txEl>
+                                          </p:spTgt>
+                                        </p:tgtEl>
+                                        <p:attrNameLst>
+                                          <p:attrName>style.visibility</p:attrName>
+                                        </p:attrNameLst>
+                                      </p:cBhvr>
+                                      <p:to>
+                                        <p:strVal val="visible"/>
+                                      </p:to>
+                                    </p:set>
+                                  </p:childTnLst>
+                                </p:cTn>
+                              </p:par>
+                              <p:par>
+                                <p:cTn id="13" presetID="1" presetClass="entr" presetSubtype="0" fill="hold" grpId="0" nodeType="withEffect">
+                                  <p:stCondLst>
+                                    <p:cond delay="0"/>
+                                  </p:stCondLst>
+                                  <p:childTnLst>
+                                    <p:set>
+                                      <p:cBhvr>
+                                        <p:cTn id="14" dur="1" fill="hold">
+                                          <p:stCondLst>
+                                            <p:cond delay="0"/>
+                                          </p:stCondLst>
+                                        </p:cTn>
+                                        <p:tgtEl>
+                                          <p:spTgt spid="3">
+                                            <p:txEl>
+                                              <p:pRg st="7" end="7"/>
+                                            </p:txEl>
+                                          </p:spTgt>
+                                        </p:tgtEl>
+                                        <p:attrNameLst>
+                                          <p:attrName>style.visibility</p:attrName>
+                                        </p:attrNameLst>
+                                      </p:cBhvr>
+                                      <p:to>
+                                        <p:strVal val="visible"/>
+                                      </p:to>
+                                    </p:set>
+                                  </p:childTnLst>
+                                </p:cTn>
+                              </p:par>
+                            </p:childTnLst>
+                          </p:cTn>
+                        </p:par>
+                      </p:childTnLst>
+                    </p:cTn>
+                  </p:par>
+                  <p:par>
+                    <p:cTn id="15" fill="hold">
+                      <p:stCondLst>
+                        <p:cond delay="indefinite"/>
+                      </p:stCondLst>
+                      <p:childTnLst>
+                        <p:par>
+                          <p:cTn id="16" fill="hold">
+                            <p:stCondLst>
+                              <p:cond delay="0"/>
+                            </p:stCondLst>
+                            <p:childTnLst>
+                              <p:par>
+                                <p:cTn id="17" presetID="1" presetClass="entr" presetSubtype="0" fill="hold" grpId="0" nodeType="clickEffect">
+                                  <p:stCondLst>
+                                    <p:cond delay="0"/>
+                                  </p:stCondLst>
+                                  <p:childTnLst>
+                                    <p:set>
+                                      <p:cBhvr>
+                                        <p:cTn id="18" dur="1" fill="hold">
+                                          <p:stCondLst>
+                                            <p:cond delay="0"/>
+                                          </p:stCondLst>
+                                        </p:cTn>
+                                        <p:tgtEl>
+                                          <p:spTgt spid="3">
+                                            <p:txEl>
+                                              <p:pRg st="8" end="8"/>
+                                            </p:txEl>
+                                          </p:spTgt>
+                                        </p:tgtEl>
+                                        <p:attrNameLst>
+                                          <p:attrName>style.visibility</p:attrName>
+                                        </p:attrNameLst>
+                                      </p:cBhvr>
+                                      <p:to>
+                                        <p:strVal val="visible"/>
+                                      </p:to>
+                                    </p:set>
+                                  </p:childTnLst>
+                                </p:cTn>
+                              </p:par>
+                            </p:childTnLst>
+                          </p:cTn>
+                        </p:par>
+                      </p:childTnLst>
+                    </p:cTn>
+                  </p:par>
+                </p:childTnLst>
+              </p:cTn>
+              <p:prevCondLst>
+                <p:cond evt="onPrev" delay="0">
+                  <p:tgtEl>
+                    <p:sldTgt/>
+                  </p:tgtEl>
+                </p:cond>
+              </p:prevCondLst>
+              <p:nextCondLst>
+                <p:cond evt="onNext" delay="0">
+                  <p:tgtEl>
+                    <p:sldTgt/>
+                  </p:tgtEl>
+                </p:cond>
+              </p:nextCondLst>
+            </p:seq>
+          </p:childTnLst>
+        </p:cTn>
       </p:par>
     </p:tnLst>
+    <p:bldLst>
+      <p:bldP spid="3" grpId="0" uiExpand="1" build="p"/>
+    </p:bldLst>
   </p:timing>
 </p:sld>
 </file>
@@ -9631,9 +9847,293 @@
   <p:timing>
     <p:tnLst>
       <p:par>
-        <p:cTn id="1" dur="indefinite" restart="never" nodeType="tmRoot"/>
+        <p:cTn id="1" dur="indefinite" restart="never" nodeType="tmRoot">
+          <p:childTnLst>
+            <p:seq concurrent="1" nextAc="seek">
+              <p:cTn id="2" dur="indefinite" nodeType="mainSeq">
+                <p:childTnLst>
+                  <p:par>
+                    <p:cTn id="3" fill="hold">
+                      <p:stCondLst>
+                        <p:cond delay="indefinite"/>
+                      </p:stCondLst>
+                      <p:childTnLst>
+                        <p:par>
+                          <p:cTn id="4" fill="hold">
+                            <p:stCondLst>
+                              <p:cond delay="0"/>
+                            </p:stCondLst>
+                            <p:childTnLst>
+                              <p:par>
+                                <p:cTn id="5" presetID="1" presetClass="entr" presetSubtype="0" fill="hold" grpId="0" nodeType="clickEffect">
+                                  <p:stCondLst>
+                                    <p:cond delay="0"/>
+                                  </p:stCondLst>
+                                  <p:childTnLst>
+                                    <p:set>
+                                      <p:cBhvr>
+                                        <p:cTn id="6" dur="1" fill="hold">
+                                          <p:stCondLst>
+                                            <p:cond delay="0"/>
+                                          </p:stCondLst>
+                                        </p:cTn>
+                                        <p:tgtEl>
+                                          <p:spTgt spid="3">
+                                            <p:txEl>
+                                              <p:pRg st="1" end="1"/>
+                                            </p:txEl>
+                                          </p:spTgt>
+                                        </p:tgtEl>
+                                        <p:attrNameLst>
+                                          <p:attrName>style.visibility</p:attrName>
+                                        </p:attrNameLst>
+                                      </p:cBhvr>
+                                      <p:to>
+                                        <p:strVal val="visible"/>
+                                      </p:to>
+                                    </p:set>
+                                  </p:childTnLst>
+                                </p:cTn>
+                              </p:par>
+                            </p:childTnLst>
+                          </p:cTn>
+                        </p:par>
+                      </p:childTnLst>
+                    </p:cTn>
+                  </p:par>
+                  <p:par>
+                    <p:cTn id="7" fill="hold">
+                      <p:stCondLst>
+                        <p:cond delay="indefinite"/>
+                      </p:stCondLst>
+                      <p:childTnLst>
+                        <p:par>
+                          <p:cTn id="8" fill="hold">
+                            <p:stCondLst>
+                              <p:cond delay="0"/>
+                            </p:stCondLst>
+                            <p:childTnLst>
+                              <p:par>
+                                <p:cTn id="9" presetID="1" presetClass="entr" presetSubtype="0" fill="hold" grpId="0" nodeType="clickEffect">
+                                  <p:stCondLst>
+                                    <p:cond delay="0"/>
+                                  </p:stCondLst>
+                                  <p:childTnLst>
+                                    <p:set>
+                                      <p:cBhvr>
+                                        <p:cTn id="10" dur="1" fill="hold">
+                                          <p:stCondLst>
+                                            <p:cond delay="0"/>
+                                          </p:stCondLst>
+                                        </p:cTn>
+                                        <p:tgtEl>
+                                          <p:spTgt spid="3">
+                                            <p:txEl>
+                                              <p:pRg st="3" end="3"/>
+                                            </p:txEl>
+                                          </p:spTgt>
+                                        </p:tgtEl>
+                                        <p:attrNameLst>
+                                          <p:attrName>style.visibility</p:attrName>
+                                        </p:attrNameLst>
+                                      </p:cBhvr>
+                                      <p:to>
+                                        <p:strVal val="visible"/>
+                                      </p:to>
+                                    </p:set>
+                                  </p:childTnLst>
+                                </p:cTn>
+                              </p:par>
+                              <p:par>
+                                <p:cTn id="11" presetID="1" presetClass="entr" presetSubtype="0" fill="hold" grpId="0" nodeType="withEffect">
+                                  <p:stCondLst>
+                                    <p:cond delay="0"/>
+                                  </p:stCondLst>
+                                  <p:childTnLst>
+                                    <p:set>
+                                      <p:cBhvr>
+                                        <p:cTn id="12" dur="1" fill="hold">
+                                          <p:stCondLst>
+                                            <p:cond delay="0"/>
+                                          </p:stCondLst>
+                                        </p:cTn>
+                                        <p:tgtEl>
+                                          <p:spTgt spid="3">
+                                            <p:txEl>
+                                              <p:pRg st="4" end="4"/>
+                                            </p:txEl>
+                                          </p:spTgt>
+                                        </p:tgtEl>
+                                        <p:attrNameLst>
+                                          <p:attrName>style.visibility</p:attrName>
+                                        </p:attrNameLst>
+                                      </p:cBhvr>
+                                      <p:to>
+                                        <p:strVal val="visible"/>
+                                      </p:to>
+                                    </p:set>
+                                  </p:childTnLst>
+                                </p:cTn>
+                              </p:par>
+                            </p:childTnLst>
+                          </p:cTn>
+                        </p:par>
+                      </p:childTnLst>
+                    </p:cTn>
+                  </p:par>
+                  <p:par>
+                    <p:cTn id="13" fill="hold">
+                      <p:stCondLst>
+                        <p:cond delay="indefinite"/>
+                      </p:stCondLst>
+                      <p:childTnLst>
+                        <p:par>
+                          <p:cTn id="14" fill="hold">
+                            <p:stCondLst>
+                              <p:cond delay="0"/>
+                            </p:stCondLst>
+                            <p:childTnLst>
+                              <p:par>
+                                <p:cTn id="15" presetID="1" presetClass="entr" presetSubtype="0" fill="hold" grpId="0" nodeType="clickEffect">
+                                  <p:stCondLst>
+                                    <p:cond delay="0"/>
+                                  </p:stCondLst>
+                                  <p:childTnLst>
+                                    <p:set>
+                                      <p:cBhvr>
+                                        <p:cTn id="16" dur="1" fill="hold">
+                                          <p:stCondLst>
+                                            <p:cond delay="0"/>
+                                          </p:stCondLst>
+                                        </p:cTn>
+                                        <p:tgtEl>
+                                          <p:spTgt spid="3">
+                                            <p:txEl>
+                                              <p:pRg st="6" end="6"/>
+                                            </p:txEl>
+                                          </p:spTgt>
+                                        </p:tgtEl>
+                                        <p:attrNameLst>
+                                          <p:attrName>style.visibility</p:attrName>
+                                        </p:attrNameLst>
+                                      </p:cBhvr>
+                                      <p:to>
+                                        <p:strVal val="visible"/>
+                                      </p:to>
+                                    </p:set>
+                                  </p:childTnLst>
+                                </p:cTn>
+                              </p:par>
+                              <p:par>
+                                <p:cTn id="17" presetID="1" presetClass="entr" presetSubtype="0" fill="hold" grpId="0" nodeType="withEffect">
+                                  <p:stCondLst>
+                                    <p:cond delay="0"/>
+                                  </p:stCondLst>
+                                  <p:childTnLst>
+                                    <p:set>
+                                      <p:cBhvr>
+                                        <p:cTn id="18" dur="1" fill="hold">
+                                          <p:stCondLst>
+                                            <p:cond delay="0"/>
+                                          </p:stCondLst>
+                                        </p:cTn>
+                                        <p:tgtEl>
+                                          <p:spTgt spid="3">
+                                            <p:txEl>
+                                              <p:pRg st="7" end="7"/>
+                                            </p:txEl>
+                                          </p:spTgt>
+                                        </p:tgtEl>
+                                        <p:attrNameLst>
+                                          <p:attrName>style.visibility</p:attrName>
+                                        </p:attrNameLst>
+                                      </p:cBhvr>
+                                      <p:to>
+                                        <p:strVal val="visible"/>
+                                      </p:to>
+                                    </p:set>
+                                  </p:childTnLst>
+                                </p:cTn>
+                              </p:par>
+                            </p:childTnLst>
+                          </p:cTn>
+                        </p:par>
+                      </p:childTnLst>
+                    </p:cTn>
+                  </p:par>
+                  <p:par>
+                    <p:cTn id="19" fill="hold">
+                      <p:stCondLst>
+                        <p:cond delay="indefinite"/>
+                      </p:stCondLst>
+                      <p:childTnLst>
+                        <p:par>
+                          <p:cTn id="20" fill="hold">
+                            <p:stCondLst>
+                              <p:cond delay="0"/>
+                            </p:stCondLst>
+                            <p:childTnLst>
+                              <p:par>
+                                <p:cTn id="21" presetID="1" presetClass="entr" presetSubtype="0" fill="hold" grpId="0" nodeType="clickEffect">
+                                  <p:stCondLst>
+                                    <p:cond delay="0"/>
+                                  </p:stCondLst>
+                                  <p:childTnLst>
+                                    <p:set>
+                                      <p:cBhvr>
+                                        <p:cTn id="22" dur="1" fill="hold">
+                                          <p:stCondLst>
+                                            <p:cond delay="0"/>
+                                          </p:stCondLst>
+                                        </p:cTn>
+                                        <p:tgtEl>
+                                          <p:spTgt spid="3">
+                                            <p:txEl>
+                                              <p:pRg st="9" end="9"/>
+                                            </p:txEl>
+                                          </p:spTgt>
+                                        </p:tgtEl>
+                                        <p:attrNameLst>
+                                          <p:attrName>style.visibility</p:attrName>
+                                        </p:attrNameLst>
+                                      </p:cBhvr>
+                                      <p:to>
+                                        <p:strVal val="visible"/>
+                                      </p:to>
+                                    </p:set>
+                                  </p:childTnLst>
+                                </p:cTn>
+                              </p:par>
+                            </p:childTnLst>
+                          </p:cTn>
+                        </p:par>
+                      </p:childTnLst>
+                    </p:cTn>
+                  </p:par>
+                </p:childTnLst>
+              </p:cTn>
+              <p:prevCondLst>
+                <p:cond evt="onPrev" delay="0">
+                  <p:tgtEl>
+                    <p:sldTgt/>
+                  </p:tgtEl>
+                </p:cond>
+              </p:prevCondLst>
+              <p:nextCondLst>
+                <p:cond evt="onNext" delay="0">
+                  <p:tgtEl>
+                    <p:sldTgt/>
+                  </p:tgtEl>
+                </p:cond>
+              </p:nextCondLst>
+            </p:seq>
+          </p:childTnLst>
+        </p:cTn>
       </p:par>
     </p:tnLst>
+    <p:bldLst>
+      <p:bldP spid="3" grpId="0" uiExpand="1" build="p"/>
+    </p:bldLst>
   </p:timing>
 </p:sld>
 </file>
@@ -9863,23 +10363,7 @@
             </a:pPr>
             <a:r>
               <a:rPr lang="en-US" b="0" dirty="0" smtClean="0"/>
-              <a:t>As </a:t>
-            </a:r>
-            <a:r>
-              <a:rPr lang="en-US" b="0" dirty="0" smtClean="0"/>
-              <a:t>a manager, which of </a:t>
-            </a:r>
-            <a:r>
-              <a:rPr lang="en-US" b="0" dirty="0" smtClean="0"/>
-              <a:t>natural or fishing mortality can you control and, thus, </a:t>
-            </a:r>
-            <a:r>
-              <a:rPr lang="en-US" b="0" dirty="0" smtClean="0"/>
-              <a:t>want </a:t>
-            </a:r>
-            <a:r>
-              <a:rPr lang="en-US" b="0" dirty="0" smtClean="0"/>
-              <a:t>to know?</a:t>
+              <a:t>As a manager, which of natural or fishing mortality can you control and, thus, want to know?</a:t>
             </a:r>
           </a:p>
           <a:p>
@@ -9892,23 +10376,7 @@
             </a:pPr>
             <a:r>
               <a:rPr lang="en-US" b="0" dirty="0" smtClean="0"/>
-              <a:t>Controlling </a:t>
-            </a:r>
-            <a:r>
-              <a:rPr lang="en-US" b="0" dirty="0" smtClean="0"/>
-              <a:t>F, u, m </a:t>
-            </a:r>
-            <a:r>
-              <a:rPr lang="en-US" b="0" dirty="0" smtClean="0"/>
-              <a:t>is a major goal of </a:t>
-            </a:r>
-            <a:r>
-              <a:rPr lang="en-US" b="0" dirty="0" smtClean="0"/>
-              <a:t>most </a:t>
-            </a:r>
-            <a:r>
-              <a:rPr lang="en-US" b="0" dirty="0" smtClean="0"/>
-              <a:t>fisheries management strategies.</a:t>
+              <a:t>Controlling F, u, m is a major goal of most fisheries management strategies.</a:t>
             </a:r>
           </a:p>
           <a:p>
@@ -9983,7 +10451,7 @@
                                         <p:tgtEl>
                                           <p:spTgt spid="20">
                                             <p:txEl>
-                                              <p:pRg st="0" end="0"/>
+                                              <p:pRg st="1" end="1"/>
                                             </p:txEl>
                                           </p:spTgt>
                                         </p:tgtEl>
@@ -10025,55 +10493,6 @@
                                     <p:set>
                                       <p:cBhvr>
                                         <p:cTn id="10" dur="1" fill="hold">
-                                          <p:stCondLst>
-                                            <p:cond delay="0"/>
-                                          </p:stCondLst>
-                                        </p:cTn>
-                                        <p:tgtEl>
-                                          <p:spTgt spid="20">
-                                            <p:txEl>
-                                              <p:pRg st="1" end="1"/>
-                                            </p:txEl>
-                                          </p:spTgt>
-                                        </p:tgtEl>
-                                        <p:attrNameLst>
-                                          <p:attrName>style.visibility</p:attrName>
-                                        </p:attrNameLst>
-                                      </p:cBhvr>
-                                      <p:to>
-                                        <p:strVal val="visible"/>
-                                      </p:to>
-                                    </p:set>
-                                  </p:childTnLst>
-                                </p:cTn>
-                              </p:par>
-                            </p:childTnLst>
-                          </p:cTn>
-                        </p:par>
-                      </p:childTnLst>
-                    </p:cTn>
-                  </p:par>
-                  <p:par>
-                    <p:cTn id="11" fill="hold">
-                      <p:stCondLst>
-                        <p:cond delay="indefinite"/>
-                      </p:stCondLst>
-                      <p:childTnLst>
-                        <p:par>
-                          <p:cTn id="12" fill="hold">
-                            <p:stCondLst>
-                              <p:cond delay="0"/>
-                            </p:stCondLst>
-                            <p:childTnLst>
-                              <p:par>
-                                <p:cTn id="13" presetID="1" presetClass="entr" presetSubtype="0" fill="hold" grpId="0" nodeType="clickEffect">
-                                  <p:stCondLst>
-                                    <p:cond delay="0"/>
-                                  </p:stCondLst>
-                                  <p:childTnLst>
-                                    <p:set>
-                                      <p:cBhvr>
-                                        <p:cTn id="14" dur="1" fill="hold">
                                           <p:stCondLst>
                                             <p:cond delay="0"/>
                                           </p:stCondLst>

--- a/modules/MortalityComponents/PPT.pptx
+++ b/modules/MortalityComponents/PPT.pptx
@@ -5445,8 +5445,8 @@
           </a:p>
         </p:txBody>
       </p:sp>
-      <mc:AlternateContent xmlns:mc="http://schemas.openxmlformats.org/markup-compatibility/2006">
-        <mc:Choice xmlns:a14="http://schemas.microsoft.com/office/drawing/2010/main" Requires="a14">
+      <mc:AlternateContent xmlns:mc="http://schemas.openxmlformats.org/markup-compatibility/2006" xmlns:a14="http://schemas.microsoft.com/office/drawing/2010/main">
+        <mc:Choice Requires="a14">
           <p:sp>
             <p:nvSpPr>
               <p:cNvPr id="3" name="Content Placeholder 2"/>
@@ -5672,7 +5672,7 @@
             </p:txBody>
           </p:sp>
         </mc:Choice>
-        <mc:Fallback>
+        <mc:Fallback xmlns="">
           <p:sp>
             <p:nvSpPr>
               <p:cNvPr id="3" name="Content Placeholder 2"/>
@@ -6534,23 +6534,7 @@
                   <a:srgbClr val="FF0000"/>
                 </a:solidFill>
               </a:rPr>
-              <a:t>Recall that </a:t>
-            </a:r>
-            <a:r>
-              <a:rPr lang="en-US" b="1" dirty="0" smtClean="0">
-                <a:solidFill>
-                  <a:srgbClr val="FF0000"/>
-                </a:solidFill>
-              </a:rPr>
-              <a:t>these </a:t>
-            </a:r>
-            <a:r>
-              <a:rPr lang="en-US" b="1" dirty="0" smtClean="0">
-                <a:solidFill>
-                  <a:srgbClr val="FF0000"/>
-                </a:solidFill>
-              </a:rPr>
-              <a:t>estimates are only valid if ratios of fishing and natural mortality are constant throughout the year.</a:t>
+              <a:t>Recall that these estimates are only valid if ratios of fishing and natural mortality are constant throughout the year.</a:t>
             </a:r>
             <a:endParaRPr lang="en-US" b="1" dirty="0">
               <a:solidFill>
@@ -9112,12 +9096,12 @@
           <a:lstStyle/>
           <a:p>
             <a:r>
-              <a:rPr lang="en-US" b="1" dirty="0" err="1" smtClean="0"/>
-              <a:t>Contionuous</a:t>
-            </a:r>
-            <a:r>
               <a:rPr lang="en-US" b="1" dirty="0" smtClean="0"/>
-              <a:t> (Type II) Fishery</a:t>
+              <a:t>Continuous </a:t>
+            </a:r>
+            <a:r>
+              <a:rPr lang="en-US" b="1" dirty="0" smtClean="0"/>
+              <a:t>(Type II) Fishery</a:t>
             </a:r>
           </a:p>
           <a:p>
@@ -9319,7 +9303,15 @@
             <a:pPr lvl="1"/>
             <a:r>
               <a:rPr lang="en-US" dirty="0" smtClean="0"/>
-              <a:t>m = annual conditional mortality rate</a:t>
+              <a:t>m = annual </a:t>
+            </a:r>
+            <a:r>
+              <a:rPr lang="en-US" smtClean="0"/>
+              <a:t>conditional fishing </a:t>
+            </a:r>
+            <a:r>
+              <a:rPr lang="en-US" dirty="0" smtClean="0"/>
+              <a:t>mortality rate</a:t>
             </a:r>
           </a:p>
           <a:p>
